--- a/Beer_blind/beers taste.pptx
+++ b/Beer_blind/beers taste.pptx
@@ -1,30 +1,30 @@
 
 <file path=ppt/presentation.xml><?xml version="1.0" encoding="utf-8"?>
-<p:presentation xmlns:a="http://schemas.openxmlformats.org/drawingml/2006/main" xmlns:r="http://schemas.openxmlformats.org/officeDocument/2006/relationships" xmlns:mc="http://schemas.openxmlformats.org/markup-compatibility/2006" xmlns:mv="urn:schemas-microsoft-com:mac:vml" xmlns:p="http://schemas.openxmlformats.org/presentationml/2006/main" xmlns:c="http://schemas.openxmlformats.org/drawingml/2006/chart" xmlns:dgm="http://schemas.openxmlformats.org/drawingml/2006/diagram" xmlns:o="urn:schemas-microsoft-com:office:office" xmlns:v="urn:schemas-microsoft-com:vml" xmlns:pvml="urn:schemas-microsoft-com:office:powerpoint" xmlns:com="http://schemas.openxmlformats.org/drawingml/2006/compatibility" xmlns:p14="http://schemas.microsoft.com/office/powerpoint/2010/main" xmlns:p15="http://schemas.microsoft.com/office/powerpoint/2012/main" autoCompressPictures="0" strictFirstAndLastChars="0" saveSubsetFonts="1">
+<p:presentation xmlns:a="http://schemas.openxmlformats.org/drawingml/2006/main" xmlns:r="http://schemas.openxmlformats.org/officeDocument/2006/relationships" xmlns:p="http://schemas.openxmlformats.org/presentationml/2006/main" strictFirstAndLastChars="0" saveSubsetFonts="1" autoCompressPictures="0">
   <p:sldMasterIdLst>
-    <p:sldMasterId id="2147483659" r:id="rId4"/>
+    <p:sldMasterId id="2147483659" r:id="rId1"/>
   </p:sldMasterIdLst>
   <p:notesMasterIdLst>
-    <p:notesMasterId r:id="rId5"/>
+    <p:notesMasterId r:id="rId14"/>
   </p:notesMasterIdLst>
   <p:sldIdLst>
-    <p:sldId id="256" r:id="rId6"/>
-    <p:sldId id="257" r:id="rId7"/>
-    <p:sldId id="258" r:id="rId8"/>
-    <p:sldId id="259" r:id="rId9"/>
-    <p:sldId id="260" r:id="rId10"/>
-    <p:sldId id="261" r:id="rId11"/>
-    <p:sldId id="262" r:id="rId12"/>
-    <p:sldId id="263" r:id="rId13"/>
-    <p:sldId id="264" r:id="rId14"/>
-    <p:sldId id="265" r:id="rId15"/>
-    <p:sldId id="266" r:id="rId16"/>
-    <p:sldId id="267" r:id="rId17"/>
+    <p:sldId id="256" r:id="rId2"/>
+    <p:sldId id="257" r:id="rId3"/>
+    <p:sldId id="258" r:id="rId4"/>
+    <p:sldId id="259" r:id="rId5"/>
+    <p:sldId id="260" r:id="rId6"/>
+    <p:sldId id="261" r:id="rId7"/>
+    <p:sldId id="262" r:id="rId8"/>
+    <p:sldId id="263" r:id="rId9"/>
+    <p:sldId id="264" r:id="rId10"/>
+    <p:sldId id="265" r:id="rId11"/>
+    <p:sldId id="266" r:id="rId12"/>
+    <p:sldId id="267" r:id="rId13"/>
   </p:sldIdLst>
-  <p:sldSz cy="5143500" cx="9144000"/>
+  <p:sldSz cx="9144000" cy="5143500" type="screen16x9"/>
   <p:notesSz cx="6858000" cy="9144000"/>
   <p:defaultTextStyle>
-    <a:defPPr lvl="0" marR="0" rtl="0" algn="l">
+    <a:defPPr marR="0" lvl="0" algn="l" rtl="0">
       <a:lnSpc>
         <a:spcPct val="100000"/>
       </a:lnSpc>
@@ -35,7 +35,7 @@
         <a:spcPts val="0"/>
       </a:spcAft>
     </a:defPPr>
-    <a:lvl1pPr lvl="0" marR="0" rtl="0" algn="l">
+    <a:lvl1pPr marR="0" lvl="0" algn="l" rtl="0">
       <a:lnSpc>
         <a:spcPct val="100000"/>
       </a:lnSpc>
@@ -49,7 +49,7 @@
         <a:srgbClr val="000000"/>
       </a:buClr>
       <a:buFont typeface="Arial"/>
-      <a:defRPr b="0" i="0" sz="1400" u="none" cap="none" strike="noStrike">
+      <a:defRPr sz="1400" b="0" i="0" u="none" strike="noStrike" cap="none">
         <a:solidFill>
           <a:srgbClr val="000000"/>
         </a:solidFill>
@@ -59,7 +59,7 @@
         <a:sym typeface="Arial"/>
       </a:defRPr>
     </a:lvl1pPr>
-    <a:lvl2pPr lvl="1" marR="0" rtl="0" algn="l">
+    <a:lvl2pPr marR="0" lvl="1" algn="l" rtl="0">
       <a:lnSpc>
         <a:spcPct val="100000"/>
       </a:lnSpc>
@@ -73,7 +73,7 @@
         <a:srgbClr val="000000"/>
       </a:buClr>
       <a:buFont typeface="Arial"/>
-      <a:defRPr b="0" i="0" sz="1400" u="none" cap="none" strike="noStrike">
+      <a:defRPr sz="1400" b="0" i="0" u="none" strike="noStrike" cap="none">
         <a:solidFill>
           <a:srgbClr val="000000"/>
         </a:solidFill>
@@ -83,7 +83,7 @@
         <a:sym typeface="Arial"/>
       </a:defRPr>
     </a:lvl2pPr>
-    <a:lvl3pPr lvl="2" marR="0" rtl="0" algn="l">
+    <a:lvl3pPr marR="0" lvl="2" algn="l" rtl="0">
       <a:lnSpc>
         <a:spcPct val="100000"/>
       </a:lnSpc>
@@ -97,7 +97,7 @@
         <a:srgbClr val="000000"/>
       </a:buClr>
       <a:buFont typeface="Arial"/>
-      <a:defRPr b="0" i="0" sz="1400" u="none" cap="none" strike="noStrike">
+      <a:defRPr sz="1400" b="0" i="0" u="none" strike="noStrike" cap="none">
         <a:solidFill>
           <a:srgbClr val="000000"/>
         </a:solidFill>
@@ -107,7 +107,7 @@
         <a:sym typeface="Arial"/>
       </a:defRPr>
     </a:lvl3pPr>
-    <a:lvl4pPr lvl="3" marR="0" rtl="0" algn="l">
+    <a:lvl4pPr marR="0" lvl="3" algn="l" rtl="0">
       <a:lnSpc>
         <a:spcPct val="100000"/>
       </a:lnSpc>
@@ -121,7 +121,7 @@
         <a:srgbClr val="000000"/>
       </a:buClr>
       <a:buFont typeface="Arial"/>
-      <a:defRPr b="0" i="0" sz="1400" u="none" cap="none" strike="noStrike">
+      <a:defRPr sz="1400" b="0" i="0" u="none" strike="noStrike" cap="none">
         <a:solidFill>
           <a:srgbClr val="000000"/>
         </a:solidFill>
@@ -131,7 +131,7 @@
         <a:sym typeface="Arial"/>
       </a:defRPr>
     </a:lvl4pPr>
-    <a:lvl5pPr lvl="4" marR="0" rtl="0" algn="l">
+    <a:lvl5pPr marR="0" lvl="4" algn="l" rtl="0">
       <a:lnSpc>
         <a:spcPct val="100000"/>
       </a:lnSpc>
@@ -145,7 +145,7 @@
         <a:srgbClr val="000000"/>
       </a:buClr>
       <a:buFont typeface="Arial"/>
-      <a:defRPr b="0" i="0" sz="1400" u="none" cap="none" strike="noStrike">
+      <a:defRPr sz="1400" b="0" i="0" u="none" strike="noStrike" cap="none">
         <a:solidFill>
           <a:srgbClr val="000000"/>
         </a:solidFill>
@@ -155,7 +155,7 @@
         <a:sym typeface="Arial"/>
       </a:defRPr>
     </a:lvl5pPr>
-    <a:lvl6pPr lvl="5" marR="0" rtl="0" algn="l">
+    <a:lvl6pPr marR="0" lvl="5" algn="l" rtl="0">
       <a:lnSpc>
         <a:spcPct val="100000"/>
       </a:lnSpc>
@@ -169,7 +169,7 @@
         <a:srgbClr val="000000"/>
       </a:buClr>
       <a:buFont typeface="Arial"/>
-      <a:defRPr b="0" i="0" sz="1400" u="none" cap="none" strike="noStrike">
+      <a:defRPr sz="1400" b="0" i="0" u="none" strike="noStrike" cap="none">
         <a:solidFill>
           <a:srgbClr val="000000"/>
         </a:solidFill>
@@ -179,7 +179,7 @@
         <a:sym typeface="Arial"/>
       </a:defRPr>
     </a:lvl6pPr>
-    <a:lvl7pPr lvl="6" marR="0" rtl="0" algn="l">
+    <a:lvl7pPr marR="0" lvl="6" algn="l" rtl="0">
       <a:lnSpc>
         <a:spcPct val="100000"/>
       </a:lnSpc>
@@ -193,7 +193,7 @@
         <a:srgbClr val="000000"/>
       </a:buClr>
       <a:buFont typeface="Arial"/>
-      <a:defRPr b="0" i="0" sz="1400" u="none" cap="none" strike="noStrike">
+      <a:defRPr sz="1400" b="0" i="0" u="none" strike="noStrike" cap="none">
         <a:solidFill>
           <a:srgbClr val="000000"/>
         </a:solidFill>
@@ -203,7 +203,7 @@
         <a:sym typeface="Arial"/>
       </a:defRPr>
     </a:lvl7pPr>
-    <a:lvl8pPr lvl="7" marR="0" rtl="0" algn="l">
+    <a:lvl8pPr marR="0" lvl="7" algn="l" rtl="0">
       <a:lnSpc>
         <a:spcPct val="100000"/>
       </a:lnSpc>
@@ -217,7 +217,7 @@
         <a:srgbClr val="000000"/>
       </a:buClr>
       <a:buFont typeface="Arial"/>
-      <a:defRPr b="0" i="0" sz="1400" u="none" cap="none" strike="noStrike">
+      <a:defRPr sz="1400" b="0" i="0" u="none" strike="noStrike" cap="none">
         <a:solidFill>
           <a:srgbClr val="000000"/>
         </a:solidFill>
@@ -227,7 +227,7 @@
         <a:sym typeface="Arial"/>
       </a:defRPr>
     </a:lvl8pPr>
-    <a:lvl9pPr lvl="8" marR="0" rtl="0" algn="l">
+    <a:lvl9pPr marR="0" lvl="8" algn="l" rtl="0">
       <a:lnSpc>
         <a:spcPct val="100000"/>
       </a:lnSpc>
@@ -241,7 +241,7 @@
         <a:srgbClr val="000000"/>
       </a:buClr>
       <a:buFont typeface="Arial"/>
-      <a:defRPr b="0" i="0" sz="1400" u="none" cap="none" strike="noStrike">
+      <a:defRPr sz="1400" b="0" i="0" u="none" strike="noStrike" cap="none">
         <a:solidFill>
           <a:srgbClr val="000000"/>
         </a:solidFill>
@@ -256,14 +256,14 @@
 </file>
 
 <file path=ppt/commentAuthors.xml><?xml version="1.0" encoding="utf-8"?>
-<p:cmAuthorLst xmlns:a="http://schemas.openxmlformats.org/drawingml/2006/main" xmlns:r="http://schemas.openxmlformats.org/officeDocument/2006/relationships" xmlns:mc="http://schemas.openxmlformats.org/markup-compatibility/2006" xmlns:mv="urn:schemas-microsoft-com:mac:vml" xmlns:p="http://schemas.openxmlformats.org/presentationml/2006/main" xmlns:c="http://schemas.openxmlformats.org/drawingml/2006/chart" xmlns:dgm="http://schemas.openxmlformats.org/drawingml/2006/diagram" xmlns:o="urn:schemas-microsoft-com:office:office" xmlns:v="urn:schemas-microsoft-com:vml" xmlns:pvml="urn:schemas-microsoft-com:office:powerpoint" xmlns:com="http://schemas.openxmlformats.org/drawingml/2006/compatibility" xmlns:p14="http://schemas.microsoft.com/office/powerpoint/2010/main" xmlns:p15="http://schemas.microsoft.com/office/powerpoint/2012/main">
-  <p:cmAuthor clrIdx="0" id="0" initials="" lastIdx="1" name="David Bestué"/>
+<p:cmAuthorLst xmlns:a="http://schemas.openxmlformats.org/drawingml/2006/main" xmlns:r="http://schemas.openxmlformats.org/officeDocument/2006/relationships" xmlns:p="http://schemas.openxmlformats.org/presentationml/2006/main">
+  <p:cmAuthor id="0" name="David Bestué" initials="" lastIdx="1" clrIdx="0"/>
 </p:cmAuthorLst>
 </file>
 
 <file path=ppt/comments/comment1.xml><?xml version="1.0" encoding="utf-8"?>
-<p:cmLst xmlns:a="http://schemas.openxmlformats.org/drawingml/2006/main" xmlns:r="http://schemas.openxmlformats.org/officeDocument/2006/relationships" xmlns:mc="http://schemas.openxmlformats.org/markup-compatibility/2006" xmlns:mv="urn:schemas-microsoft-com:mac:vml" xmlns:p="http://schemas.openxmlformats.org/presentationml/2006/main" xmlns:c="http://schemas.openxmlformats.org/drawingml/2006/chart" xmlns:dgm="http://schemas.openxmlformats.org/drawingml/2006/diagram" xmlns:o="urn:schemas-microsoft-com:office:office" xmlns:v="urn:schemas-microsoft-com:vml" xmlns:pvml="urn:schemas-microsoft-com:office:powerpoint" xmlns:com="http://schemas.openxmlformats.org/drawingml/2006/compatibility" xmlns:p14="http://schemas.microsoft.com/office/powerpoint/2010/main" xmlns:p15="http://schemas.microsoft.com/office/powerpoint/2012/main">
-  <p:cm authorId="0" idx="1" dt="2019-02-11T13:59:53.517">
+<p:cmLst xmlns:a="http://schemas.openxmlformats.org/drawingml/2006/main" xmlns:r="http://schemas.openxmlformats.org/officeDocument/2006/relationships" xmlns:p="http://schemas.openxmlformats.org/presentationml/2006/main">
+  <p:cm authorId="0" dt="2019-02-11T13:59:53.517" idx="1">
     <p:pos x="6000" y="0"/>
     <p:text>hacer 0-4 average</p:text>
   </p:cm>
@@ -271,11 +271,16 @@
 </file>
 
 <file path=ppt/notesMasters/notesMaster1.xml><?xml version="1.0" encoding="utf-8"?>
-<p:notesMaster xmlns:a="http://schemas.openxmlformats.org/drawingml/2006/main" xmlns:r="http://schemas.openxmlformats.org/officeDocument/2006/relationships" xmlns:mc="http://schemas.openxmlformats.org/markup-compatibility/2006" xmlns:mv="urn:schemas-microsoft-com:mac:vml" xmlns:p="http://schemas.openxmlformats.org/presentationml/2006/main" xmlns:c="http://schemas.openxmlformats.org/drawingml/2006/chart" xmlns:dgm="http://schemas.openxmlformats.org/drawingml/2006/diagram" xmlns:o="urn:schemas-microsoft-com:office:office" xmlns:v="urn:schemas-microsoft-com:vml" xmlns:pvml="urn:schemas-microsoft-com:office:powerpoint" xmlns:com="http://schemas.openxmlformats.org/drawingml/2006/compatibility" xmlns:p14="http://schemas.microsoft.com/office/powerpoint/2010/main" xmlns:p15="http://schemas.microsoft.com/office/powerpoint/2012/main">
+<p:notesMaster xmlns:a="http://schemas.openxmlformats.org/drawingml/2006/main" xmlns:r="http://schemas.openxmlformats.org/officeDocument/2006/relationships" xmlns:p="http://schemas.openxmlformats.org/presentationml/2006/main">
   <p:cSld>
+    <p:bg>
+      <p:bgRef idx="1001">
+        <a:schemeClr val="bg1"/>
+      </p:bgRef>
+    </p:bg>
     <p:spTree>
       <p:nvGrpSpPr>
-        <p:cNvPr id="2" name="Shape 2"/>
+        <p:cNvPr id="1" name="Shape 2"/>
         <p:cNvGrpSpPr/>
         <p:nvPr/>
       </p:nvGrpSpPr>
@@ -290,9 +295,11 @@
       <p:sp>
         <p:nvSpPr>
           <p:cNvPr id="3" name="Google Shape;3;n"/>
-          <p:cNvSpPr/>
+          <p:cNvSpPr>
+            <a:spLocks noGrp="1" noRot="1" noChangeAspect="1"/>
+          </p:cNvSpPr>
           <p:nvPr>
-            <p:ph idx="2" type="sldImg"/>
+            <p:ph type="sldImg" idx="2"/>
           </p:nvPr>
         </p:nvSpPr>
         <p:spPr>
@@ -301,9 +308,13 @@
             <a:ext cx="6096075" cy="3429000"/>
           </a:xfrm>
           <a:custGeom>
-            <a:rect b="b" l="l" r="r" t="t"/>
+            <a:avLst/>
+            <a:gdLst/>
+            <a:ahLst/>
+            <a:cxnLst/>
+            <a:rect l="l" t="t" r="r" b="b"/>
             <a:pathLst>
-              <a:path extrusionOk="0" h="120000" w="120000">
+              <a:path w="120000" h="120000" extrusionOk="0">
                 <a:moveTo>
                   <a:pt x="0" y="0"/>
                 </a:moveTo>
@@ -321,23 +332,25 @@
             </a:pathLst>
           </a:custGeom>
           <a:noFill/>
-          <a:ln cap="flat" cmpd="sng" w="9525">
+          <a:ln w="9525" cap="flat" cmpd="sng">
             <a:solidFill>
               <a:srgbClr val="000000"/>
             </a:solidFill>
             <a:prstDash val="solid"/>
             <a:round/>
-            <a:headEnd len="sm" w="sm" type="none"/>
-            <a:tailEnd len="sm" w="sm" type="none"/>
+            <a:headEnd type="none" w="sm" len="sm"/>
+            <a:tailEnd type="none" w="sm" len="sm"/>
           </a:ln>
         </p:spPr>
       </p:sp>
       <p:sp>
         <p:nvSpPr>
           <p:cNvPr id="4" name="Google Shape;4;n"/>
-          <p:cNvSpPr txBox="1"/>
+          <p:cNvSpPr txBox="1">
+            <a:spLocks noGrp="1"/>
+          </p:cNvSpPr>
           <p:nvPr>
-            <p:ph idx="1" type="body"/>
+            <p:ph type="body" idx="1"/>
           </p:nvPr>
         </p:nvSpPr>
         <p:spPr>
@@ -354,9 +367,9 @@
           </a:ln>
         </p:spPr>
         <p:txBody>
-          <a:bodyPr anchorCtr="0" anchor="t" bIns="91425" lIns="91425" spcFirstLastPara="1" rIns="91425" wrap="square" tIns="91425"/>
+          <a:bodyPr spcFirstLastPara="1" wrap="square" lIns="91425" tIns="91425" rIns="91425" bIns="91425" anchor="t" anchorCtr="0"/>
           <a:lstStyle>
-            <a:lvl1pPr indent="-298450" lvl="0" marL="457200">
+            <a:lvl1pPr marL="457200" lvl="0" indent="-298450">
               <a:spcBef>
                 <a:spcPts val="0"/>
               </a:spcBef>
@@ -367,7 +380,7 @@
               <a:buChar char="●"/>
               <a:defRPr sz="1100"/>
             </a:lvl1pPr>
-            <a:lvl2pPr indent="-298450" lvl="1" marL="914400">
+            <a:lvl2pPr marL="914400" lvl="1" indent="-298450">
               <a:spcBef>
                 <a:spcPts val="0"/>
               </a:spcBef>
@@ -378,7 +391,7 @@
               <a:buChar char="○"/>
               <a:defRPr sz="1100"/>
             </a:lvl2pPr>
-            <a:lvl3pPr indent="-298450" lvl="2" marL="1371600">
+            <a:lvl3pPr marL="1371600" lvl="2" indent="-298450">
               <a:spcBef>
                 <a:spcPts val="0"/>
               </a:spcBef>
@@ -389,7 +402,7 @@
               <a:buChar char="■"/>
               <a:defRPr sz="1100"/>
             </a:lvl3pPr>
-            <a:lvl4pPr indent="-298450" lvl="3" marL="1828800">
+            <a:lvl4pPr marL="1828800" lvl="3" indent="-298450">
               <a:spcBef>
                 <a:spcPts val="0"/>
               </a:spcBef>
@@ -400,7 +413,7 @@
               <a:buChar char="●"/>
               <a:defRPr sz="1100"/>
             </a:lvl4pPr>
-            <a:lvl5pPr indent="-298450" lvl="4" marL="2286000">
+            <a:lvl5pPr marL="2286000" lvl="4" indent="-298450">
               <a:spcBef>
                 <a:spcPts val="0"/>
               </a:spcBef>
@@ -411,7 +424,7 @@
               <a:buChar char="○"/>
               <a:defRPr sz="1100"/>
             </a:lvl5pPr>
-            <a:lvl6pPr indent="-298450" lvl="5" marL="2743200">
+            <a:lvl6pPr marL="2743200" lvl="5" indent="-298450">
               <a:spcBef>
                 <a:spcPts val="0"/>
               </a:spcBef>
@@ -422,7 +435,7 @@
               <a:buChar char="■"/>
               <a:defRPr sz="1100"/>
             </a:lvl6pPr>
-            <a:lvl7pPr indent="-298450" lvl="6" marL="3200400">
+            <a:lvl7pPr marL="3200400" lvl="6" indent="-298450">
               <a:spcBef>
                 <a:spcPts val="0"/>
               </a:spcBef>
@@ -433,7 +446,7 @@
               <a:buChar char="●"/>
               <a:defRPr sz="1100"/>
             </a:lvl7pPr>
-            <a:lvl8pPr indent="-298450" lvl="7" marL="3657600">
+            <a:lvl8pPr marL="3657600" lvl="7" indent="-298450">
               <a:spcBef>
                 <a:spcPts val="0"/>
               </a:spcBef>
@@ -444,7 +457,7 @@
               <a:buChar char="○"/>
               <a:defRPr sz="1100"/>
             </a:lvl8pPr>
-            <a:lvl9pPr indent="-298450" lvl="8" marL="4114800">
+            <a:lvl9pPr marL="4114800" lvl="8" indent="-298450">
               <a:spcBef>
                 <a:spcPts val="0"/>
               </a:spcBef>
@@ -456,14 +469,16 @@
               <a:defRPr sz="1100"/>
             </a:lvl9pPr>
           </a:lstStyle>
-          <a:p/>
+          <a:p>
+            <a:endParaRPr/>
+          </a:p>
         </p:txBody>
       </p:sp>
     </p:spTree>
   </p:cSld>
-  <p:clrMap accent1="accent1" accent2="accent2" accent3="accent3" accent4="accent4" accent5="accent5" accent6="accent6" bg1="lt1" bg2="dk2" tx1="dk1" tx2="lt2" folHlink="folHlink" hlink="hlink"/>
+  <p:clrMap bg1="lt1" tx1="dk1" bg2="dk2" tx2="lt2" accent1="accent1" accent2="accent2" accent3="accent3" accent4="accent4" accent5="accent5" accent6="accent6" hlink="hlink" folHlink="folHlink"/>
   <p:notesStyle>
-    <a:defPPr lvl="0" marR="0" rtl="0" algn="l">
+    <a:defPPr marR="0" lvl="0" algn="l" rtl="0">
       <a:lnSpc>
         <a:spcPct val="100000"/>
       </a:lnSpc>
@@ -474,7 +489,7 @@
         <a:spcPts val="0"/>
       </a:spcAft>
     </a:defPPr>
-    <a:lvl1pPr lvl="0" marR="0" rtl="0" algn="l">
+    <a:lvl1pPr marR="0" lvl="0" algn="l" rtl="0">
       <a:lnSpc>
         <a:spcPct val="100000"/>
       </a:lnSpc>
@@ -488,7 +503,7 @@
         <a:srgbClr val="000000"/>
       </a:buClr>
       <a:buFont typeface="Arial"/>
-      <a:defRPr b="0" i="0" sz="1400" u="none" cap="none" strike="noStrike">
+      <a:defRPr sz="1400" b="0" i="0" u="none" strike="noStrike" cap="none">
         <a:solidFill>
           <a:srgbClr val="000000"/>
         </a:solidFill>
@@ -498,7 +513,7 @@
         <a:sym typeface="Arial"/>
       </a:defRPr>
     </a:lvl1pPr>
-    <a:lvl2pPr lvl="1" marR="0" rtl="0" algn="l">
+    <a:lvl2pPr marR="0" lvl="1" algn="l" rtl="0">
       <a:lnSpc>
         <a:spcPct val="100000"/>
       </a:lnSpc>
@@ -512,7 +527,7 @@
         <a:srgbClr val="000000"/>
       </a:buClr>
       <a:buFont typeface="Arial"/>
-      <a:defRPr b="0" i="0" sz="1400" u="none" cap="none" strike="noStrike">
+      <a:defRPr sz="1400" b="0" i="0" u="none" strike="noStrike" cap="none">
         <a:solidFill>
           <a:srgbClr val="000000"/>
         </a:solidFill>
@@ -522,7 +537,7 @@
         <a:sym typeface="Arial"/>
       </a:defRPr>
     </a:lvl2pPr>
-    <a:lvl3pPr lvl="2" marR="0" rtl="0" algn="l">
+    <a:lvl3pPr marR="0" lvl="2" algn="l" rtl="0">
       <a:lnSpc>
         <a:spcPct val="100000"/>
       </a:lnSpc>
@@ -536,7 +551,7 @@
         <a:srgbClr val="000000"/>
       </a:buClr>
       <a:buFont typeface="Arial"/>
-      <a:defRPr b="0" i="0" sz="1400" u="none" cap="none" strike="noStrike">
+      <a:defRPr sz="1400" b="0" i="0" u="none" strike="noStrike" cap="none">
         <a:solidFill>
           <a:srgbClr val="000000"/>
         </a:solidFill>
@@ -546,7 +561,7 @@
         <a:sym typeface="Arial"/>
       </a:defRPr>
     </a:lvl3pPr>
-    <a:lvl4pPr lvl="3" marR="0" rtl="0" algn="l">
+    <a:lvl4pPr marR="0" lvl="3" algn="l" rtl="0">
       <a:lnSpc>
         <a:spcPct val="100000"/>
       </a:lnSpc>
@@ -560,7 +575,7 @@
         <a:srgbClr val="000000"/>
       </a:buClr>
       <a:buFont typeface="Arial"/>
-      <a:defRPr b="0" i="0" sz="1400" u="none" cap="none" strike="noStrike">
+      <a:defRPr sz="1400" b="0" i="0" u="none" strike="noStrike" cap="none">
         <a:solidFill>
           <a:srgbClr val="000000"/>
         </a:solidFill>
@@ -570,7 +585,7 @@
         <a:sym typeface="Arial"/>
       </a:defRPr>
     </a:lvl4pPr>
-    <a:lvl5pPr lvl="4" marR="0" rtl="0" algn="l">
+    <a:lvl5pPr marR="0" lvl="4" algn="l" rtl="0">
       <a:lnSpc>
         <a:spcPct val="100000"/>
       </a:lnSpc>
@@ -584,7 +599,7 @@
         <a:srgbClr val="000000"/>
       </a:buClr>
       <a:buFont typeface="Arial"/>
-      <a:defRPr b="0" i="0" sz="1400" u="none" cap="none" strike="noStrike">
+      <a:defRPr sz="1400" b="0" i="0" u="none" strike="noStrike" cap="none">
         <a:solidFill>
           <a:srgbClr val="000000"/>
         </a:solidFill>
@@ -594,7 +609,7 @@
         <a:sym typeface="Arial"/>
       </a:defRPr>
     </a:lvl5pPr>
-    <a:lvl6pPr lvl="5" marR="0" rtl="0" algn="l">
+    <a:lvl6pPr marR="0" lvl="5" algn="l" rtl="0">
       <a:lnSpc>
         <a:spcPct val="100000"/>
       </a:lnSpc>
@@ -608,7 +623,7 @@
         <a:srgbClr val="000000"/>
       </a:buClr>
       <a:buFont typeface="Arial"/>
-      <a:defRPr b="0" i="0" sz="1400" u="none" cap="none" strike="noStrike">
+      <a:defRPr sz="1400" b="0" i="0" u="none" strike="noStrike" cap="none">
         <a:solidFill>
           <a:srgbClr val="000000"/>
         </a:solidFill>
@@ -618,7 +633,7 @@
         <a:sym typeface="Arial"/>
       </a:defRPr>
     </a:lvl6pPr>
-    <a:lvl7pPr lvl="6" marR="0" rtl="0" algn="l">
+    <a:lvl7pPr marR="0" lvl="6" algn="l" rtl="0">
       <a:lnSpc>
         <a:spcPct val="100000"/>
       </a:lnSpc>
@@ -632,7 +647,7 @@
         <a:srgbClr val="000000"/>
       </a:buClr>
       <a:buFont typeface="Arial"/>
-      <a:defRPr b="0" i="0" sz="1400" u="none" cap="none" strike="noStrike">
+      <a:defRPr sz="1400" b="0" i="0" u="none" strike="noStrike" cap="none">
         <a:solidFill>
           <a:srgbClr val="000000"/>
         </a:solidFill>
@@ -642,7 +657,7 @@
         <a:sym typeface="Arial"/>
       </a:defRPr>
     </a:lvl7pPr>
-    <a:lvl8pPr lvl="7" marR="0" rtl="0" algn="l">
+    <a:lvl8pPr marR="0" lvl="7" algn="l" rtl="0">
       <a:lnSpc>
         <a:spcPct val="100000"/>
       </a:lnSpc>
@@ -656,7 +671,7 @@
         <a:srgbClr val="000000"/>
       </a:buClr>
       <a:buFont typeface="Arial"/>
-      <a:defRPr b="0" i="0" sz="1400" u="none" cap="none" strike="noStrike">
+      <a:defRPr sz="1400" b="0" i="0" u="none" strike="noStrike" cap="none">
         <a:solidFill>
           <a:srgbClr val="000000"/>
         </a:solidFill>
@@ -666,7 +681,7 @@
         <a:sym typeface="Arial"/>
       </a:defRPr>
     </a:lvl8pPr>
-    <a:lvl9pPr lvl="8" marR="0" rtl="0" algn="l">
+    <a:lvl9pPr marR="0" lvl="8" algn="l" rtl="0">
       <a:lnSpc>
         <a:spcPct val="100000"/>
       </a:lnSpc>
@@ -680,7 +695,7 @@
         <a:srgbClr val="000000"/>
       </a:buClr>
       <a:buFont typeface="Arial"/>
-      <a:defRPr b="0" i="0" sz="1400" u="none" cap="none" strike="noStrike">
+      <a:defRPr sz="1400" b="0" i="0" u="none" strike="noStrike" cap="none">
         <a:solidFill>
           <a:srgbClr val="000000"/>
         </a:solidFill>
@@ -695,11 +710,11 @@
 </file>
 
 <file path=ppt/notesSlides/notesSlide1.xml><?xml version="1.0" encoding="utf-8"?>
-<p:notes xmlns:a="http://schemas.openxmlformats.org/drawingml/2006/main" xmlns:r="http://schemas.openxmlformats.org/officeDocument/2006/relationships" xmlns:mc="http://schemas.openxmlformats.org/markup-compatibility/2006" xmlns:mv="urn:schemas-microsoft-com:mac:vml" xmlns:p="http://schemas.openxmlformats.org/presentationml/2006/main" xmlns:c="http://schemas.openxmlformats.org/drawingml/2006/chart" xmlns:dgm="http://schemas.openxmlformats.org/drawingml/2006/diagram" xmlns:o="urn:schemas-microsoft-com:office:office" xmlns:v="urn:schemas-microsoft-com:vml" xmlns:pvml="urn:schemas-microsoft-com:office:powerpoint" xmlns:com="http://schemas.openxmlformats.org/drawingml/2006/compatibility" xmlns:p14="http://schemas.microsoft.com/office/powerpoint/2010/main" xmlns:p15="http://schemas.microsoft.com/office/powerpoint/2012/main" showMasterPhAnim="0" showMasterSp="0">
+<p:notes xmlns:a="http://schemas.openxmlformats.org/drawingml/2006/main" xmlns:r="http://schemas.openxmlformats.org/officeDocument/2006/relationships" xmlns:p="http://schemas.openxmlformats.org/presentationml/2006/main" showMasterSp="0" showMasterPhAnim="0">
   <p:cSld>
     <p:spTree>
       <p:nvGrpSpPr>
-        <p:cNvPr id="50" name="Shape 50"/>
+        <p:cNvPr id="1" name="Shape 50"/>
         <p:cNvGrpSpPr/>
         <p:nvPr/>
       </p:nvGrpSpPr>
@@ -714,9 +729,11 @@
       <p:sp>
         <p:nvSpPr>
           <p:cNvPr id="51" name="Google Shape;51;g4cca90d6c1_0_96:notes"/>
-          <p:cNvSpPr/>
+          <p:cNvSpPr>
+            <a:spLocks noGrp="1" noRot="1" noChangeAspect="1"/>
+          </p:cNvSpPr>
           <p:nvPr>
-            <p:ph idx="2" type="sldImg"/>
+            <p:ph type="sldImg" idx="2"/>
           </p:nvPr>
         </p:nvSpPr>
         <p:spPr>
@@ -725,9 +742,13 @@
             <a:ext cx="6096000" cy="3429000"/>
           </a:xfrm>
           <a:custGeom>
-            <a:rect b="b" l="l" r="r" t="t"/>
+            <a:avLst/>
+            <a:gdLst/>
+            <a:ahLst/>
+            <a:cxnLst/>
+            <a:rect l="l" t="t" r="r" b="b"/>
             <a:pathLst>
-              <a:path extrusionOk="0" h="120000" w="120000">
+              <a:path w="120000" h="120000" extrusionOk="0">
                 <a:moveTo>
                   <a:pt x="0" y="0"/>
                 </a:moveTo>
@@ -749,9 +770,11 @@
       <p:sp>
         <p:nvSpPr>
           <p:cNvPr id="52" name="Google Shape;52;g4cca90d6c1_0_96:notes"/>
-          <p:cNvSpPr txBox="1"/>
+          <p:cNvSpPr txBox="1">
+            <a:spLocks noGrp="1"/>
+          </p:cNvSpPr>
           <p:nvPr>
-            <p:ph idx="1" type="body"/>
+            <p:ph type="body" idx="1"/>
           </p:nvPr>
         </p:nvSpPr>
         <p:spPr>
@@ -764,12 +787,12 @@
           </a:prstGeom>
         </p:spPr>
         <p:txBody>
-          <a:bodyPr anchorCtr="0" anchor="t" bIns="91425" lIns="91425" spcFirstLastPara="1" rIns="91425" wrap="square" tIns="91425">
+          <a:bodyPr spcFirstLastPara="1" wrap="square" lIns="91425" tIns="91425" rIns="91425" bIns="91425" anchor="t" anchorCtr="0">
             <a:noAutofit/>
           </a:bodyPr>
           <a:lstStyle/>
           <a:p>
-            <a:pPr indent="0" lvl="0" marL="0" rtl="0" algn="l">
+            <a:pPr marL="0" lvl="0" indent="0" algn="l" rtl="0">
               <a:spcBef>
                 <a:spcPts val="0"/>
               </a:spcBef>
@@ -778,9 +801,6 @@
               </a:spcAft>
               <a:buNone/>
             </a:pPr>
-            <a:r>
-              <a:t/>
-            </a:r>
             <a:endParaRPr/>
           </a:p>
         </p:txBody>
@@ -794,11 +814,11 @@
 </file>
 
 <file path=ppt/notesSlides/notesSlide10.xml><?xml version="1.0" encoding="utf-8"?>
-<p:notes xmlns:a="http://schemas.openxmlformats.org/drawingml/2006/main" xmlns:r="http://schemas.openxmlformats.org/officeDocument/2006/relationships" xmlns:mc="http://schemas.openxmlformats.org/markup-compatibility/2006" xmlns:mv="urn:schemas-microsoft-com:mac:vml" xmlns:p="http://schemas.openxmlformats.org/presentationml/2006/main" xmlns:c="http://schemas.openxmlformats.org/drawingml/2006/chart" xmlns:dgm="http://schemas.openxmlformats.org/drawingml/2006/diagram" xmlns:o="urn:schemas-microsoft-com:office:office" xmlns:v="urn:schemas-microsoft-com:vml" xmlns:pvml="urn:schemas-microsoft-com:office:powerpoint" xmlns:com="http://schemas.openxmlformats.org/drawingml/2006/compatibility" xmlns:p14="http://schemas.microsoft.com/office/powerpoint/2010/main" xmlns:p15="http://schemas.microsoft.com/office/powerpoint/2012/main" showMasterPhAnim="0" showMasterSp="0">
+<p:notes xmlns:a="http://schemas.openxmlformats.org/drawingml/2006/main" xmlns:r="http://schemas.openxmlformats.org/officeDocument/2006/relationships" xmlns:p="http://schemas.openxmlformats.org/presentationml/2006/main" showMasterSp="0" showMasterPhAnim="0">
   <p:cSld>
     <p:spTree>
       <p:nvGrpSpPr>
-        <p:cNvPr id="164" name="Shape 164"/>
+        <p:cNvPr id="1" name="Shape 164"/>
         <p:cNvGrpSpPr/>
         <p:nvPr/>
       </p:nvGrpSpPr>
@@ -813,9 +833,11 @@
       <p:sp>
         <p:nvSpPr>
           <p:cNvPr id="165" name="Google Shape;165;g4cca90d6c1_0_197:notes"/>
-          <p:cNvSpPr/>
+          <p:cNvSpPr>
+            <a:spLocks noGrp="1" noRot="1" noChangeAspect="1"/>
+          </p:cNvSpPr>
           <p:nvPr>
-            <p:ph idx="2" type="sldImg"/>
+            <p:ph type="sldImg" idx="2"/>
           </p:nvPr>
         </p:nvSpPr>
         <p:spPr>
@@ -824,9 +846,13 @@
             <a:ext cx="6096000" cy="3429000"/>
           </a:xfrm>
           <a:custGeom>
-            <a:rect b="b" l="l" r="r" t="t"/>
+            <a:avLst/>
+            <a:gdLst/>
+            <a:ahLst/>
+            <a:cxnLst/>
+            <a:rect l="l" t="t" r="r" b="b"/>
             <a:pathLst>
-              <a:path extrusionOk="0" h="120000" w="120000">
+              <a:path w="120000" h="120000" extrusionOk="0">
                 <a:moveTo>
                   <a:pt x="0" y="0"/>
                 </a:moveTo>
@@ -848,9 +874,11 @@
       <p:sp>
         <p:nvSpPr>
           <p:cNvPr id="166" name="Google Shape;166;g4cca90d6c1_0_197:notes"/>
-          <p:cNvSpPr txBox="1"/>
+          <p:cNvSpPr txBox="1">
+            <a:spLocks noGrp="1"/>
+          </p:cNvSpPr>
           <p:nvPr>
-            <p:ph idx="1" type="body"/>
+            <p:ph type="body" idx="1"/>
           </p:nvPr>
         </p:nvSpPr>
         <p:spPr>
@@ -863,12 +891,12 @@
           </a:prstGeom>
         </p:spPr>
         <p:txBody>
-          <a:bodyPr anchorCtr="0" anchor="t" bIns="91425" lIns="91425" spcFirstLastPara="1" rIns="91425" wrap="square" tIns="91425">
+          <a:bodyPr spcFirstLastPara="1" wrap="square" lIns="91425" tIns="91425" rIns="91425" bIns="91425" anchor="t" anchorCtr="0">
             <a:noAutofit/>
           </a:bodyPr>
           <a:lstStyle/>
           <a:p>
-            <a:pPr indent="0" lvl="0" marL="0" rtl="0" algn="l">
+            <a:pPr marL="0" lvl="0" indent="0" algn="l" rtl="0">
               <a:spcBef>
                 <a:spcPts val="0"/>
               </a:spcBef>
@@ -877,9 +905,6 @@
               </a:spcAft>
               <a:buNone/>
             </a:pPr>
-            <a:r>
-              <a:t/>
-            </a:r>
             <a:endParaRPr/>
           </a:p>
         </p:txBody>
@@ -893,11 +918,11 @@
 </file>
 
 <file path=ppt/notesSlides/notesSlide11.xml><?xml version="1.0" encoding="utf-8"?>
-<p:notes xmlns:a="http://schemas.openxmlformats.org/drawingml/2006/main" xmlns:r="http://schemas.openxmlformats.org/officeDocument/2006/relationships" xmlns:mc="http://schemas.openxmlformats.org/markup-compatibility/2006" xmlns:mv="urn:schemas-microsoft-com:mac:vml" xmlns:p="http://schemas.openxmlformats.org/presentationml/2006/main" xmlns:c="http://schemas.openxmlformats.org/drawingml/2006/chart" xmlns:dgm="http://schemas.openxmlformats.org/drawingml/2006/diagram" xmlns:o="urn:schemas-microsoft-com:office:office" xmlns:v="urn:schemas-microsoft-com:vml" xmlns:pvml="urn:schemas-microsoft-com:office:powerpoint" xmlns:com="http://schemas.openxmlformats.org/drawingml/2006/compatibility" xmlns:p14="http://schemas.microsoft.com/office/powerpoint/2010/main" xmlns:p15="http://schemas.microsoft.com/office/powerpoint/2012/main" showMasterPhAnim="0" showMasterSp="0">
+<p:notes xmlns:a="http://schemas.openxmlformats.org/drawingml/2006/main" xmlns:r="http://schemas.openxmlformats.org/officeDocument/2006/relationships" xmlns:p="http://schemas.openxmlformats.org/presentationml/2006/main" showMasterSp="0" showMasterPhAnim="0">
   <p:cSld>
     <p:spTree>
       <p:nvGrpSpPr>
-        <p:cNvPr id="171" name="Shape 171"/>
+        <p:cNvPr id="1" name="Shape 171"/>
         <p:cNvGrpSpPr/>
         <p:nvPr/>
       </p:nvGrpSpPr>
@@ -912,9 +937,11 @@
       <p:sp>
         <p:nvSpPr>
           <p:cNvPr id="172" name="Google Shape;172;g4ee14ac6c8_0_21:notes"/>
-          <p:cNvSpPr/>
+          <p:cNvSpPr>
+            <a:spLocks noGrp="1" noRot="1" noChangeAspect="1"/>
+          </p:cNvSpPr>
           <p:nvPr>
-            <p:ph idx="2" type="sldImg"/>
+            <p:ph type="sldImg" idx="2"/>
           </p:nvPr>
         </p:nvSpPr>
         <p:spPr>
@@ -923,9 +950,13 @@
             <a:ext cx="6096000" cy="3429000"/>
           </a:xfrm>
           <a:custGeom>
-            <a:rect b="b" l="l" r="r" t="t"/>
+            <a:avLst/>
+            <a:gdLst/>
+            <a:ahLst/>
+            <a:cxnLst/>
+            <a:rect l="l" t="t" r="r" b="b"/>
             <a:pathLst>
-              <a:path extrusionOk="0" h="120000" w="120000">
+              <a:path w="120000" h="120000" extrusionOk="0">
                 <a:moveTo>
                   <a:pt x="0" y="0"/>
                 </a:moveTo>
@@ -947,9 +978,11 @@
       <p:sp>
         <p:nvSpPr>
           <p:cNvPr id="173" name="Google Shape;173;g4ee14ac6c8_0_21:notes"/>
-          <p:cNvSpPr txBox="1"/>
+          <p:cNvSpPr txBox="1">
+            <a:spLocks noGrp="1"/>
+          </p:cNvSpPr>
           <p:nvPr>
-            <p:ph idx="1" type="body"/>
+            <p:ph type="body" idx="1"/>
           </p:nvPr>
         </p:nvSpPr>
         <p:spPr>
@@ -962,12 +995,12 @@
           </a:prstGeom>
         </p:spPr>
         <p:txBody>
-          <a:bodyPr anchorCtr="0" anchor="t" bIns="91425" lIns="91425" spcFirstLastPara="1" rIns="91425" wrap="square" tIns="91425">
+          <a:bodyPr spcFirstLastPara="1" wrap="square" lIns="91425" tIns="91425" rIns="91425" bIns="91425" anchor="t" anchorCtr="0">
             <a:noAutofit/>
           </a:bodyPr>
           <a:lstStyle/>
           <a:p>
-            <a:pPr indent="0" lvl="0" marL="0" rtl="0" algn="l">
+            <a:pPr marL="0" lvl="0" indent="0" algn="l" rtl="0">
               <a:spcBef>
                 <a:spcPts val="0"/>
               </a:spcBef>
@@ -976,9 +1009,6 @@
               </a:spcAft>
               <a:buNone/>
             </a:pPr>
-            <a:r>
-              <a:t/>
-            </a:r>
             <a:endParaRPr/>
           </a:p>
         </p:txBody>
@@ -992,11 +1022,11 @@
 </file>
 
 <file path=ppt/notesSlides/notesSlide12.xml><?xml version="1.0" encoding="utf-8"?>
-<p:notes xmlns:a="http://schemas.openxmlformats.org/drawingml/2006/main" xmlns:r="http://schemas.openxmlformats.org/officeDocument/2006/relationships" xmlns:mc="http://schemas.openxmlformats.org/markup-compatibility/2006" xmlns:mv="urn:schemas-microsoft-com:mac:vml" xmlns:p="http://schemas.openxmlformats.org/presentationml/2006/main" xmlns:c="http://schemas.openxmlformats.org/drawingml/2006/chart" xmlns:dgm="http://schemas.openxmlformats.org/drawingml/2006/diagram" xmlns:o="urn:schemas-microsoft-com:office:office" xmlns:v="urn:schemas-microsoft-com:vml" xmlns:pvml="urn:schemas-microsoft-com:office:powerpoint" xmlns:com="http://schemas.openxmlformats.org/drawingml/2006/compatibility" xmlns:p14="http://schemas.microsoft.com/office/powerpoint/2010/main" xmlns:p15="http://schemas.microsoft.com/office/powerpoint/2012/main" showMasterPhAnim="0" showMasterSp="0">
+<p:notes xmlns:a="http://schemas.openxmlformats.org/drawingml/2006/main" xmlns:r="http://schemas.openxmlformats.org/officeDocument/2006/relationships" xmlns:p="http://schemas.openxmlformats.org/presentationml/2006/main" showMasterSp="0" showMasterPhAnim="0">
   <p:cSld>
     <p:spTree>
       <p:nvGrpSpPr>
-        <p:cNvPr id="179" name="Shape 179"/>
+        <p:cNvPr id="1" name="Shape 179"/>
         <p:cNvGrpSpPr/>
         <p:nvPr/>
       </p:nvGrpSpPr>
@@ -1011,9 +1041,11 @@
       <p:sp>
         <p:nvSpPr>
           <p:cNvPr id="180" name="Google Shape;180;g4cca90d6c1_0_65:notes"/>
-          <p:cNvSpPr/>
+          <p:cNvSpPr>
+            <a:spLocks noGrp="1" noRot="1" noChangeAspect="1"/>
+          </p:cNvSpPr>
           <p:nvPr>
-            <p:ph idx="2" type="sldImg"/>
+            <p:ph type="sldImg" idx="2"/>
           </p:nvPr>
         </p:nvSpPr>
         <p:spPr>
@@ -1022,9 +1054,13 @@
             <a:ext cx="6096000" cy="3429000"/>
           </a:xfrm>
           <a:custGeom>
-            <a:rect b="b" l="l" r="r" t="t"/>
+            <a:avLst/>
+            <a:gdLst/>
+            <a:ahLst/>
+            <a:cxnLst/>
+            <a:rect l="l" t="t" r="r" b="b"/>
             <a:pathLst>
-              <a:path extrusionOk="0" h="120000" w="120000">
+              <a:path w="120000" h="120000" extrusionOk="0">
                 <a:moveTo>
                   <a:pt x="0" y="0"/>
                 </a:moveTo>
@@ -1046,9 +1082,11 @@
       <p:sp>
         <p:nvSpPr>
           <p:cNvPr id="181" name="Google Shape;181;g4cca90d6c1_0_65:notes"/>
-          <p:cNvSpPr txBox="1"/>
+          <p:cNvSpPr txBox="1">
+            <a:spLocks noGrp="1"/>
+          </p:cNvSpPr>
           <p:nvPr>
-            <p:ph idx="1" type="body"/>
+            <p:ph type="body" idx="1"/>
           </p:nvPr>
         </p:nvSpPr>
         <p:spPr>
@@ -1061,12 +1099,12 @@
           </a:prstGeom>
         </p:spPr>
         <p:txBody>
-          <a:bodyPr anchorCtr="0" anchor="t" bIns="91425" lIns="91425" spcFirstLastPara="1" rIns="91425" wrap="square" tIns="91425">
+          <a:bodyPr spcFirstLastPara="1" wrap="square" lIns="91425" tIns="91425" rIns="91425" bIns="91425" anchor="t" anchorCtr="0">
             <a:noAutofit/>
           </a:bodyPr>
           <a:lstStyle/>
           <a:p>
-            <a:pPr indent="0" lvl="0" marL="0" rtl="0" algn="l">
+            <a:pPr marL="0" lvl="0" indent="0" algn="l" rtl="0">
               <a:spcBef>
                 <a:spcPts val="0"/>
               </a:spcBef>
@@ -1075,9 +1113,6 @@
               </a:spcAft>
               <a:buNone/>
             </a:pPr>
-            <a:r>
-              <a:t/>
-            </a:r>
             <a:endParaRPr/>
           </a:p>
         </p:txBody>
@@ -1091,11 +1126,11 @@
 </file>
 
 <file path=ppt/notesSlides/notesSlide2.xml><?xml version="1.0" encoding="utf-8"?>
-<p:notes xmlns:a="http://schemas.openxmlformats.org/drawingml/2006/main" xmlns:r="http://schemas.openxmlformats.org/officeDocument/2006/relationships" xmlns:mc="http://schemas.openxmlformats.org/markup-compatibility/2006" xmlns:mv="urn:schemas-microsoft-com:mac:vml" xmlns:p="http://schemas.openxmlformats.org/presentationml/2006/main" xmlns:c="http://schemas.openxmlformats.org/drawingml/2006/chart" xmlns:dgm="http://schemas.openxmlformats.org/drawingml/2006/diagram" xmlns:o="urn:schemas-microsoft-com:office:office" xmlns:v="urn:schemas-microsoft-com:vml" xmlns:pvml="urn:schemas-microsoft-com:office:powerpoint" xmlns:com="http://schemas.openxmlformats.org/drawingml/2006/compatibility" xmlns:p14="http://schemas.microsoft.com/office/powerpoint/2010/main" xmlns:p15="http://schemas.microsoft.com/office/powerpoint/2012/main" showMasterPhAnim="0" showMasterSp="0">
+<p:notes xmlns:a="http://schemas.openxmlformats.org/drawingml/2006/main" xmlns:r="http://schemas.openxmlformats.org/officeDocument/2006/relationships" xmlns:p="http://schemas.openxmlformats.org/presentationml/2006/main" showMasterSp="0" showMasterPhAnim="0">
   <p:cSld>
     <p:spTree>
       <p:nvGrpSpPr>
-        <p:cNvPr id="55" name="Shape 55"/>
+        <p:cNvPr id="1" name="Shape 55"/>
         <p:cNvGrpSpPr/>
         <p:nvPr/>
       </p:nvGrpSpPr>
@@ -1110,9 +1145,11 @@
       <p:sp>
         <p:nvSpPr>
           <p:cNvPr id="56" name="Google Shape;56;g4cca90d6c1_0_112:notes"/>
-          <p:cNvSpPr/>
+          <p:cNvSpPr>
+            <a:spLocks noGrp="1" noRot="1" noChangeAspect="1"/>
+          </p:cNvSpPr>
           <p:nvPr>
-            <p:ph idx="2" type="sldImg"/>
+            <p:ph type="sldImg" idx="2"/>
           </p:nvPr>
         </p:nvSpPr>
         <p:spPr>
@@ -1121,9 +1158,13 @@
             <a:ext cx="6096000" cy="3429000"/>
           </a:xfrm>
           <a:custGeom>
-            <a:rect b="b" l="l" r="r" t="t"/>
+            <a:avLst/>
+            <a:gdLst/>
+            <a:ahLst/>
+            <a:cxnLst/>
+            <a:rect l="l" t="t" r="r" b="b"/>
             <a:pathLst>
-              <a:path extrusionOk="0" h="120000" w="120000">
+              <a:path w="120000" h="120000" extrusionOk="0">
                 <a:moveTo>
                   <a:pt x="0" y="0"/>
                 </a:moveTo>
@@ -1145,9 +1186,11 @@
       <p:sp>
         <p:nvSpPr>
           <p:cNvPr id="57" name="Google Shape;57;g4cca90d6c1_0_112:notes"/>
-          <p:cNvSpPr txBox="1"/>
+          <p:cNvSpPr txBox="1">
+            <a:spLocks noGrp="1"/>
+          </p:cNvSpPr>
           <p:nvPr>
-            <p:ph idx="1" type="body"/>
+            <p:ph type="body" idx="1"/>
           </p:nvPr>
         </p:nvSpPr>
         <p:spPr>
@@ -1160,12 +1203,12 @@
           </a:prstGeom>
         </p:spPr>
         <p:txBody>
-          <a:bodyPr anchorCtr="0" anchor="t" bIns="91425" lIns="91425" spcFirstLastPara="1" rIns="91425" wrap="square" tIns="91425">
+          <a:bodyPr spcFirstLastPara="1" wrap="square" lIns="91425" tIns="91425" rIns="91425" bIns="91425" anchor="t" anchorCtr="0">
             <a:noAutofit/>
           </a:bodyPr>
           <a:lstStyle/>
           <a:p>
-            <a:pPr indent="0" lvl="0" marL="0" rtl="0" algn="l">
+            <a:pPr marL="0" lvl="0" indent="0" algn="l" rtl="0">
               <a:spcBef>
                 <a:spcPts val="0"/>
               </a:spcBef>
@@ -1174,9 +1217,6 @@
               </a:spcAft>
               <a:buNone/>
             </a:pPr>
-            <a:r>
-              <a:t/>
-            </a:r>
             <a:endParaRPr/>
           </a:p>
         </p:txBody>
@@ -1190,11 +1230,11 @@
 </file>
 
 <file path=ppt/notesSlides/notesSlide3.xml><?xml version="1.0" encoding="utf-8"?>
-<p:notes xmlns:a="http://schemas.openxmlformats.org/drawingml/2006/main" xmlns:r="http://schemas.openxmlformats.org/officeDocument/2006/relationships" xmlns:mc="http://schemas.openxmlformats.org/markup-compatibility/2006" xmlns:mv="urn:schemas-microsoft-com:mac:vml" xmlns:p="http://schemas.openxmlformats.org/presentationml/2006/main" xmlns:c="http://schemas.openxmlformats.org/drawingml/2006/chart" xmlns:dgm="http://schemas.openxmlformats.org/drawingml/2006/diagram" xmlns:o="urn:schemas-microsoft-com:office:office" xmlns:v="urn:schemas-microsoft-com:vml" xmlns:pvml="urn:schemas-microsoft-com:office:powerpoint" xmlns:com="http://schemas.openxmlformats.org/drawingml/2006/compatibility" xmlns:p14="http://schemas.microsoft.com/office/powerpoint/2010/main" xmlns:p15="http://schemas.microsoft.com/office/powerpoint/2012/main" showMasterPhAnim="0" showMasterSp="0">
+<p:notes xmlns:a="http://schemas.openxmlformats.org/drawingml/2006/main" xmlns:r="http://schemas.openxmlformats.org/officeDocument/2006/relationships" xmlns:p="http://schemas.openxmlformats.org/presentationml/2006/main" showMasterSp="0" showMasterPhAnim="0">
   <p:cSld>
     <p:spTree>
       <p:nvGrpSpPr>
-        <p:cNvPr id="75" name="Shape 75"/>
+        <p:cNvPr id="1" name="Shape 75"/>
         <p:cNvGrpSpPr/>
         <p:nvPr/>
       </p:nvGrpSpPr>
@@ -1209,9 +1249,11 @@
       <p:sp>
         <p:nvSpPr>
           <p:cNvPr id="76" name="Google Shape;76;g4cca90d6c1_0_102:notes"/>
-          <p:cNvSpPr/>
+          <p:cNvSpPr>
+            <a:spLocks noGrp="1" noRot="1" noChangeAspect="1"/>
+          </p:cNvSpPr>
           <p:nvPr>
-            <p:ph idx="2" type="sldImg"/>
+            <p:ph type="sldImg" idx="2"/>
           </p:nvPr>
         </p:nvSpPr>
         <p:spPr>
@@ -1220,9 +1262,13 @@
             <a:ext cx="6096000" cy="3429000"/>
           </a:xfrm>
           <a:custGeom>
-            <a:rect b="b" l="l" r="r" t="t"/>
+            <a:avLst/>
+            <a:gdLst/>
+            <a:ahLst/>
+            <a:cxnLst/>
+            <a:rect l="l" t="t" r="r" b="b"/>
             <a:pathLst>
-              <a:path extrusionOk="0" h="120000" w="120000">
+              <a:path w="120000" h="120000" extrusionOk="0">
                 <a:moveTo>
                   <a:pt x="0" y="0"/>
                 </a:moveTo>
@@ -1244,9 +1290,11 @@
       <p:sp>
         <p:nvSpPr>
           <p:cNvPr id="77" name="Google Shape;77;g4cca90d6c1_0_102:notes"/>
-          <p:cNvSpPr txBox="1"/>
+          <p:cNvSpPr txBox="1">
+            <a:spLocks noGrp="1"/>
+          </p:cNvSpPr>
           <p:nvPr>
-            <p:ph idx="1" type="body"/>
+            <p:ph type="body" idx="1"/>
           </p:nvPr>
         </p:nvSpPr>
         <p:spPr>
@@ -1259,12 +1307,12 @@
           </a:prstGeom>
         </p:spPr>
         <p:txBody>
-          <a:bodyPr anchorCtr="0" anchor="t" bIns="91425" lIns="91425" spcFirstLastPara="1" rIns="91425" wrap="square" tIns="91425">
+          <a:bodyPr spcFirstLastPara="1" wrap="square" lIns="91425" tIns="91425" rIns="91425" bIns="91425" anchor="t" anchorCtr="0">
             <a:noAutofit/>
           </a:bodyPr>
           <a:lstStyle/>
           <a:p>
-            <a:pPr indent="0" lvl="0" marL="0" rtl="0" algn="l">
+            <a:pPr marL="0" lvl="0" indent="0" algn="l" rtl="0">
               <a:spcBef>
                 <a:spcPts val="0"/>
               </a:spcBef>
@@ -1273,9 +1321,6 @@
               </a:spcAft>
               <a:buNone/>
             </a:pPr>
-            <a:r>
-              <a:t/>
-            </a:r>
             <a:endParaRPr/>
           </a:p>
         </p:txBody>
@@ -1289,11 +1334,11 @@
 </file>
 
 <file path=ppt/notesSlides/notesSlide4.xml><?xml version="1.0" encoding="utf-8"?>
-<p:notes xmlns:a="http://schemas.openxmlformats.org/drawingml/2006/main" xmlns:r="http://schemas.openxmlformats.org/officeDocument/2006/relationships" xmlns:mc="http://schemas.openxmlformats.org/markup-compatibility/2006" xmlns:mv="urn:schemas-microsoft-com:mac:vml" xmlns:p="http://schemas.openxmlformats.org/presentationml/2006/main" xmlns:c="http://schemas.openxmlformats.org/drawingml/2006/chart" xmlns:dgm="http://schemas.openxmlformats.org/drawingml/2006/diagram" xmlns:o="urn:schemas-microsoft-com:office:office" xmlns:v="urn:schemas-microsoft-com:vml" xmlns:pvml="urn:schemas-microsoft-com:office:powerpoint" xmlns:com="http://schemas.openxmlformats.org/drawingml/2006/compatibility" xmlns:p14="http://schemas.microsoft.com/office/powerpoint/2010/main" xmlns:p15="http://schemas.microsoft.com/office/powerpoint/2012/main" showMasterPhAnim="0" showMasterSp="0">
+<p:notes xmlns:a="http://schemas.openxmlformats.org/drawingml/2006/main" xmlns:r="http://schemas.openxmlformats.org/officeDocument/2006/relationships" xmlns:p="http://schemas.openxmlformats.org/presentationml/2006/main" showMasterSp="0" showMasterPhAnim="0">
   <p:cSld>
     <p:spTree>
       <p:nvGrpSpPr>
-        <p:cNvPr id="90" name="Shape 90"/>
+        <p:cNvPr id="1" name="Shape 90"/>
         <p:cNvGrpSpPr/>
         <p:nvPr/>
       </p:nvGrpSpPr>
@@ -1308,9 +1353,11 @@
       <p:sp>
         <p:nvSpPr>
           <p:cNvPr id="91" name="Google Shape;91;g4cca90d6c1_0_140:notes"/>
-          <p:cNvSpPr/>
+          <p:cNvSpPr>
+            <a:spLocks noGrp="1" noRot="1" noChangeAspect="1"/>
+          </p:cNvSpPr>
           <p:nvPr>
-            <p:ph idx="2" type="sldImg"/>
+            <p:ph type="sldImg" idx="2"/>
           </p:nvPr>
         </p:nvSpPr>
         <p:spPr>
@@ -1319,9 +1366,13 @@
             <a:ext cx="6096000" cy="3429000"/>
           </a:xfrm>
           <a:custGeom>
-            <a:rect b="b" l="l" r="r" t="t"/>
+            <a:avLst/>
+            <a:gdLst/>
+            <a:ahLst/>
+            <a:cxnLst/>
+            <a:rect l="l" t="t" r="r" b="b"/>
             <a:pathLst>
-              <a:path extrusionOk="0" h="120000" w="120000">
+              <a:path w="120000" h="120000" extrusionOk="0">
                 <a:moveTo>
                   <a:pt x="0" y="0"/>
                 </a:moveTo>
@@ -1343,9 +1394,11 @@
       <p:sp>
         <p:nvSpPr>
           <p:cNvPr id="92" name="Google Shape;92;g4cca90d6c1_0_140:notes"/>
-          <p:cNvSpPr txBox="1"/>
+          <p:cNvSpPr txBox="1">
+            <a:spLocks noGrp="1"/>
+          </p:cNvSpPr>
           <p:nvPr>
-            <p:ph idx="1" type="body"/>
+            <p:ph type="body" idx="1"/>
           </p:nvPr>
         </p:nvSpPr>
         <p:spPr>
@@ -1358,12 +1411,12 @@
           </a:prstGeom>
         </p:spPr>
         <p:txBody>
-          <a:bodyPr anchorCtr="0" anchor="t" bIns="91425" lIns="91425" spcFirstLastPara="1" rIns="91425" wrap="square" tIns="91425">
+          <a:bodyPr spcFirstLastPara="1" wrap="square" lIns="91425" tIns="91425" rIns="91425" bIns="91425" anchor="t" anchorCtr="0">
             <a:noAutofit/>
           </a:bodyPr>
           <a:lstStyle/>
           <a:p>
-            <a:pPr indent="0" lvl="0" marL="0" rtl="0" algn="l">
+            <a:pPr marL="0" lvl="0" indent="0" algn="l" rtl="0">
               <a:spcBef>
                 <a:spcPts val="0"/>
               </a:spcBef>
@@ -1372,9 +1425,6 @@
               </a:spcAft>
               <a:buNone/>
             </a:pPr>
-            <a:r>
-              <a:t/>
-            </a:r>
             <a:endParaRPr/>
           </a:p>
         </p:txBody>
@@ -1388,11 +1438,11 @@
 </file>
 
 <file path=ppt/notesSlides/notesSlide5.xml><?xml version="1.0" encoding="utf-8"?>
-<p:notes xmlns:a="http://schemas.openxmlformats.org/drawingml/2006/main" xmlns:r="http://schemas.openxmlformats.org/officeDocument/2006/relationships" xmlns:mc="http://schemas.openxmlformats.org/markup-compatibility/2006" xmlns:mv="urn:schemas-microsoft-com:mac:vml" xmlns:p="http://schemas.openxmlformats.org/presentationml/2006/main" xmlns:c="http://schemas.openxmlformats.org/drawingml/2006/chart" xmlns:dgm="http://schemas.openxmlformats.org/drawingml/2006/diagram" xmlns:o="urn:schemas-microsoft-com:office:office" xmlns:v="urn:schemas-microsoft-com:vml" xmlns:pvml="urn:schemas-microsoft-com:office:powerpoint" xmlns:com="http://schemas.openxmlformats.org/drawingml/2006/compatibility" xmlns:p14="http://schemas.microsoft.com/office/powerpoint/2010/main" xmlns:p15="http://schemas.microsoft.com/office/powerpoint/2012/main" showMasterPhAnim="0" showMasterSp="0">
+<p:notes xmlns:a="http://schemas.openxmlformats.org/drawingml/2006/main" xmlns:r="http://schemas.openxmlformats.org/officeDocument/2006/relationships" xmlns:p="http://schemas.openxmlformats.org/presentationml/2006/main" showMasterSp="0" showMasterPhAnim="0">
   <p:cSld>
     <p:spTree>
       <p:nvGrpSpPr>
-        <p:cNvPr id="96" name="Shape 96"/>
+        <p:cNvPr id="1" name="Shape 96"/>
         <p:cNvGrpSpPr/>
         <p:nvPr/>
       </p:nvGrpSpPr>
@@ -1407,9 +1457,11 @@
       <p:sp>
         <p:nvSpPr>
           <p:cNvPr id="97" name="Google Shape;97;g4cca90d6c1_0_178:notes"/>
-          <p:cNvSpPr/>
+          <p:cNvSpPr>
+            <a:spLocks noGrp="1" noRot="1" noChangeAspect="1"/>
+          </p:cNvSpPr>
           <p:nvPr>
-            <p:ph idx="2" type="sldImg"/>
+            <p:ph type="sldImg" idx="2"/>
           </p:nvPr>
         </p:nvSpPr>
         <p:spPr>
@@ -1418,9 +1470,13 @@
             <a:ext cx="6096000" cy="3429000"/>
           </a:xfrm>
           <a:custGeom>
-            <a:rect b="b" l="l" r="r" t="t"/>
+            <a:avLst/>
+            <a:gdLst/>
+            <a:ahLst/>
+            <a:cxnLst/>
+            <a:rect l="l" t="t" r="r" b="b"/>
             <a:pathLst>
-              <a:path extrusionOk="0" h="120000" w="120000">
+              <a:path w="120000" h="120000" extrusionOk="0">
                 <a:moveTo>
                   <a:pt x="0" y="0"/>
                 </a:moveTo>
@@ -1442,9 +1498,11 @@
       <p:sp>
         <p:nvSpPr>
           <p:cNvPr id="98" name="Google Shape;98;g4cca90d6c1_0_178:notes"/>
-          <p:cNvSpPr txBox="1"/>
+          <p:cNvSpPr txBox="1">
+            <a:spLocks noGrp="1"/>
+          </p:cNvSpPr>
           <p:nvPr>
-            <p:ph idx="1" type="body"/>
+            <p:ph type="body" idx="1"/>
           </p:nvPr>
         </p:nvSpPr>
         <p:spPr>
@@ -1457,12 +1515,12 @@
           </a:prstGeom>
         </p:spPr>
         <p:txBody>
-          <a:bodyPr anchorCtr="0" anchor="t" bIns="91425" lIns="91425" spcFirstLastPara="1" rIns="91425" wrap="square" tIns="91425">
+          <a:bodyPr spcFirstLastPara="1" wrap="square" lIns="91425" tIns="91425" rIns="91425" bIns="91425" anchor="t" anchorCtr="0">
             <a:noAutofit/>
           </a:bodyPr>
           <a:lstStyle/>
           <a:p>
-            <a:pPr indent="0" lvl="0" marL="0" rtl="0" algn="l">
+            <a:pPr marL="0" lvl="0" indent="0" algn="l" rtl="0">
               <a:spcBef>
                 <a:spcPts val="0"/>
               </a:spcBef>
@@ -1471,9 +1529,6 @@
               </a:spcAft>
               <a:buNone/>
             </a:pPr>
-            <a:r>
-              <a:t/>
-            </a:r>
             <a:endParaRPr/>
           </a:p>
         </p:txBody>
@@ -1487,11 +1542,11 @@
 </file>
 
 <file path=ppt/notesSlides/notesSlide6.xml><?xml version="1.0" encoding="utf-8"?>
-<p:notes xmlns:a="http://schemas.openxmlformats.org/drawingml/2006/main" xmlns:r="http://schemas.openxmlformats.org/officeDocument/2006/relationships" xmlns:mc="http://schemas.openxmlformats.org/markup-compatibility/2006" xmlns:mv="urn:schemas-microsoft-com:mac:vml" xmlns:p="http://schemas.openxmlformats.org/presentationml/2006/main" xmlns:c="http://schemas.openxmlformats.org/drawingml/2006/chart" xmlns:dgm="http://schemas.openxmlformats.org/drawingml/2006/diagram" xmlns:o="urn:schemas-microsoft-com:office:office" xmlns:v="urn:schemas-microsoft-com:vml" xmlns:pvml="urn:schemas-microsoft-com:office:powerpoint" xmlns:com="http://schemas.openxmlformats.org/drawingml/2006/compatibility" xmlns:p14="http://schemas.microsoft.com/office/powerpoint/2010/main" xmlns:p15="http://schemas.microsoft.com/office/powerpoint/2012/main" showMasterPhAnim="0" showMasterSp="0">
+<p:notes xmlns:a="http://schemas.openxmlformats.org/drawingml/2006/main" xmlns:r="http://schemas.openxmlformats.org/officeDocument/2006/relationships" xmlns:p="http://schemas.openxmlformats.org/presentationml/2006/main" showMasterSp="0" showMasterPhAnim="0">
   <p:cSld>
     <p:spTree>
       <p:nvGrpSpPr>
-        <p:cNvPr id="102" name="Shape 102"/>
+        <p:cNvPr id="1" name="Shape 102"/>
         <p:cNvGrpSpPr/>
         <p:nvPr/>
       </p:nvGrpSpPr>
@@ -1506,9 +1561,11 @@
       <p:sp>
         <p:nvSpPr>
           <p:cNvPr id="103" name="Google Shape;103;g4ee14ac6c8_0_8:notes"/>
-          <p:cNvSpPr/>
+          <p:cNvSpPr>
+            <a:spLocks noGrp="1" noRot="1" noChangeAspect="1"/>
+          </p:cNvSpPr>
           <p:nvPr>
-            <p:ph idx="2" type="sldImg"/>
+            <p:ph type="sldImg" idx="2"/>
           </p:nvPr>
         </p:nvSpPr>
         <p:spPr>
@@ -1517,9 +1574,13 @@
             <a:ext cx="6096000" cy="3429000"/>
           </a:xfrm>
           <a:custGeom>
-            <a:rect b="b" l="l" r="r" t="t"/>
+            <a:avLst/>
+            <a:gdLst/>
+            <a:ahLst/>
+            <a:cxnLst/>
+            <a:rect l="l" t="t" r="r" b="b"/>
             <a:pathLst>
-              <a:path extrusionOk="0" h="120000" w="120000">
+              <a:path w="120000" h="120000" extrusionOk="0">
                 <a:moveTo>
                   <a:pt x="0" y="0"/>
                 </a:moveTo>
@@ -1541,9 +1602,11 @@
       <p:sp>
         <p:nvSpPr>
           <p:cNvPr id="104" name="Google Shape;104;g4ee14ac6c8_0_8:notes"/>
-          <p:cNvSpPr txBox="1"/>
+          <p:cNvSpPr txBox="1">
+            <a:spLocks noGrp="1"/>
+          </p:cNvSpPr>
           <p:nvPr>
-            <p:ph idx="1" type="body"/>
+            <p:ph type="body" idx="1"/>
           </p:nvPr>
         </p:nvSpPr>
         <p:spPr>
@@ -1556,12 +1619,12 @@
           </a:prstGeom>
         </p:spPr>
         <p:txBody>
-          <a:bodyPr anchorCtr="0" anchor="t" bIns="91425" lIns="91425" spcFirstLastPara="1" rIns="91425" wrap="square" tIns="91425">
+          <a:bodyPr spcFirstLastPara="1" wrap="square" lIns="91425" tIns="91425" rIns="91425" bIns="91425" anchor="t" anchorCtr="0">
             <a:noAutofit/>
           </a:bodyPr>
           <a:lstStyle/>
           <a:p>
-            <a:pPr indent="0" lvl="0" marL="0" rtl="0" algn="l">
+            <a:pPr marL="0" lvl="0" indent="0" algn="l" rtl="0">
               <a:spcBef>
                 <a:spcPts val="0"/>
               </a:spcBef>
@@ -1570,9 +1633,6 @@
               </a:spcAft>
               <a:buNone/>
             </a:pPr>
-            <a:r>
-              <a:t/>
-            </a:r>
             <a:endParaRPr/>
           </a:p>
         </p:txBody>
@@ -1586,11 +1646,11 @@
 </file>
 
 <file path=ppt/notesSlides/notesSlide7.xml><?xml version="1.0" encoding="utf-8"?>
-<p:notes xmlns:a="http://schemas.openxmlformats.org/drawingml/2006/main" xmlns:r="http://schemas.openxmlformats.org/officeDocument/2006/relationships" xmlns:mc="http://schemas.openxmlformats.org/markup-compatibility/2006" xmlns:mv="urn:schemas-microsoft-com:mac:vml" xmlns:p="http://schemas.openxmlformats.org/presentationml/2006/main" xmlns:c="http://schemas.openxmlformats.org/drawingml/2006/chart" xmlns:dgm="http://schemas.openxmlformats.org/drawingml/2006/diagram" xmlns:o="urn:schemas-microsoft-com:office:office" xmlns:v="urn:schemas-microsoft-com:vml" xmlns:pvml="urn:schemas-microsoft-com:office:powerpoint" xmlns:com="http://schemas.openxmlformats.org/drawingml/2006/compatibility" xmlns:p14="http://schemas.microsoft.com/office/powerpoint/2010/main" xmlns:p15="http://schemas.microsoft.com/office/powerpoint/2012/main" showMasterPhAnim="0" showMasterSp="0">
+<p:notes xmlns:a="http://schemas.openxmlformats.org/drawingml/2006/main" xmlns:r="http://schemas.openxmlformats.org/officeDocument/2006/relationships" xmlns:p="http://schemas.openxmlformats.org/presentationml/2006/main" showMasterSp="0" showMasterPhAnim="0">
   <p:cSld>
     <p:spTree>
       <p:nvGrpSpPr>
-        <p:cNvPr id="122" name="Shape 122"/>
+        <p:cNvPr id="1" name="Shape 122"/>
         <p:cNvGrpSpPr/>
         <p:nvPr/>
       </p:nvGrpSpPr>
@@ -1605,20 +1665,26 @@
       <p:sp>
         <p:nvSpPr>
           <p:cNvPr id="123" name="Google Shape;123;g4cca90d6c1_0_57:notes"/>
-          <p:cNvSpPr/>
+          <p:cNvSpPr>
+            <a:spLocks noGrp="1" noRot="1" noChangeAspect="1"/>
+          </p:cNvSpPr>
           <p:nvPr>
-            <p:ph idx="2" type="sldImg"/>
+            <p:ph type="sldImg" idx="2"/>
           </p:nvPr>
         </p:nvSpPr>
         <p:spPr>
           <a:xfrm>
-            <a:off x="381300" y="685800"/>
+            <a:off x="381000" y="685800"/>
             <a:ext cx="6096000" cy="3429000"/>
           </a:xfrm>
           <a:custGeom>
-            <a:rect b="b" l="l" r="r" t="t"/>
+            <a:avLst/>
+            <a:gdLst/>
+            <a:ahLst/>
+            <a:cxnLst/>
+            <a:rect l="l" t="t" r="r" b="b"/>
             <a:pathLst>
-              <a:path extrusionOk="0" h="120000" w="120000">
+              <a:path w="120000" h="120000" extrusionOk="0">
                 <a:moveTo>
                   <a:pt x="0" y="0"/>
                 </a:moveTo>
@@ -1640,9 +1706,11 @@
       <p:sp>
         <p:nvSpPr>
           <p:cNvPr id="124" name="Google Shape;124;g4cca90d6c1_0_57:notes"/>
-          <p:cNvSpPr txBox="1"/>
+          <p:cNvSpPr txBox="1">
+            <a:spLocks noGrp="1"/>
+          </p:cNvSpPr>
           <p:nvPr>
-            <p:ph idx="1" type="body"/>
+            <p:ph type="body" idx="1"/>
           </p:nvPr>
         </p:nvSpPr>
         <p:spPr>
@@ -1655,12 +1723,12 @@
           </a:prstGeom>
         </p:spPr>
         <p:txBody>
-          <a:bodyPr anchorCtr="0" anchor="t" bIns="91425" lIns="91425" spcFirstLastPara="1" rIns="91425" wrap="square" tIns="91425">
+          <a:bodyPr spcFirstLastPara="1" wrap="square" lIns="91425" tIns="91425" rIns="91425" bIns="91425" anchor="t" anchorCtr="0">
             <a:noAutofit/>
           </a:bodyPr>
           <a:lstStyle/>
           <a:p>
-            <a:pPr indent="0" lvl="0" marL="0" rtl="0" algn="l">
+            <a:pPr marL="0" lvl="0" indent="0" algn="l" rtl="0">
               <a:spcBef>
                 <a:spcPts val="0"/>
               </a:spcBef>
@@ -1669,9 +1737,6 @@
               </a:spcAft>
               <a:buNone/>
             </a:pPr>
-            <a:r>
-              <a:t/>
-            </a:r>
             <a:endParaRPr/>
           </a:p>
         </p:txBody>
@@ -1685,11 +1750,11 @@
 </file>
 
 <file path=ppt/notesSlides/notesSlide8.xml><?xml version="1.0" encoding="utf-8"?>
-<p:notes xmlns:a="http://schemas.openxmlformats.org/drawingml/2006/main" xmlns:r="http://schemas.openxmlformats.org/officeDocument/2006/relationships" xmlns:mc="http://schemas.openxmlformats.org/markup-compatibility/2006" xmlns:mv="urn:schemas-microsoft-com:mac:vml" xmlns:p="http://schemas.openxmlformats.org/presentationml/2006/main" xmlns:c="http://schemas.openxmlformats.org/drawingml/2006/chart" xmlns:dgm="http://schemas.openxmlformats.org/drawingml/2006/diagram" xmlns:o="urn:schemas-microsoft-com:office:office" xmlns:v="urn:schemas-microsoft-com:vml" xmlns:pvml="urn:schemas-microsoft-com:office:powerpoint" xmlns:com="http://schemas.openxmlformats.org/drawingml/2006/compatibility" xmlns:p14="http://schemas.microsoft.com/office/powerpoint/2010/main" xmlns:p15="http://schemas.microsoft.com/office/powerpoint/2012/main" showMasterPhAnim="0" showMasterSp="0">
+<p:notes xmlns:a="http://schemas.openxmlformats.org/drawingml/2006/main" xmlns:r="http://schemas.openxmlformats.org/officeDocument/2006/relationships" xmlns:p="http://schemas.openxmlformats.org/presentationml/2006/main" showMasterSp="0" showMasterPhAnim="0">
   <p:cSld>
     <p:spTree>
       <p:nvGrpSpPr>
-        <p:cNvPr id="132" name="Shape 132"/>
+        <p:cNvPr id="1" name="Shape 132"/>
         <p:cNvGrpSpPr/>
         <p:nvPr/>
       </p:nvGrpSpPr>
@@ -1704,9 +1769,11 @@
       <p:sp>
         <p:nvSpPr>
           <p:cNvPr id="133" name="Google Shape;133;g4cca90d6c1_0_158:notes"/>
-          <p:cNvSpPr/>
+          <p:cNvSpPr>
+            <a:spLocks noGrp="1" noRot="1" noChangeAspect="1"/>
+          </p:cNvSpPr>
           <p:nvPr>
-            <p:ph idx="2" type="sldImg"/>
+            <p:ph type="sldImg" idx="2"/>
           </p:nvPr>
         </p:nvSpPr>
         <p:spPr>
@@ -1715,9 +1782,13 @@
             <a:ext cx="6096000" cy="3429000"/>
           </a:xfrm>
           <a:custGeom>
-            <a:rect b="b" l="l" r="r" t="t"/>
+            <a:avLst/>
+            <a:gdLst/>
+            <a:ahLst/>
+            <a:cxnLst/>
+            <a:rect l="l" t="t" r="r" b="b"/>
             <a:pathLst>
-              <a:path extrusionOk="0" h="120000" w="120000">
+              <a:path w="120000" h="120000" extrusionOk="0">
                 <a:moveTo>
                   <a:pt x="0" y="0"/>
                 </a:moveTo>
@@ -1739,9 +1810,11 @@
       <p:sp>
         <p:nvSpPr>
           <p:cNvPr id="134" name="Google Shape;134;g4cca90d6c1_0_158:notes"/>
-          <p:cNvSpPr txBox="1"/>
+          <p:cNvSpPr txBox="1">
+            <a:spLocks noGrp="1"/>
+          </p:cNvSpPr>
           <p:nvPr>
-            <p:ph idx="1" type="body"/>
+            <p:ph type="body" idx="1"/>
           </p:nvPr>
         </p:nvSpPr>
         <p:spPr>
@@ -1754,12 +1827,12 @@
           </a:prstGeom>
         </p:spPr>
         <p:txBody>
-          <a:bodyPr anchorCtr="0" anchor="t" bIns="91425" lIns="91425" spcFirstLastPara="1" rIns="91425" wrap="square" tIns="91425">
+          <a:bodyPr spcFirstLastPara="1" wrap="square" lIns="91425" tIns="91425" rIns="91425" bIns="91425" anchor="t" anchorCtr="0">
             <a:noAutofit/>
           </a:bodyPr>
           <a:lstStyle/>
           <a:p>
-            <a:pPr indent="0" lvl="0" marL="0" rtl="0" algn="l">
+            <a:pPr marL="0" lvl="0" indent="0" algn="l" rtl="0">
               <a:spcBef>
                 <a:spcPts val="0"/>
               </a:spcBef>
@@ -1768,9 +1841,6 @@
               </a:spcAft>
               <a:buNone/>
             </a:pPr>
-            <a:r>
-              <a:t/>
-            </a:r>
             <a:endParaRPr/>
           </a:p>
         </p:txBody>
@@ -1784,11 +1854,11 @@
 </file>
 
 <file path=ppt/notesSlides/notesSlide9.xml><?xml version="1.0" encoding="utf-8"?>
-<p:notes xmlns:a="http://schemas.openxmlformats.org/drawingml/2006/main" xmlns:r="http://schemas.openxmlformats.org/officeDocument/2006/relationships" xmlns:mc="http://schemas.openxmlformats.org/markup-compatibility/2006" xmlns:mv="urn:schemas-microsoft-com:mac:vml" xmlns:p="http://schemas.openxmlformats.org/presentationml/2006/main" xmlns:c="http://schemas.openxmlformats.org/drawingml/2006/chart" xmlns:dgm="http://schemas.openxmlformats.org/drawingml/2006/diagram" xmlns:o="urn:schemas-microsoft-com:office:office" xmlns:v="urn:schemas-microsoft-com:vml" xmlns:pvml="urn:schemas-microsoft-com:office:powerpoint" xmlns:com="http://schemas.openxmlformats.org/drawingml/2006/compatibility" xmlns:p14="http://schemas.microsoft.com/office/powerpoint/2010/main" xmlns:p15="http://schemas.microsoft.com/office/powerpoint/2012/main" showMasterPhAnim="0" showMasterSp="0">
+<p:notes xmlns:a="http://schemas.openxmlformats.org/drawingml/2006/main" xmlns:r="http://schemas.openxmlformats.org/officeDocument/2006/relationships" xmlns:p="http://schemas.openxmlformats.org/presentationml/2006/main" showMasterSp="0" showMasterPhAnim="0">
   <p:cSld>
     <p:spTree>
       <p:nvGrpSpPr>
-        <p:cNvPr id="152" name="Shape 152"/>
+        <p:cNvPr id="1" name="Shape 152"/>
         <p:cNvGrpSpPr/>
         <p:nvPr/>
       </p:nvGrpSpPr>
@@ -1803,9 +1873,11 @@
       <p:sp>
         <p:nvSpPr>
           <p:cNvPr id="153" name="Google Shape;153;g4cca90d6c1_0_203:notes"/>
-          <p:cNvSpPr/>
+          <p:cNvSpPr>
+            <a:spLocks noGrp="1" noRot="1" noChangeAspect="1"/>
+          </p:cNvSpPr>
           <p:nvPr>
-            <p:ph idx="2" type="sldImg"/>
+            <p:ph type="sldImg" idx="2"/>
           </p:nvPr>
         </p:nvSpPr>
         <p:spPr>
@@ -1814,9 +1886,13 @@
             <a:ext cx="6096000" cy="3429000"/>
           </a:xfrm>
           <a:custGeom>
-            <a:rect b="b" l="l" r="r" t="t"/>
+            <a:avLst/>
+            <a:gdLst/>
+            <a:ahLst/>
+            <a:cxnLst/>
+            <a:rect l="l" t="t" r="r" b="b"/>
             <a:pathLst>
-              <a:path extrusionOk="0" h="120000" w="120000">
+              <a:path w="120000" h="120000" extrusionOk="0">
                 <a:moveTo>
                   <a:pt x="0" y="0"/>
                 </a:moveTo>
@@ -1838,9 +1914,11 @@
       <p:sp>
         <p:nvSpPr>
           <p:cNvPr id="154" name="Google Shape;154;g4cca90d6c1_0_203:notes"/>
-          <p:cNvSpPr txBox="1"/>
+          <p:cNvSpPr txBox="1">
+            <a:spLocks noGrp="1"/>
+          </p:cNvSpPr>
           <p:nvPr>
-            <p:ph idx="1" type="body"/>
+            <p:ph type="body" idx="1"/>
           </p:nvPr>
         </p:nvSpPr>
         <p:spPr>
@@ -1853,12 +1931,12 @@
           </a:prstGeom>
         </p:spPr>
         <p:txBody>
-          <a:bodyPr anchorCtr="0" anchor="t" bIns="91425" lIns="91425" spcFirstLastPara="1" rIns="91425" wrap="square" tIns="91425">
+          <a:bodyPr spcFirstLastPara="1" wrap="square" lIns="91425" tIns="91425" rIns="91425" bIns="91425" anchor="t" anchorCtr="0">
             <a:noAutofit/>
           </a:bodyPr>
           <a:lstStyle/>
           <a:p>
-            <a:pPr indent="0" lvl="0" marL="0" rtl="0" algn="l">
+            <a:pPr marL="0" lvl="0" indent="0" algn="l" rtl="0">
               <a:spcBef>
                 <a:spcPts val="0"/>
               </a:spcBef>
@@ -1867,9 +1945,6 @@
               </a:spcAft>
               <a:buNone/>
             </a:pPr>
-            <a:r>
-              <a:t/>
-            </a:r>
             <a:endParaRPr/>
           </a:p>
         </p:txBody>
@@ -1883,11 +1958,11 @@
 </file>
 
 <file path=ppt/slideLayouts/slideLayout1.xml><?xml version="1.0" encoding="utf-8"?>
-<p:sldLayout xmlns:a="http://schemas.openxmlformats.org/drawingml/2006/main" xmlns:r="http://schemas.openxmlformats.org/officeDocument/2006/relationships" xmlns:mc="http://schemas.openxmlformats.org/markup-compatibility/2006" xmlns:mv="urn:schemas-microsoft-com:mac:vml" xmlns:p="http://schemas.openxmlformats.org/presentationml/2006/main" xmlns:c="http://schemas.openxmlformats.org/drawingml/2006/chart" xmlns:dgm="http://schemas.openxmlformats.org/drawingml/2006/diagram" xmlns:o="urn:schemas-microsoft-com:office:office" xmlns:v="urn:schemas-microsoft-com:vml" xmlns:pvml="urn:schemas-microsoft-com:office:powerpoint" xmlns:com="http://schemas.openxmlformats.org/drawingml/2006/compatibility" xmlns:p14="http://schemas.microsoft.com/office/powerpoint/2010/main" xmlns:p15="http://schemas.microsoft.com/office/powerpoint/2012/main" matchingName="Title slide" type="title">
+<p:sldLayout xmlns:a="http://schemas.openxmlformats.org/drawingml/2006/main" xmlns:r="http://schemas.openxmlformats.org/officeDocument/2006/relationships" xmlns:p="http://schemas.openxmlformats.org/presentationml/2006/main" matchingName="Title slide" type="title">
   <p:cSld name="TITLE">
     <p:spTree>
       <p:nvGrpSpPr>
-        <p:cNvPr id="9" name="Shape 9"/>
+        <p:cNvPr id="1" name="Shape 9"/>
         <p:cNvGrpSpPr/>
         <p:nvPr/>
       </p:nvGrpSpPr>
@@ -1902,7 +1977,9 @@
       <p:sp>
         <p:nvSpPr>
           <p:cNvPr id="10" name="Google Shape;10;p2"/>
-          <p:cNvSpPr txBox="1"/>
+          <p:cNvSpPr txBox="1">
+            <a:spLocks noGrp="1"/>
+          </p:cNvSpPr>
           <p:nvPr>
             <p:ph type="ctrTitle"/>
           </p:nvPr>
@@ -1917,7 +1994,7 @@
           </a:prstGeom>
         </p:spPr>
         <p:txBody>
-          <a:bodyPr anchorCtr="0" anchor="b" bIns="91425" lIns="91425" spcFirstLastPara="1" rIns="91425" wrap="square" tIns="91425"/>
+          <a:bodyPr spcFirstLastPara="1" wrap="square" lIns="91425" tIns="91425" rIns="91425" bIns="91425" anchor="b" anchorCtr="0"/>
           <a:lstStyle>
             <a:lvl1pPr lvl="0" algn="ctr">
               <a:spcBef>
@@ -2019,15 +2096,19 @@
               <a:defRPr sz="5200"/>
             </a:lvl9pPr>
           </a:lstStyle>
-          <a:p/>
+          <a:p>
+            <a:endParaRPr/>
+          </a:p>
         </p:txBody>
       </p:sp>
       <p:sp>
         <p:nvSpPr>
           <p:cNvPr id="11" name="Google Shape;11;p2"/>
-          <p:cNvSpPr txBox="1"/>
+          <p:cNvSpPr txBox="1">
+            <a:spLocks noGrp="1"/>
+          </p:cNvSpPr>
           <p:nvPr>
-            <p:ph idx="1" type="subTitle"/>
+            <p:ph type="subTitle" idx="1"/>
           </p:nvPr>
         </p:nvSpPr>
         <p:spPr>
@@ -2040,7 +2121,7 @@
           </a:prstGeom>
         </p:spPr>
         <p:txBody>
-          <a:bodyPr anchorCtr="0" anchor="t" bIns="91425" lIns="91425" spcFirstLastPara="1" rIns="91425" wrap="square" tIns="91425"/>
+          <a:bodyPr spcFirstLastPara="1" wrap="square" lIns="91425" tIns="91425" rIns="91425" bIns="91425" anchor="t" anchorCtr="0"/>
           <a:lstStyle>
             <a:lvl1pPr lvl="0" algn="ctr">
               <a:lnSpc>
@@ -2169,15 +2250,19 @@
               <a:defRPr sz="2800"/>
             </a:lvl9pPr>
           </a:lstStyle>
-          <a:p/>
+          <a:p>
+            <a:endParaRPr/>
+          </a:p>
         </p:txBody>
       </p:sp>
       <p:sp>
         <p:nvSpPr>
           <p:cNvPr id="12" name="Google Shape;12;p2"/>
-          <p:cNvSpPr txBox="1"/>
+          <p:cNvSpPr txBox="1">
+            <a:spLocks noGrp="1"/>
+          </p:cNvSpPr>
           <p:nvPr>
-            <p:ph idx="12" type="sldNum"/>
+            <p:ph type="sldNum" idx="12"/>
           </p:nvPr>
         </p:nvSpPr>
         <p:spPr>
@@ -2190,7 +2275,7 @@
           </a:prstGeom>
         </p:spPr>
         <p:txBody>
-          <a:bodyPr anchorCtr="0" anchor="ctr" bIns="91425" lIns="91425" spcFirstLastPara="1" rIns="91425" wrap="square" tIns="91425">
+          <a:bodyPr spcFirstLastPara="1" wrap="square" lIns="91425" tIns="91425" rIns="91425" bIns="91425" anchor="ctr" anchorCtr="0">
             <a:noAutofit/>
           </a:bodyPr>
           <a:lstStyle>
@@ -2232,7 +2317,7 @@
             </a:lvl9pPr>
           </a:lstStyle>
           <a:p>
-            <a:pPr indent="0" lvl="0" marL="0" rtl="0" algn="r">
+            <a:pPr marL="0" lvl="0" indent="0" algn="r" rtl="0">
               <a:spcBef>
                 <a:spcPts val="0"/>
               </a:spcBef>
@@ -2243,7 +2328,7 @@
             </a:pPr>
             <a:fld id="{00000000-1234-1234-1234-123412341234}" type="slidenum">
               <a:rPr lang="es"/>
-              <a:t>‹#›</a:t>
+              <a:t>‹Nº›</a:t>
             </a:fld>
             <a:endParaRPr/>
           </a:p>
@@ -2258,11 +2343,11 @@
 </file>
 
 <file path=ppt/slideLayouts/slideLayout10.xml><?xml version="1.0" encoding="utf-8"?>
-<p:sldLayout xmlns:a="http://schemas.openxmlformats.org/drawingml/2006/main" xmlns:r="http://schemas.openxmlformats.org/officeDocument/2006/relationships" xmlns:mc="http://schemas.openxmlformats.org/markup-compatibility/2006" xmlns:mv="urn:schemas-microsoft-com:mac:vml" xmlns:p="http://schemas.openxmlformats.org/presentationml/2006/main" xmlns:c="http://schemas.openxmlformats.org/drawingml/2006/chart" xmlns:dgm="http://schemas.openxmlformats.org/drawingml/2006/diagram" xmlns:o="urn:schemas-microsoft-com:office:office" xmlns:v="urn:schemas-microsoft-com:vml" xmlns:pvml="urn:schemas-microsoft-com:office:powerpoint" xmlns:com="http://schemas.openxmlformats.org/drawingml/2006/compatibility" xmlns:p14="http://schemas.microsoft.com/office/powerpoint/2010/main" xmlns:p15="http://schemas.microsoft.com/office/powerpoint/2012/main" matchingName="Big number">
+<p:sldLayout xmlns:a="http://schemas.openxmlformats.org/drawingml/2006/main" xmlns:r="http://schemas.openxmlformats.org/officeDocument/2006/relationships" xmlns:p="http://schemas.openxmlformats.org/presentationml/2006/main" matchingName="Big number">
   <p:cSld name="BIG_NUMBER">
     <p:spTree>
       <p:nvGrpSpPr>
-        <p:cNvPr id="44" name="Shape 44"/>
+        <p:cNvPr id="1" name="Shape 44"/>
         <p:cNvGrpSpPr/>
         <p:nvPr/>
       </p:nvGrpSpPr>
@@ -2277,9 +2362,11 @@
       <p:sp>
         <p:nvSpPr>
           <p:cNvPr id="45" name="Google Shape;45;p11"/>
-          <p:cNvSpPr txBox="1"/>
+          <p:cNvSpPr txBox="1">
+            <a:spLocks noGrp="1"/>
+          </p:cNvSpPr>
           <p:nvPr>
-            <p:ph hasCustomPrompt="1" type="title"/>
+            <p:ph type="title" hasCustomPrompt="1"/>
           </p:nvPr>
         </p:nvSpPr>
         <p:spPr>
@@ -2292,7 +2379,7 @@
           </a:prstGeom>
         </p:spPr>
         <p:txBody>
-          <a:bodyPr anchorCtr="0" anchor="b" bIns="91425" lIns="91425" spcFirstLastPara="1" rIns="91425" wrap="square" tIns="91425"/>
+          <a:bodyPr spcFirstLastPara="1" wrap="square" lIns="91425" tIns="91425" rIns="91425" bIns="91425" anchor="b" anchorCtr="0"/>
           <a:lstStyle>
             <a:lvl1pPr lvl="0" algn="ctr">
               <a:spcBef>
@@ -2404,9 +2491,11 @@
       <p:sp>
         <p:nvSpPr>
           <p:cNvPr id="46" name="Google Shape;46;p11"/>
-          <p:cNvSpPr txBox="1"/>
+          <p:cNvSpPr txBox="1">
+            <a:spLocks noGrp="1"/>
+          </p:cNvSpPr>
           <p:nvPr>
-            <p:ph idx="1" type="body"/>
+            <p:ph type="body" idx="1"/>
           </p:nvPr>
         </p:nvSpPr>
         <p:spPr>
@@ -2419,9 +2508,9 @@
           </a:prstGeom>
         </p:spPr>
         <p:txBody>
-          <a:bodyPr anchorCtr="0" anchor="t" bIns="91425" lIns="91425" spcFirstLastPara="1" rIns="91425" wrap="square" tIns="91425"/>
+          <a:bodyPr spcFirstLastPara="1" wrap="square" lIns="91425" tIns="91425" rIns="91425" bIns="91425" anchor="t" anchorCtr="0"/>
           <a:lstStyle>
-            <a:lvl1pPr indent="-342900" lvl="0" marL="457200" algn="ctr">
+            <a:lvl1pPr marL="457200" lvl="0" indent="-342900" algn="ctr">
               <a:spcBef>
                 <a:spcPts val="0"/>
               </a:spcBef>
@@ -2432,7 +2521,7 @@
               <a:buChar char="●"/>
               <a:defRPr/>
             </a:lvl1pPr>
-            <a:lvl2pPr indent="-317500" lvl="1" marL="914400" algn="ctr">
+            <a:lvl2pPr marL="914400" lvl="1" indent="-317500" algn="ctr">
               <a:spcBef>
                 <a:spcPts val="1600"/>
               </a:spcBef>
@@ -2443,7 +2532,7 @@
               <a:buChar char="○"/>
               <a:defRPr/>
             </a:lvl2pPr>
-            <a:lvl3pPr indent="-317500" lvl="2" marL="1371600" algn="ctr">
+            <a:lvl3pPr marL="1371600" lvl="2" indent="-317500" algn="ctr">
               <a:spcBef>
                 <a:spcPts val="1600"/>
               </a:spcBef>
@@ -2454,7 +2543,7 @@
               <a:buChar char="■"/>
               <a:defRPr/>
             </a:lvl3pPr>
-            <a:lvl4pPr indent="-317500" lvl="3" marL="1828800" algn="ctr">
+            <a:lvl4pPr marL="1828800" lvl="3" indent="-317500" algn="ctr">
               <a:spcBef>
                 <a:spcPts val="1600"/>
               </a:spcBef>
@@ -2465,7 +2554,7 @@
               <a:buChar char="●"/>
               <a:defRPr/>
             </a:lvl4pPr>
-            <a:lvl5pPr indent="-317500" lvl="4" marL="2286000" algn="ctr">
+            <a:lvl5pPr marL="2286000" lvl="4" indent="-317500" algn="ctr">
               <a:spcBef>
                 <a:spcPts val="1600"/>
               </a:spcBef>
@@ -2476,7 +2565,7 @@
               <a:buChar char="○"/>
               <a:defRPr/>
             </a:lvl5pPr>
-            <a:lvl6pPr indent="-317500" lvl="5" marL="2743200" algn="ctr">
+            <a:lvl6pPr marL="2743200" lvl="5" indent="-317500" algn="ctr">
               <a:spcBef>
                 <a:spcPts val="1600"/>
               </a:spcBef>
@@ -2487,7 +2576,7 @@
               <a:buChar char="■"/>
               <a:defRPr/>
             </a:lvl6pPr>
-            <a:lvl7pPr indent="-317500" lvl="6" marL="3200400" algn="ctr">
+            <a:lvl7pPr marL="3200400" lvl="6" indent="-317500" algn="ctr">
               <a:spcBef>
                 <a:spcPts val="1600"/>
               </a:spcBef>
@@ -2498,7 +2587,7 @@
               <a:buChar char="●"/>
               <a:defRPr/>
             </a:lvl7pPr>
-            <a:lvl8pPr indent="-317500" lvl="7" marL="3657600" algn="ctr">
+            <a:lvl8pPr marL="3657600" lvl="7" indent="-317500" algn="ctr">
               <a:spcBef>
                 <a:spcPts val="1600"/>
               </a:spcBef>
@@ -2509,7 +2598,7 @@
               <a:buChar char="○"/>
               <a:defRPr/>
             </a:lvl8pPr>
-            <a:lvl9pPr indent="-317500" lvl="8" marL="4114800" algn="ctr">
+            <a:lvl9pPr marL="4114800" lvl="8" indent="-317500" algn="ctr">
               <a:spcBef>
                 <a:spcPts val="1600"/>
               </a:spcBef>
@@ -2521,15 +2610,19 @@
               <a:defRPr/>
             </a:lvl9pPr>
           </a:lstStyle>
-          <a:p/>
+          <a:p>
+            <a:endParaRPr/>
+          </a:p>
         </p:txBody>
       </p:sp>
       <p:sp>
         <p:nvSpPr>
           <p:cNvPr id="47" name="Google Shape;47;p11"/>
-          <p:cNvSpPr txBox="1"/>
+          <p:cNvSpPr txBox="1">
+            <a:spLocks noGrp="1"/>
+          </p:cNvSpPr>
           <p:nvPr>
-            <p:ph idx="12" type="sldNum"/>
+            <p:ph type="sldNum" idx="12"/>
           </p:nvPr>
         </p:nvSpPr>
         <p:spPr>
@@ -2542,7 +2635,7 @@
           </a:prstGeom>
         </p:spPr>
         <p:txBody>
-          <a:bodyPr anchorCtr="0" anchor="ctr" bIns="91425" lIns="91425" spcFirstLastPara="1" rIns="91425" wrap="square" tIns="91425">
+          <a:bodyPr spcFirstLastPara="1" wrap="square" lIns="91425" tIns="91425" rIns="91425" bIns="91425" anchor="ctr" anchorCtr="0">
             <a:noAutofit/>
           </a:bodyPr>
           <a:lstStyle>
@@ -2584,7 +2677,7 @@
             </a:lvl9pPr>
           </a:lstStyle>
           <a:p>
-            <a:pPr indent="0" lvl="0" marL="0" rtl="0" algn="r">
+            <a:pPr marL="0" lvl="0" indent="0" algn="r" rtl="0">
               <a:spcBef>
                 <a:spcPts val="0"/>
               </a:spcBef>
@@ -2595,7 +2688,7 @@
             </a:pPr>
             <a:fld id="{00000000-1234-1234-1234-123412341234}" type="slidenum">
               <a:rPr lang="es"/>
-              <a:t>‹#›</a:t>
+              <a:t>‹Nº›</a:t>
             </a:fld>
             <a:endParaRPr/>
           </a:p>
@@ -2610,11 +2703,11 @@
 </file>
 
 <file path=ppt/slideLayouts/slideLayout11.xml><?xml version="1.0" encoding="utf-8"?>
-<p:sldLayout xmlns:a="http://schemas.openxmlformats.org/drawingml/2006/main" xmlns:r="http://schemas.openxmlformats.org/officeDocument/2006/relationships" xmlns:mc="http://schemas.openxmlformats.org/markup-compatibility/2006" xmlns:mv="urn:schemas-microsoft-com:mac:vml" xmlns:p="http://schemas.openxmlformats.org/presentationml/2006/main" xmlns:c="http://schemas.openxmlformats.org/drawingml/2006/chart" xmlns:dgm="http://schemas.openxmlformats.org/drawingml/2006/diagram" xmlns:o="urn:schemas-microsoft-com:office:office" xmlns:v="urn:schemas-microsoft-com:vml" xmlns:pvml="urn:schemas-microsoft-com:office:powerpoint" xmlns:com="http://schemas.openxmlformats.org/drawingml/2006/compatibility" xmlns:p14="http://schemas.microsoft.com/office/powerpoint/2010/main" xmlns:p15="http://schemas.microsoft.com/office/powerpoint/2012/main" matchingName="Blank" type="blank">
+<p:sldLayout xmlns:a="http://schemas.openxmlformats.org/drawingml/2006/main" xmlns:r="http://schemas.openxmlformats.org/officeDocument/2006/relationships" xmlns:p="http://schemas.openxmlformats.org/presentationml/2006/main" matchingName="Blank" type="blank">
   <p:cSld name="BLANK">
     <p:spTree>
       <p:nvGrpSpPr>
-        <p:cNvPr id="48" name="Shape 48"/>
+        <p:cNvPr id="1" name="Shape 48"/>
         <p:cNvGrpSpPr/>
         <p:nvPr/>
       </p:nvGrpSpPr>
@@ -2629,9 +2722,11 @@
       <p:sp>
         <p:nvSpPr>
           <p:cNvPr id="49" name="Google Shape;49;p12"/>
-          <p:cNvSpPr txBox="1"/>
+          <p:cNvSpPr txBox="1">
+            <a:spLocks noGrp="1"/>
+          </p:cNvSpPr>
           <p:nvPr>
-            <p:ph idx="12" type="sldNum"/>
+            <p:ph type="sldNum" idx="12"/>
           </p:nvPr>
         </p:nvSpPr>
         <p:spPr>
@@ -2644,7 +2739,7 @@
           </a:prstGeom>
         </p:spPr>
         <p:txBody>
-          <a:bodyPr anchorCtr="0" anchor="ctr" bIns="91425" lIns="91425" spcFirstLastPara="1" rIns="91425" wrap="square" tIns="91425">
+          <a:bodyPr spcFirstLastPara="1" wrap="square" lIns="91425" tIns="91425" rIns="91425" bIns="91425" anchor="ctr" anchorCtr="0">
             <a:noAutofit/>
           </a:bodyPr>
           <a:lstStyle>
@@ -2686,7 +2781,7 @@
             </a:lvl9pPr>
           </a:lstStyle>
           <a:p>
-            <a:pPr indent="0" lvl="0" marL="0" rtl="0" algn="r">
+            <a:pPr marL="0" lvl="0" indent="0" algn="r" rtl="0">
               <a:spcBef>
                 <a:spcPts val="0"/>
               </a:spcBef>
@@ -2697,7 +2792,7 @@
             </a:pPr>
             <a:fld id="{00000000-1234-1234-1234-123412341234}" type="slidenum">
               <a:rPr lang="es"/>
-              <a:t>‹#›</a:t>
+              <a:t>‹Nº›</a:t>
             </a:fld>
             <a:endParaRPr/>
           </a:p>
@@ -2712,11 +2807,11 @@
 </file>
 
 <file path=ppt/slideLayouts/slideLayout2.xml><?xml version="1.0" encoding="utf-8"?>
-<p:sldLayout xmlns:a="http://schemas.openxmlformats.org/drawingml/2006/main" xmlns:r="http://schemas.openxmlformats.org/officeDocument/2006/relationships" xmlns:mc="http://schemas.openxmlformats.org/markup-compatibility/2006" xmlns:mv="urn:schemas-microsoft-com:mac:vml" xmlns:p="http://schemas.openxmlformats.org/presentationml/2006/main" xmlns:c="http://schemas.openxmlformats.org/drawingml/2006/chart" xmlns:dgm="http://schemas.openxmlformats.org/drawingml/2006/diagram" xmlns:o="urn:schemas-microsoft-com:office:office" xmlns:v="urn:schemas-microsoft-com:vml" xmlns:pvml="urn:schemas-microsoft-com:office:powerpoint" xmlns:com="http://schemas.openxmlformats.org/drawingml/2006/compatibility" xmlns:p14="http://schemas.microsoft.com/office/powerpoint/2010/main" xmlns:p15="http://schemas.microsoft.com/office/powerpoint/2012/main" matchingName="Section header" type="secHead">
+<p:sldLayout xmlns:a="http://schemas.openxmlformats.org/drawingml/2006/main" xmlns:r="http://schemas.openxmlformats.org/officeDocument/2006/relationships" xmlns:p="http://schemas.openxmlformats.org/presentationml/2006/main" matchingName="Section header" type="secHead">
   <p:cSld name="SECTION_HEADER">
     <p:spTree>
       <p:nvGrpSpPr>
-        <p:cNvPr id="13" name="Shape 13"/>
+        <p:cNvPr id="1" name="Shape 13"/>
         <p:cNvGrpSpPr/>
         <p:nvPr/>
       </p:nvGrpSpPr>
@@ -2731,7 +2826,9 @@
       <p:sp>
         <p:nvSpPr>
           <p:cNvPr id="14" name="Google Shape;14;p3"/>
-          <p:cNvSpPr txBox="1"/>
+          <p:cNvSpPr txBox="1">
+            <a:spLocks noGrp="1"/>
+          </p:cNvSpPr>
           <p:nvPr>
             <p:ph type="title"/>
           </p:nvPr>
@@ -2746,7 +2843,7 @@
           </a:prstGeom>
         </p:spPr>
         <p:txBody>
-          <a:bodyPr anchorCtr="0" anchor="ctr" bIns="91425" lIns="91425" spcFirstLastPara="1" rIns="91425" wrap="square" tIns="91425"/>
+          <a:bodyPr spcFirstLastPara="1" wrap="square" lIns="91425" tIns="91425" rIns="91425" bIns="91425" anchor="ctr" anchorCtr="0"/>
           <a:lstStyle>
             <a:lvl1pPr lvl="0" algn="ctr">
               <a:spcBef>
@@ -2848,15 +2945,19 @@
               <a:defRPr sz="3600"/>
             </a:lvl9pPr>
           </a:lstStyle>
-          <a:p/>
+          <a:p>
+            <a:endParaRPr/>
+          </a:p>
         </p:txBody>
       </p:sp>
       <p:sp>
         <p:nvSpPr>
           <p:cNvPr id="15" name="Google Shape;15;p3"/>
-          <p:cNvSpPr txBox="1"/>
+          <p:cNvSpPr txBox="1">
+            <a:spLocks noGrp="1"/>
+          </p:cNvSpPr>
           <p:nvPr>
-            <p:ph idx="12" type="sldNum"/>
+            <p:ph type="sldNum" idx="12"/>
           </p:nvPr>
         </p:nvSpPr>
         <p:spPr>
@@ -2869,7 +2970,7 @@
           </a:prstGeom>
         </p:spPr>
         <p:txBody>
-          <a:bodyPr anchorCtr="0" anchor="ctr" bIns="91425" lIns="91425" spcFirstLastPara="1" rIns="91425" wrap="square" tIns="91425">
+          <a:bodyPr spcFirstLastPara="1" wrap="square" lIns="91425" tIns="91425" rIns="91425" bIns="91425" anchor="ctr" anchorCtr="0">
             <a:noAutofit/>
           </a:bodyPr>
           <a:lstStyle>
@@ -2911,7 +3012,7 @@
             </a:lvl9pPr>
           </a:lstStyle>
           <a:p>
-            <a:pPr indent="0" lvl="0" marL="0" rtl="0" algn="r">
+            <a:pPr marL="0" lvl="0" indent="0" algn="r" rtl="0">
               <a:spcBef>
                 <a:spcPts val="0"/>
               </a:spcBef>
@@ -2922,7 +3023,7 @@
             </a:pPr>
             <a:fld id="{00000000-1234-1234-1234-123412341234}" type="slidenum">
               <a:rPr lang="es"/>
-              <a:t>‹#›</a:t>
+              <a:t>‹Nº›</a:t>
             </a:fld>
             <a:endParaRPr/>
           </a:p>
@@ -2937,11 +3038,11 @@
 </file>
 
 <file path=ppt/slideLayouts/slideLayout3.xml><?xml version="1.0" encoding="utf-8"?>
-<p:sldLayout xmlns:a="http://schemas.openxmlformats.org/drawingml/2006/main" xmlns:r="http://schemas.openxmlformats.org/officeDocument/2006/relationships" xmlns:mc="http://schemas.openxmlformats.org/markup-compatibility/2006" xmlns:mv="urn:schemas-microsoft-com:mac:vml" xmlns:p="http://schemas.openxmlformats.org/presentationml/2006/main" xmlns:c="http://schemas.openxmlformats.org/drawingml/2006/chart" xmlns:dgm="http://schemas.openxmlformats.org/drawingml/2006/diagram" xmlns:o="urn:schemas-microsoft-com:office:office" xmlns:v="urn:schemas-microsoft-com:vml" xmlns:pvml="urn:schemas-microsoft-com:office:powerpoint" xmlns:com="http://schemas.openxmlformats.org/drawingml/2006/compatibility" xmlns:p14="http://schemas.microsoft.com/office/powerpoint/2010/main" xmlns:p15="http://schemas.microsoft.com/office/powerpoint/2012/main" matchingName="Title and body" type="tx">
+<p:sldLayout xmlns:a="http://schemas.openxmlformats.org/drawingml/2006/main" xmlns:r="http://schemas.openxmlformats.org/officeDocument/2006/relationships" xmlns:p="http://schemas.openxmlformats.org/presentationml/2006/main" matchingName="Title and body" type="tx">
   <p:cSld name="TITLE_AND_BODY">
     <p:spTree>
       <p:nvGrpSpPr>
-        <p:cNvPr id="16" name="Shape 16"/>
+        <p:cNvPr id="1" name="Shape 16"/>
         <p:cNvGrpSpPr/>
         <p:nvPr/>
       </p:nvGrpSpPr>
@@ -2956,7 +3057,9 @@
       <p:sp>
         <p:nvSpPr>
           <p:cNvPr id="17" name="Google Shape;17;p4"/>
-          <p:cNvSpPr txBox="1"/>
+          <p:cNvSpPr txBox="1">
+            <a:spLocks noGrp="1"/>
+          </p:cNvSpPr>
           <p:nvPr>
             <p:ph type="title"/>
           </p:nvPr>
@@ -2971,7 +3074,7 @@
           </a:prstGeom>
         </p:spPr>
         <p:txBody>
-          <a:bodyPr anchorCtr="0" anchor="t" bIns="91425" lIns="91425" spcFirstLastPara="1" rIns="91425" wrap="square" tIns="91425"/>
+          <a:bodyPr spcFirstLastPara="1" wrap="square" lIns="91425" tIns="91425" rIns="91425" bIns="91425" anchor="t" anchorCtr="0"/>
           <a:lstStyle>
             <a:lvl1pPr lvl="0">
               <a:spcBef>
@@ -3073,15 +3176,19 @@
               <a:defRPr/>
             </a:lvl9pPr>
           </a:lstStyle>
-          <a:p/>
+          <a:p>
+            <a:endParaRPr/>
+          </a:p>
         </p:txBody>
       </p:sp>
       <p:sp>
         <p:nvSpPr>
           <p:cNvPr id="18" name="Google Shape;18;p4"/>
-          <p:cNvSpPr txBox="1"/>
+          <p:cNvSpPr txBox="1">
+            <a:spLocks noGrp="1"/>
+          </p:cNvSpPr>
           <p:nvPr>
-            <p:ph idx="1" type="body"/>
+            <p:ph type="body" idx="1"/>
           </p:nvPr>
         </p:nvSpPr>
         <p:spPr>
@@ -3094,9 +3201,9 @@
           </a:prstGeom>
         </p:spPr>
         <p:txBody>
-          <a:bodyPr anchorCtr="0" anchor="t" bIns="91425" lIns="91425" spcFirstLastPara="1" rIns="91425" wrap="square" tIns="91425"/>
+          <a:bodyPr spcFirstLastPara="1" wrap="square" lIns="91425" tIns="91425" rIns="91425" bIns="91425" anchor="t" anchorCtr="0"/>
           <a:lstStyle>
-            <a:lvl1pPr indent="-342900" lvl="0" marL="457200">
+            <a:lvl1pPr marL="457200" lvl="0" indent="-342900">
               <a:spcBef>
                 <a:spcPts val="0"/>
               </a:spcBef>
@@ -3107,7 +3214,7 @@
               <a:buChar char="●"/>
               <a:defRPr/>
             </a:lvl1pPr>
-            <a:lvl2pPr indent="-317500" lvl="1" marL="914400">
+            <a:lvl2pPr marL="914400" lvl="1" indent="-317500">
               <a:spcBef>
                 <a:spcPts val="1600"/>
               </a:spcBef>
@@ -3118,7 +3225,7 @@
               <a:buChar char="○"/>
               <a:defRPr/>
             </a:lvl2pPr>
-            <a:lvl3pPr indent="-317500" lvl="2" marL="1371600">
+            <a:lvl3pPr marL="1371600" lvl="2" indent="-317500">
               <a:spcBef>
                 <a:spcPts val="1600"/>
               </a:spcBef>
@@ -3129,7 +3236,7 @@
               <a:buChar char="■"/>
               <a:defRPr/>
             </a:lvl3pPr>
-            <a:lvl4pPr indent="-317500" lvl="3" marL="1828800">
+            <a:lvl4pPr marL="1828800" lvl="3" indent="-317500">
               <a:spcBef>
                 <a:spcPts val="1600"/>
               </a:spcBef>
@@ -3140,7 +3247,7 @@
               <a:buChar char="●"/>
               <a:defRPr/>
             </a:lvl4pPr>
-            <a:lvl5pPr indent="-317500" lvl="4" marL="2286000">
+            <a:lvl5pPr marL="2286000" lvl="4" indent="-317500">
               <a:spcBef>
                 <a:spcPts val="1600"/>
               </a:spcBef>
@@ -3151,7 +3258,7 @@
               <a:buChar char="○"/>
               <a:defRPr/>
             </a:lvl5pPr>
-            <a:lvl6pPr indent="-317500" lvl="5" marL="2743200">
+            <a:lvl6pPr marL="2743200" lvl="5" indent="-317500">
               <a:spcBef>
                 <a:spcPts val="1600"/>
               </a:spcBef>
@@ -3162,7 +3269,7 @@
               <a:buChar char="■"/>
               <a:defRPr/>
             </a:lvl6pPr>
-            <a:lvl7pPr indent="-317500" lvl="6" marL="3200400">
+            <a:lvl7pPr marL="3200400" lvl="6" indent="-317500">
               <a:spcBef>
                 <a:spcPts val="1600"/>
               </a:spcBef>
@@ -3173,7 +3280,7 @@
               <a:buChar char="●"/>
               <a:defRPr/>
             </a:lvl7pPr>
-            <a:lvl8pPr indent="-317500" lvl="7" marL="3657600">
+            <a:lvl8pPr marL="3657600" lvl="7" indent="-317500">
               <a:spcBef>
                 <a:spcPts val="1600"/>
               </a:spcBef>
@@ -3184,7 +3291,7 @@
               <a:buChar char="○"/>
               <a:defRPr/>
             </a:lvl8pPr>
-            <a:lvl9pPr indent="-317500" lvl="8" marL="4114800">
+            <a:lvl9pPr marL="4114800" lvl="8" indent="-317500">
               <a:spcBef>
                 <a:spcPts val="1600"/>
               </a:spcBef>
@@ -3196,15 +3303,19 @@
               <a:defRPr/>
             </a:lvl9pPr>
           </a:lstStyle>
-          <a:p/>
+          <a:p>
+            <a:endParaRPr/>
+          </a:p>
         </p:txBody>
       </p:sp>
       <p:sp>
         <p:nvSpPr>
           <p:cNvPr id="19" name="Google Shape;19;p4"/>
-          <p:cNvSpPr txBox="1"/>
+          <p:cNvSpPr txBox="1">
+            <a:spLocks noGrp="1"/>
+          </p:cNvSpPr>
           <p:nvPr>
-            <p:ph idx="12" type="sldNum"/>
+            <p:ph type="sldNum" idx="12"/>
           </p:nvPr>
         </p:nvSpPr>
         <p:spPr>
@@ -3217,7 +3328,7 @@
           </a:prstGeom>
         </p:spPr>
         <p:txBody>
-          <a:bodyPr anchorCtr="0" anchor="ctr" bIns="91425" lIns="91425" spcFirstLastPara="1" rIns="91425" wrap="square" tIns="91425">
+          <a:bodyPr spcFirstLastPara="1" wrap="square" lIns="91425" tIns="91425" rIns="91425" bIns="91425" anchor="ctr" anchorCtr="0">
             <a:noAutofit/>
           </a:bodyPr>
           <a:lstStyle>
@@ -3259,7 +3370,7 @@
             </a:lvl9pPr>
           </a:lstStyle>
           <a:p>
-            <a:pPr indent="0" lvl="0" marL="0" rtl="0" algn="r">
+            <a:pPr marL="0" lvl="0" indent="0" algn="r" rtl="0">
               <a:spcBef>
                 <a:spcPts val="0"/>
               </a:spcBef>
@@ -3270,7 +3381,7 @@
             </a:pPr>
             <a:fld id="{00000000-1234-1234-1234-123412341234}" type="slidenum">
               <a:rPr lang="es"/>
-              <a:t>‹#›</a:t>
+              <a:t>‹Nº›</a:t>
             </a:fld>
             <a:endParaRPr/>
           </a:p>
@@ -3285,11 +3396,11 @@
 </file>
 
 <file path=ppt/slideLayouts/slideLayout4.xml><?xml version="1.0" encoding="utf-8"?>
-<p:sldLayout xmlns:a="http://schemas.openxmlformats.org/drawingml/2006/main" xmlns:r="http://schemas.openxmlformats.org/officeDocument/2006/relationships" xmlns:mc="http://schemas.openxmlformats.org/markup-compatibility/2006" xmlns:mv="urn:schemas-microsoft-com:mac:vml" xmlns:p="http://schemas.openxmlformats.org/presentationml/2006/main" xmlns:c="http://schemas.openxmlformats.org/drawingml/2006/chart" xmlns:dgm="http://schemas.openxmlformats.org/drawingml/2006/diagram" xmlns:o="urn:schemas-microsoft-com:office:office" xmlns:v="urn:schemas-microsoft-com:vml" xmlns:pvml="urn:schemas-microsoft-com:office:powerpoint" xmlns:com="http://schemas.openxmlformats.org/drawingml/2006/compatibility" xmlns:p14="http://schemas.microsoft.com/office/powerpoint/2010/main" xmlns:p15="http://schemas.microsoft.com/office/powerpoint/2012/main" matchingName="Title and two columns" type="twoColTx">
+<p:sldLayout xmlns:a="http://schemas.openxmlformats.org/drawingml/2006/main" xmlns:r="http://schemas.openxmlformats.org/officeDocument/2006/relationships" xmlns:p="http://schemas.openxmlformats.org/presentationml/2006/main" matchingName="Title and two columns" type="twoColTx">
   <p:cSld name="TITLE_AND_TWO_COLUMNS">
     <p:spTree>
       <p:nvGrpSpPr>
-        <p:cNvPr id="20" name="Shape 20"/>
+        <p:cNvPr id="1" name="Shape 20"/>
         <p:cNvGrpSpPr/>
         <p:nvPr/>
       </p:nvGrpSpPr>
@@ -3304,7 +3415,9 @@
       <p:sp>
         <p:nvSpPr>
           <p:cNvPr id="21" name="Google Shape;21;p5"/>
-          <p:cNvSpPr txBox="1"/>
+          <p:cNvSpPr txBox="1">
+            <a:spLocks noGrp="1"/>
+          </p:cNvSpPr>
           <p:nvPr>
             <p:ph type="title"/>
           </p:nvPr>
@@ -3319,7 +3432,7 @@
           </a:prstGeom>
         </p:spPr>
         <p:txBody>
-          <a:bodyPr anchorCtr="0" anchor="t" bIns="91425" lIns="91425" spcFirstLastPara="1" rIns="91425" wrap="square" tIns="91425"/>
+          <a:bodyPr spcFirstLastPara="1" wrap="square" lIns="91425" tIns="91425" rIns="91425" bIns="91425" anchor="t" anchorCtr="0"/>
           <a:lstStyle>
             <a:lvl1pPr lvl="0">
               <a:spcBef>
@@ -3421,15 +3534,19 @@
               <a:defRPr/>
             </a:lvl9pPr>
           </a:lstStyle>
-          <a:p/>
+          <a:p>
+            <a:endParaRPr/>
+          </a:p>
         </p:txBody>
       </p:sp>
       <p:sp>
         <p:nvSpPr>
           <p:cNvPr id="22" name="Google Shape;22;p5"/>
-          <p:cNvSpPr txBox="1"/>
+          <p:cNvSpPr txBox="1">
+            <a:spLocks noGrp="1"/>
+          </p:cNvSpPr>
           <p:nvPr>
-            <p:ph idx="1" type="body"/>
+            <p:ph type="body" idx="1"/>
           </p:nvPr>
         </p:nvSpPr>
         <p:spPr>
@@ -3442,9 +3559,9 @@
           </a:prstGeom>
         </p:spPr>
         <p:txBody>
-          <a:bodyPr anchorCtr="0" anchor="t" bIns="91425" lIns="91425" spcFirstLastPara="1" rIns="91425" wrap="square" tIns="91425"/>
+          <a:bodyPr spcFirstLastPara="1" wrap="square" lIns="91425" tIns="91425" rIns="91425" bIns="91425" anchor="t" anchorCtr="0"/>
           <a:lstStyle>
-            <a:lvl1pPr indent="-317500" lvl="0" marL="457200">
+            <a:lvl1pPr marL="457200" lvl="0" indent="-317500">
               <a:spcBef>
                 <a:spcPts val="0"/>
               </a:spcBef>
@@ -3455,7 +3572,7 @@
               <a:buChar char="●"/>
               <a:defRPr sz="1400"/>
             </a:lvl1pPr>
-            <a:lvl2pPr indent="-304800" lvl="1" marL="914400">
+            <a:lvl2pPr marL="914400" lvl="1" indent="-304800">
               <a:spcBef>
                 <a:spcPts val="1600"/>
               </a:spcBef>
@@ -3466,7 +3583,7 @@
               <a:buChar char="○"/>
               <a:defRPr sz="1200"/>
             </a:lvl2pPr>
-            <a:lvl3pPr indent="-304800" lvl="2" marL="1371600">
+            <a:lvl3pPr marL="1371600" lvl="2" indent="-304800">
               <a:spcBef>
                 <a:spcPts val="1600"/>
               </a:spcBef>
@@ -3477,7 +3594,7 @@
               <a:buChar char="■"/>
               <a:defRPr sz="1200"/>
             </a:lvl3pPr>
-            <a:lvl4pPr indent="-304800" lvl="3" marL="1828800">
+            <a:lvl4pPr marL="1828800" lvl="3" indent="-304800">
               <a:spcBef>
                 <a:spcPts val="1600"/>
               </a:spcBef>
@@ -3488,7 +3605,7 @@
               <a:buChar char="●"/>
               <a:defRPr sz="1200"/>
             </a:lvl4pPr>
-            <a:lvl5pPr indent="-304800" lvl="4" marL="2286000">
+            <a:lvl5pPr marL="2286000" lvl="4" indent="-304800">
               <a:spcBef>
                 <a:spcPts val="1600"/>
               </a:spcBef>
@@ -3499,7 +3616,7 @@
               <a:buChar char="○"/>
               <a:defRPr sz="1200"/>
             </a:lvl5pPr>
-            <a:lvl6pPr indent="-304800" lvl="5" marL="2743200">
+            <a:lvl6pPr marL="2743200" lvl="5" indent="-304800">
               <a:spcBef>
                 <a:spcPts val="1600"/>
               </a:spcBef>
@@ -3510,7 +3627,7 @@
               <a:buChar char="■"/>
               <a:defRPr sz="1200"/>
             </a:lvl6pPr>
-            <a:lvl7pPr indent="-304800" lvl="6" marL="3200400">
+            <a:lvl7pPr marL="3200400" lvl="6" indent="-304800">
               <a:spcBef>
                 <a:spcPts val="1600"/>
               </a:spcBef>
@@ -3521,7 +3638,7 @@
               <a:buChar char="●"/>
               <a:defRPr sz="1200"/>
             </a:lvl7pPr>
-            <a:lvl8pPr indent="-304800" lvl="7" marL="3657600">
+            <a:lvl8pPr marL="3657600" lvl="7" indent="-304800">
               <a:spcBef>
                 <a:spcPts val="1600"/>
               </a:spcBef>
@@ -3532,7 +3649,7 @@
               <a:buChar char="○"/>
               <a:defRPr sz="1200"/>
             </a:lvl8pPr>
-            <a:lvl9pPr indent="-304800" lvl="8" marL="4114800">
+            <a:lvl9pPr marL="4114800" lvl="8" indent="-304800">
               <a:spcBef>
                 <a:spcPts val="1600"/>
               </a:spcBef>
@@ -3544,15 +3661,19 @@
               <a:defRPr sz="1200"/>
             </a:lvl9pPr>
           </a:lstStyle>
-          <a:p/>
+          <a:p>
+            <a:endParaRPr/>
+          </a:p>
         </p:txBody>
       </p:sp>
       <p:sp>
         <p:nvSpPr>
           <p:cNvPr id="23" name="Google Shape;23;p5"/>
-          <p:cNvSpPr txBox="1"/>
+          <p:cNvSpPr txBox="1">
+            <a:spLocks noGrp="1"/>
+          </p:cNvSpPr>
           <p:nvPr>
-            <p:ph idx="2" type="body"/>
+            <p:ph type="body" idx="2"/>
           </p:nvPr>
         </p:nvSpPr>
         <p:spPr>
@@ -3565,9 +3686,9 @@
           </a:prstGeom>
         </p:spPr>
         <p:txBody>
-          <a:bodyPr anchorCtr="0" anchor="t" bIns="91425" lIns="91425" spcFirstLastPara="1" rIns="91425" wrap="square" tIns="91425"/>
+          <a:bodyPr spcFirstLastPara="1" wrap="square" lIns="91425" tIns="91425" rIns="91425" bIns="91425" anchor="t" anchorCtr="0"/>
           <a:lstStyle>
-            <a:lvl1pPr indent="-317500" lvl="0" marL="457200">
+            <a:lvl1pPr marL="457200" lvl="0" indent="-317500">
               <a:spcBef>
                 <a:spcPts val="0"/>
               </a:spcBef>
@@ -3578,7 +3699,7 @@
               <a:buChar char="●"/>
               <a:defRPr sz="1400"/>
             </a:lvl1pPr>
-            <a:lvl2pPr indent="-304800" lvl="1" marL="914400">
+            <a:lvl2pPr marL="914400" lvl="1" indent="-304800">
               <a:spcBef>
                 <a:spcPts val="1600"/>
               </a:spcBef>
@@ -3589,7 +3710,7 @@
               <a:buChar char="○"/>
               <a:defRPr sz="1200"/>
             </a:lvl2pPr>
-            <a:lvl3pPr indent="-304800" lvl="2" marL="1371600">
+            <a:lvl3pPr marL="1371600" lvl="2" indent="-304800">
               <a:spcBef>
                 <a:spcPts val="1600"/>
               </a:spcBef>
@@ -3600,7 +3721,7 @@
               <a:buChar char="■"/>
               <a:defRPr sz="1200"/>
             </a:lvl3pPr>
-            <a:lvl4pPr indent="-304800" lvl="3" marL="1828800">
+            <a:lvl4pPr marL="1828800" lvl="3" indent="-304800">
               <a:spcBef>
                 <a:spcPts val="1600"/>
               </a:spcBef>
@@ -3611,7 +3732,7 @@
               <a:buChar char="●"/>
               <a:defRPr sz="1200"/>
             </a:lvl4pPr>
-            <a:lvl5pPr indent="-304800" lvl="4" marL="2286000">
+            <a:lvl5pPr marL="2286000" lvl="4" indent="-304800">
               <a:spcBef>
                 <a:spcPts val="1600"/>
               </a:spcBef>
@@ -3622,7 +3743,7 @@
               <a:buChar char="○"/>
               <a:defRPr sz="1200"/>
             </a:lvl5pPr>
-            <a:lvl6pPr indent="-304800" lvl="5" marL="2743200">
+            <a:lvl6pPr marL="2743200" lvl="5" indent="-304800">
               <a:spcBef>
                 <a:spcPts val="1600"/>
               </a:spcBef>
@@ -3633,7 +3754,7 @@
               <a:buChar char="■"/>
               <a:defRPr sz="1200"/>
             </a:lvl6pPr>
-            <a:lvl7pPr indent="-304800" lvl="6" marL="3200400">
+            <a:lvl7pPr marL="3200400" lvl="6" indent="-304800">
               <a:spcBef>
                 <a:spcPts val="1600"/>
               </a:spcBef>
@@ -3644,7 +3765,7 @@
               <a:buChar char="●"/>
               <a:defRPr sz="1200"/>
             </a:lvl7pPr>
-            <a:lvl8pPr indent="-304800" lvl="7" marL="3657600">
+            <a:lvl8pPr marL="3657600" lvl="7" indent="-304800">
               <a:spcBef>
                 <a:spcPts val="1600"/>
               </a:spcBef>
@@ -3655,7 +3776,7 @@
               <a:buChar char="○"/>
               <a:defRPr sz="1200"/>
             </a:lvl8pPr>
-            <a:lvl9pPr indent="-304800" lvl="8" marL="4114800">
+            <a:lvl9pPr marL="4114800" lvl="8" indent="-304800">
               <a:spcBef>
                 <a:spcPts val="1600"/>
               </a:spcBef>
@@ -3667,15 +3788,19 @@
               <a:defRPr sz="1200"/>
             </a:lvl9pPr>
           </a:lstStyle>
-          <a:p/>
+          <a:p>
+            <a:endParaRPr/>
+          </a:p>
         </p:txBody>
       </p:sp>
       <p:sp>
         <p:nvSpPr>
           <p:cNvPr id="24" name="Google Shape;24;p5"/>
-          <p:cNvSpPr txBox="1"/>
+          <p:cNvSpPr txBox="1">
+            <a:spLocks noGrp="1"/>
+          </p:cNvSpPr>
           <p:nvPr>
-            <p:ph idx="12" type="sldNum"/>
+            <p:ph type="sldNum" idx="12"/>
           </p:nvPr>
         </p:nvSpPr>
         <p:spPr>
@@ -3688,7 +3813,7 @@
           </a:prstGeom>
         </p:spPr>
         <p:txBody>
-          <a:bodyPr anchorCtr="0" anchor="ctr" bIns="91425" lIns="91425" spcFirstLastPara="1" rIns="91425" wrap="square" tIns="91425">
+          <a:bodyPr spcFirstLastPara="1" wrap="square" lIns="91425" tIns="91425" rIns="91425" bIns="91425" anchor="ctr" anchorCtr="0">
             <a:noAutofit/>
           </a:bodyPr>
           <a:lstStyle>
@@ -3730,7 +3855,7 @@
             </a:lvl9pPr>
           </a:lstStyle>
           <a:p>
-            <a:pPr indent="0" lvl="0" marL="0" rtl="0" algn="r">
+            <a:pPr marL="0" lvl="0" indent="0" algn="r" rtl="0">
               <a:spcBef>
                 <a:spcPts val="0"/>
               </a:spcBef>
@@ -3741,7 +3866,7 @@
             </a:pPr>
             <a:fld id="{00000000-1234-1234-1234-123412341234}" type="slidenum">
               <a:rPr lang="es"/>
-              <a:t>‹#›</a:t>
+              <a:t>‹Nº›</a:t>
             </a:fld>
             <a:endParaRPr/>
           </a:p>
@@ -3756,11 +3881,11 @@
 </file>
 
 <file path=ppt/slideLayouts/slideLayout5.xml><?xml version="1.0" encoding="utf-8"?>
-<p:sldLayout xmlns:a="http://schemas.openxmlformats.org/drawingml/2006/main" xmlns:r="http://schemas.openxmlformats.org/officeDocument/2006/relationships" xmlns:mc="http://schemas.openxmlformats.org/markup-compatibility/2006" xmlns:mv="urn:schemas-microsoft-com:mac:vml" xmlns:p="http://schemas.openxmlformats.org/presentationml/2006/main" xmlns:c="http://schemas.openxmlformats.org/drawingml/2006/chart" xmlns:dgm="http://schemas.openxmlformats.org/drawingml/2006/diagram" xmlns:o="urn:schemas-microsoft-com:office:office" xmlns:v="urn:schemas-microsoft-com:vml" xmlns:pvml="urn:schemas-microsoft-com:office:powerpoint" xmlns:com="http://schemas.openxmlformats.org/drawingml/2006/compatibility" xmlns:p14="http://schemas.microsoft.com/office/powerpoint/2010/main" xmlns:p15="http://schemas.microsoft.com/office/powerpoint/2012/main" matchingName="Title only" type="titleOnly">
+<p:sldLayout xmlns:a="http://schemas.openxmlformats.org/drawingml/2006/main" xmlns:r="http://schemas.openxmlformats.org/officeDocument/2006/relationships" xmlns:p="http://schemas.openxmlformats.org/presentationml/2006/main" matchingName="Title only" type="titleOnly">
   <p:cSld name="TITLE_ONLY">
     <p:spTree>
       <p:nvGrpSpPr>
-        <p:cNvPr id="25" name="Shape 25"/>
+        <p:cNvPr id="1" name="Shape 25"/>
         <p:cNvGrpSpPr/>
         <p:nvPr/>
       </p:nvGrpSpPr>
@@ -3775,7 +3900,9 @@
       <p:sp>
         <p:nvSpPr>
           <p:cNvPr id="26" name="Google Shape;26;p6"/>
-          <p:cNvSpPr txBox="1"/>
+          <p:cNvSpPr txBox="1">
+            <a:spLocks noGrp="1"/>
+          </p:cNvSpPr>
           <p:nvPr>
             <p:ph type="title"/>
           </p:nvPr>
@@ -3790,7 +3917,7 @@
           </a:prstGeom>
         </p:spPr>
         <p:txBody>
-          <a:bodyPr anchorCtr="0" anchor="t" bIns="91425" lIns="91425" spcFirstLastPara="1" rIns="91425" wrap="square" tIns="91425"/>
+          <a:bodyPr spcFirstLastPara="1" wrap="square" lIns="91425" tIns="91425" rIns="91425" bIns="91425" anchor="t" anchorCtr="0"/>
           <a:lstStyle>
             <a:lvl1pPr lvl="0">
               <a:spcBef>
@@ -3892,15 +4019,19 @@
               <a:defRPr/>
             </a:lvl9pPr>
           </a:lstStyle>
-          <a:p/>
+          <a:p>
+            <a:endParaRPr/>
+          </a:p>
         </p:txBody>
       </p:sp>
       <p:sp>
         <p:nvSpPr>
           <p:cNvPr id="27" name="Google Shape;27;p6"/>
-          <p:cNvSpPr txBox="1"/>
+          <p:cNvSpPr txBox="1">
+            <a:spLocks noGrp="1"/>
+          </p:cNvSpPr>
           <p:nvPr>
-            <p:ph idx="12" type="sldNum"/>
+            <p:ph type="sldNum" idx="12"/>
           </p:nvPr>
         </p:nvSpPr>
         <p:spPr>
@@ -3913,7 +4044,7 @@
           </a:prstGeom>
         </p:spPr>
         <p:txBody>
-          <a:bodyPr anchorCtr="0" anchor="ctr" bIns="91425" lIns="91425" spcFirstLastPara="1" rIns="91425" wrap="square" tIns="91425">
+          <a:bodyPr spcFirstLastPara="1" wrap="square" lIns="91425" tIns="91425" rIns="91425" bIns="91425" anchor="ctr" anchorCtr="0">
             <a:noAutofit/>
           </a:bodyPr>
           <a:lstStyle>
@@ -3955,7 +4086,7 @@
             </a:lvl9pPr>
           </a:lstStyle>
           <a:p>
-            <a:pPr indent="0" lvl="0" marL="0" rtl="0" algn="r">
+            <a:pPr marL="0" lvl="0" indent="0" algn="r" rtl="0">
               <a:spcBef>
                 <a:spcPts val="0"/>
               </a:spcBef>
@@ -3966,7 +4097,7 @@
             </a:pPr>
             <a:fld id="{00000000-1234-1234-1234-123412341234}" type="slidenum">
               <a:rPr lang="es"/>
-              <a:t>‹#›</a:t>
+              <a:t>‹Nº›</a:t>
             </a:fld>
             <a:endParaRPr/>
           </a:p>
@@ -3981,11 +4112,11 @@
 </file>
 
 <file path=ppt/slideLayouts/slideLayout6.xml><?xml version="1.0" encoding="utf-8"?>
-<p:sldLayout xmlns:a="http://schemas.openxmlformats.org/drawingml/2006/main" xmlns:r="http://schemas.openxmlformats.org/officeDocument/2006/relationships" xmlns:mc="http://schemas.openxmlformats.org/markup-compatibility/2006" xmlns:mv="urn:schemas-microsoft-com:mac:vml" xmlns:p="http://schemas.openxmlformats.org/presentationml/2006/main" xmlns:c="http://schemas.openxmlformats.org/drawingml/2006/chart" xmlns:dgm="http://schemas.openxmlformats.org/drawingml/2006/diagram" xmlns:o="urn:schemas-microsoft-com:office:office" xmlns:v="urn:schemas-microsoft-com:vml" xmlns:pvml="urn:schemas-microsoft-com:office:powerpoint" xmlns:com="http://schemas.openxmlformats.org/drawingml/2006/compatibility" xmlns:p14="http://schemas.microsoft.com/office/powerpoint/2010/main" xmlns:p15="http://schemas.microsoft.com/office/powerpoint/2012/main" matchingName="One column text">
+<p:sldLayout xmlns:a="http://schemas.openxmlformats.org/drawingml/2006/main" xmlns:r="http://schemas.openxmlformats.org/officeDocument/2006/relationships" xmlns:p="http://schemas.openxmlformats.org/presentationml/2006/main" matchingName="One column text">
   <p:cSld name="ONE_COLUMN_TEXT">
     <p:spTree>
       <p:nvGrpSpPr>
-        <p:cNvPr id="28" name="Shape 28"/>
+        <p:cNvPr id="1" name="Shape 28"/>
         <p:cNvGrpSpPr/>
         <p:nvPr/>
       </p:nvGrpSpPr>
@@ -4000,7 +4131,9 @@
       <p:sp>
         <p:nvSpPr>
           <p:cNvPr id="29" name="Google Shape;29;p7"/>
-          <p:cNvSpPr txBox="1"/>
+          <p:cNvSpPr txBox="1">
+            <a:spLocks noGrp="1"/>
+          </p:cNvSpPr>
           <p:nvPr>
             <p:ph type="title"/>
           </p:nvPr>
@@ -4015,7 +4148,7 @@
           </a:prstGeom>
         </p:spPr>
         <p:txBody>
-          <a:bodyPr anchorCtr="0" anchor="b" bIns="91425" lIns="91425" spcFirstLastPara="1" rIns="91425" wrap="square" tIns="91425"/>
+          <a:bodyPr spcFirstLastPara="1" wrap="square" lIns="91425" tIns="91425" rIns="91425" bIns="91425" anchor="b" anchorCtr="0"/>
           <a:lstStyle>
             <a:lvl1pPr lvl="0">
               <a:spcBef>
@@ -4117,15 +4250,19 @@
               <a:defRPr sz="2400"/>
             </a:lvl9pPr>
           </a:lstStyle>
-          <a:p/>
+          <a:p>
+            <a:endParaRPr/>
+          </a:p>
         </p:txBody>
       </p:sp>
       <p:sp>
         <p:nvSpPr>
           <p:cNvPr id="30" name="Google Shape;30;p7"/>
-          <p:cNvSpPr txBox="1"/>
+          <p:cNvSpPr txBox="1">
+            <a:spLocks noGrp="1"/>
+          </p:cNvSpPr>
           <p:nvPr>
-            <p:ph idx="1" type="body"/>
+            <p:ph type="body" idx="1"/>
           </p:nvPr>
         </p:nvSpPr>
         <p:spPr>
@@ -4138,9 +4275,9 @@
           </a:prstGeom>
         </p:spPr>
         <p:txBody>
-          <a:bodyPr anchorCtr="0" anchor="t" bIns="91425" lIns="91425" spcFirstLastPara="1" rIns="91425" wrap="square" tIns="91425"/>
+          <a:bodyPr spcFirstLastPara="1" wrap="square" lIns="91425" tIns="91425" rIns="91425" bIns="91425" anchor="t" anchorCtr="0"/>
           <a:lstStyle>
-            <a:lvl1pPr indent="-304800" lvl="0" marL="457200">
+            <a:lvl1pPr marL="457200" lvl="0" indent="-304800">
               <a:spcBef>
                 <a:spcPts val="0"/>
               </a:spcBef>
@@ -4151,7 +4288,7 @@
               <a:buChar char="●"/>
               <a:defRPr sz="1200"/>
             </a:lvl1pPr>
-            <a:lvl2pPr indent="-304800" lvl="1" marL="914400">
+            <a:lvl2pPr marL="914400" lvl="1" indent="-304800">
               <a:spcBef>
                 <a:spcPts val="1600"/>
               </a:spcBef>
@@ -4162,7 +4299,7 @@
               <a:buChar char="○"/>
               <a:defRPr sz="1200"/>
             </a:lvl2pPr>
-            <a:lvl3pPr indent="-304800" lvl="2" marL="1371600">
+            <a:lvl3pPr marL="1371600" lvl="2" indent="-304800">
               <a:spcBef>
                 <a:spcPts val="1600"/>
               </a:spcBef>
@@ -4173,7 +4310,7 @@
               <a:buChar char="■"/>
               <a:defRPr sz="1200"/>
             </a:lvl3pPr>
-            <a:lvl4pPr indent="-304800" lvl="3" marL="1828800">
+            <a:lvl4pPr marL="1828800" lvl="3" indent="-304800">
               <a:spcBef>
                 <a:spcPts val="1600"/>
               </a:spcBef>
@@ -4184,7 +4321,7 @@
               <a:buChar char="●"/>
               <a:defRPr sz="1200"/>
             </a:lvl4pPr>
-            <a:lvl5pPr indent="-304800" lvl="4" marL="2286000">
+            <a:lvl5pPr marL="2286000" lvl="4" indent="-304800">
               <a:spcBef>
                 <a:spcPts val="1600"/>
               </a:spcBef>
@@ -4195,7 +4332,7 @@
               <a:buChar char="○"/>
               <a:defRPr sz="1200"/>
             </a:lvl5pPr>
-            <a:lvl6pPr indent="-304800" lvl="5" marL="2743200">
+            <a:lvl6pPr marL="2743200" lvl="5" indent="-304800">
               <a:spcBef>
                 <a:spcPts val="1600"/>
               </a:spcBef>
@@ -4206,7 +4343,7 @@
               <a:buChar char="■"/>
               <a:defRPr sz="1200"/>
             </a:lvl6pPr>
-            <a:lvl7pPr indent="-304800" lvl="6" marL="3200400">
+            <a:lvl7pPr marL="3200400" lvl="6" indent="-304800">
               <a:spcBef>
                 <a:spcPts val="1600"/>
               </a:spcBef>
@@ -4217,7 +4354,7 @@
               <a:buChar char="●"/>
               <a:defRPr sz="1200"/>
             </a:lvl7pPr>
-            <a:lvl8pPr indent="-304800" lvl="7" marL="3657600">
+            <a:lvl8pPr marL="3657600" lvl="7" indent="-304800">
               <a:spcBef>
                 <a:spcPts val="1600"/>
               </a:spcBef>
@@ -4228,7 +4365,7 @@
               <a:buChar char="○"/>
               <a:defRPr sz="1200"/>
             </a:lvl8pPr>
-            <a:lvl9pPr indent="-304800" lvl="8" marL="4114800">
+            <a:lvl9pPr marL="4114800" lvl="8" indent="-304800">
               <a:spcBef>
                 <a:spcPts val="1600"/>
               </a:spcBef>
@@ -4240,15 +4377,19 @@
               <a:defRPr sz="1200"/>
             </a:lvl9pPr>
           </a:lstStyle>
-          <a:p/>
+          <a:p>
+            <a:endParaRPr/>
+          </a:p>
         </p:txBody>
       </p:sp>
       <p:sp>
         <p:nvSpPr>
           <p:cNvPr id="31" name="Google Shape;31;p7"/>
-          <p:cNvSpPr txBox="1"/>
+          <p:cNvSpPr txBox="1">
+            <a:spLocks noGrp="1"/>
+          </p:cNvSpPr>
           <p:nvPr>
-            <p:ph idx="12" type="sldNum"/>
+            <p:ph type="sldNum" idx="12"/>
           </p:nvPr>
         </p:nvSpPr>
         <p:spPr>
@@ -4261,7 +4402,7 @@
           </a:prstGeom>
         </p:spPr>
         <p:txBody>
-          <a:bodyPr anchorCtr="0" anchor="ctr" bIns="91425" lIns="91425" spcFirstLastPara="1" rIns="91425" wrap="square" tIns="91425">
+          <a:bodyPr spcFirstLastPara="1" wrap="square" lIns="91425" tIns="91425" rIns="91425" bIns="91425" anchor="ctr" anchorCtr="0">
             <a:noAutofit/>
           </a:bodyPr>
           <a:lstStyle>
@@ -4303,7 +4444,7 @@
             </a:lvl9pPr>
           </a:lstStyle>
           <a:p>
-            <a:pPr indent="0" lvl="0" marL="0" rtl="0" algn="r">
+            <a:pPr marL="0" lvl="0" indent="0" algn="r" rtl="0">
               <a:spcBef>
                 <a:spcPts val="0"/>
               </a:spcBef>
@@ -4314,7 +4455,7 @@
             </a:pPr>
             <a:fld id="{00000000-1234-1234-1234-123412341234}" type="slidenum">
               <a:rPr lang="es"/>
-              <a:t>‹#›</a:t>
+              <a:t>‹Nº›</a:t>
             </a:fld>
             <a:endParaRPr/>
           </a:p>
@@ -4329,11 +4470,11 @@
 </file>
 
 <file path=ppt/slideLayouts/slideLayout7.xml><?xml version="1.0" encoding="utf-8"?>
-<p:sldLayout xmlns:a="http://schemas.openxmlformats.org/drawingml/2006/main" xmlns:r="http://schemas.openxmlformats.org/officeDocument/2006/relationships" xmlns:mc="http://schemas.openxmlformats.org/markup-compatibility/2006" xmlns:mv="urn:schemas-microsoft-com:mac:vml" xmlns:p="http://schemas.openxmlformats.org/presentationml/2006/main" xmlns:c="http://schemas.openxmlformats.org/drawingml/2006/chart" xmlns:dgm="http://schemas.openxmlformats.org/drawingml/2006/diagram" xmlns:o="urn:schemas-microsoft-com:office:office" xmlns:v="urn:schemas-microsoft-com:vml" xmlns:pvml="urn:schemas-microsoft-com:office:powerpoint" xmlns:com="http://schemas.openxmlformats.org/drawingml/2006/compatibility" xmlns:p14="http://schemas.microsoft.com/office/powerpoint/2010/main" xmlns:p15="http://schemas.microsoft.com/office/powerpoint/2012/main" matchingName="Main point">
+<p:sldLayout xmlns:a="http://schemas.openxmlformats.org/drawingml/2006/main" xmlns:r="http://schemas.openxmlformats.org/officeDocument/2006/relationships" xmlns:p="http://schemas.openxmlformats.org/presentationml/2006/main" matchingName="Main point">
   <p:cSld name="MAIN_POINT">
     <p:spTree>
       <p:nvGrpSpPr>
-        <p:cNvPr id="32" name="Shape 32"/>
+        <p:cNvPr id="1" name="Shape 32"/>
         <p:cNvGrpSpPr/>
         <p:nvPr/>
       </p:nvGrpSpPr>
@@ -4348,7 +4489,9 @@
       <p:sp>
         <p:nvSpPr>
           <p:cNvPr id="33" name="Google Shape;33;p8"/>
-          <p:cNvSpPr txBox="1"/>
+          <p:cNvSpPr txBox="1">
+            <a:spLocks noGrp="1"/>
+          </p:cNvSpPr>
           <p:nvPr>
             <p:ph type="title"/>
           </p:nvPr>
@@ -4363,7 +4506,7 @@
           </a:prstGeom>
         </p:spPr>
         <p:txBody>
-          <a:bodyPr anchorCtr="0" anchor="ctr" bIns="91425" lIns="91425" spcFirstLastPara="1" rIns="91425" wrap="square" tIns="91425"/>
+          <a:bodyPr spcFirstLastPara="1" wrap="square" lIns="91425" tIns="91425" rIns="91425" bIns="91425" anchor="ctr" anchorCtr="0"/>
           <a:lstStyle>
             <a:lvl1pPr lvl="0">
               <a:spcBef>
@@ -4465,15 +4608,19 @@
               <a:defRPr sz="4800"/>
             </a:lvl9pPr>
           </a:lstStyle>
-          <a:p/>
+          <a:p>
+            <a:endParaRPr/>
+          </a:p>
         </p:txBody>
       </p:sp>
       <p:sp>
         <p:nvSpPr>
           <p:cNvPr id="34" name="Google Shape;34;p8"/>
-          <p:cNvSpPr txBox="1"/>
+          <p:cNvSpPr txBox="1">
+            <a:spLocks noGrp="1"/>
+          </p:cNvSpPr>
           <p:nvPr>
-            <p:ph idx="12" type="sldNum"/>
+            <p:ph type="sldNum" idx="12"/>
           </p:nvPr>
         </p:nvSpPr>
         <p:spPr>
@@ -4486,7 +4633,7 @@
           </a:prstGeom>
         </p:spPr>
         <p:txBody>
-          <a:bodyPr anchorCtr="0" anchor="ctr" bIns="91425" lIns="91425" spcFirstLastPara="1" rIns="91425" wrap="square" tIns="91425">
+          <a:bodyPr spcFirstLastPara="1" wrap="square" lIns="91425" tIns="91425" rIns="91425" bIns="91425" anchor="ctr" anchorCtr="0">
             <a:noAutofit/>
           </a:bodyPr>
           <a:lstStyle>
@@ -4528,7 +4675,7 @@
             </a:lvl9pPr>
           </a:lstStyle>
           <a:p>
-            <a:pPr indent="0" lvl="0" marL="0" rtl="0" algn="r">
+            <a:pPr marL="0" lvl="0" indent="0" algn="r" rtl="0">
               <a:spcBef>
                 <a:spcPts val="0"/>
               </a:spcBef>
@@ -4539,7 +4686,7 @@
             </a:pPr>
             <a:fld id="{00000000-1234-1234-1234-123412341234}" type="slidenum">
               <a:rPr lang="es"/>
-              <a:t>‹#›</a:t>
+              <a:t>‹Nº›</a:t>
             </a:fld>
             <a:endParaRPr/>
           </a:p>
@@ -4554,11 +4701,11 @@
 </file>
 
 <file path=ppt/slideLayouts/slideLayout8.xml><?xml version="1.0" encoding="utf-8"?>
-<p:sldLayout xmlns:a="http://schemas.openxmlformats.org/drawingml/2006/main" xmlns:r="http://schemas.openxmlformats.org/officeDocument/2006/relationships" xmlns:mc="http://schemas.openxmlformats.org/markup-compatibility/2006" xmlns:mv="urn:schemas-microsoft-com:mac:vml" xmlns:p="http://schemas.openxmlformats.org/presentationml/2006/main" xmlns:c="http://schemas.openxmlformats.org/drawingml/2006/chart" xmlns:dgm="http://schemas.openxmlformats.org/drawingml/2006/diagram" xmlns:o="urn:schemas-microsoft-com:office:office" xmlns:v="urn:schemas-microsoft-com:vml" xmlns:pvml="urn:schemas-microsoft-com:office:powerpoint" xmlns:com="http://schemas.openxmlformats.org/drawingml/2006/compatibility" xmlns:p14="http://schemas.microsoft.com/office/powerpoint/2010/main" xmlns:p15="http://schemas.microsoft.com/office/powerpoint/2012/main" matchingName="Section title and description">
+<p:sldLayout xmlns:a="http://schemas.openxmlformats.org/drawingml/2006/main" xmlns:r="http://schemas.openxmlformats.org/officeDocument/2006/relationships" xmlns:p="http://schemas.openxmlformats.org/presentationml/2006/main" matchingName="Section title and description">
   <p:cSld name="SECTION_TITLE_AND_DESCRIPTION">
     <p:spTree>
       <p:nvGrpSpPr>
-        <p:cNvPr id="35" name="Shape 35"/>
+        <p:cNvPr id="1" name="Shape 35"/>
         <p:cNvGrpSpPr/>
         <p:nvPr/>
       </p:nvGrpSpPr>
@@ -4592,12 +4739,12 @@
           </a:ln>
         </p:spPr>
         <p:txBody>
-          <a:bodyPr anchorCtr="0" anchor="ctr" bIns="91425" lIns="91425" spcFirstLastPara="1" rIns="91425" wrap="square" tIns="91425">
+          <a:bodyPr spcFirstLastPara="1" wrap="square" lIns="91425" tIns="91425" rIns="91425" bIns="91425" anchor="ctr" anchorCtr="0">
             <a:noAutofit/>
           </a:bodyPr>
           <a:lstStyle/>
           <a:p>
-            <a:pPr indent="0" lvl="0" marL="0" rtl="0" algn="l">
+            <a:pPr marL="0" lvl="0" indent="0" algn="l" rtl="0">
               <a:spcBef>
                 <a:spcPts val="0"/>
               </a:spcBef>
@@ -4606,9 +4753,6 @@
               </a:spcAft>
               <a:buNone/>
             </a:pPr>
-            <a:r>
-              <a:t/>
-            </a:r>
             <a:endParaRPr/>
           </a:p>
         </p:txBody>
@@ -4616,7 +4760,9 @@
       <p:sp>
         <p:nvSpPr>
           <p:cNvPr id="37" name="Google Shape;37;p9"/>
-          <p:cNvSpPr txBox="1"/>
+          <p:cNvSpPr txBox="1">
+            <a:spLocks noGrp="1"/>
+          </p:cNvSpPr>
           <p:nvPr>
             <p:ph type="title"/>
           </p:nvPr>
@@ -4631,7 +4777,7 @@
           </a:prstGeom>
         </p:spPr>
         <p:txBody>
-          <a:bodyPr anchorCtr="0" anchor="b" bIns="91425" lIns="91425" spcFirstLastPara="1" rIns="91425" wrap="square" tIns="91425"/>
+          <a:bodyPr spcFirstLastPara="1" wrap="square" lIns="91425" tIns="91425" rIns="91425" bIns="91425" anchor="b" anchorCtr="0"/>
           <a:lstStyle>
             <a:lvl1pPr lvl="0" algn="ctr">
               <a:spcBef>
@@ -4733,15 +4879,19 @@
               <a:defRPr sz="4200"/>
             </a:lvl9pPr>
           </a:lstStyle>
-          <a:p/>
+          <a:p>
+            <a:endParaRPr/>
+          </a:p>
         </p:txBody>
       </p:sp>
       <p:sp>
         <p:nvSpPr>
           <p:cNvPr id="38" name="Google Shape;38;p9"/>
-          <p:cNvSpPr txBox="1"/>
+          <p:cNvSpPr txBox="1">
+            <a:spLocks noGrp="1"/>
+          </p:cNvSpPr>
           <p:nvPr>
-            <p:ph idx="1" type="subTitle"/>
+            <p:ph type="subTitle" idx="1"/>
           </p:nvPr>
         </p:nvSpPr>
         <p:spPr>
@@ -4754,7 +4904,7 @@
           </a:prstGeom>
         </p:spPr>
         <p:txBody>
-          <a:bodyPr anchorCtr="0" anchor="t" bIns="91425" lIns="91425" spcFirstLastPara="1" rIns="91425" wrap="square" tIns="91425"/>
+          <a:bodyPr spcFirstLastPara="1" wrap="square" lIns="91425" tIns="91425" rIns="91425" bIns="91425" anchor="t" anchorCtr="0"/>
           <a:lstStyle>
             <a:lvl1pPr lvl="0" algn="ctr">
               <a:lnSpc>
@@ -4883,15 +5033,19 @@
               <a:defRPr sz="2100"/>
             </a:lvl9pPr>
           </a:lstStyle>
-          <a:p/>
+          <a:p>
+            <a:endParaRPr/>
+          </a:p>
         </p:txBody>
       </p:sp>
       <p:sp>
         <p:nvSpPr>
           <p:cNvPr id="39" name="Google Shape;39;p9"/>
-          <p:cNvSpPr txBox="1"/>
+          <p:cNvSpPr txBox="1">
+            <a:spLocks noGrp="1"/>
+          </p:cNvSpPr>
           <p:nvPr>
-            <p:ph idx="2" type="body"/>
+            <p:ph type="body" idx="2"/>
           </p:nvPr>
         </p:nvSpPr>
         <p:spPr>
@@ -4904,9 +5058,9 @@
           </a:prstGeom>
         </p:spPr>
         <p:txBody>
-          <a:bodyPr anchorCtr="0" anchor="ctr" bIns="91425" lIns="91425" spcFirstLastPara="1" rIns="91425" wrap="square" tIns="91425"/>
+          <a:bodyPr spcFirstLastPara="1" wrap="square" lIns="91425" tIns="91425" rIns="91425" bIns="91425" anchor="ctr" anchorCtr="0"/>
           <a:lstStyle>
-            <a:lvl1pPr indent="-342900" lvl="0" marL="457200">
+            <a:lvl1pPr marL="457200" lvl="0" indent="-342900">
               <a:spcBef>
                 <a:spcPts val="0"/>
               </a:spcBef>
@@ -4917,7 +5071,7 @@
               <a:buChar char="●"/>
               <a:defRPr/>
             </a:lvl1pPr>
-            <a:lvl2pPr indent="-317500" lvl="1" marL="914400">
+            <a:lvl2pPr marL="914400" lvl="1" indent="-317500">
               <a:spcBef>
                 <a:spcPts val="1600"/>
               </a:spcBef>
@@ -4928,7 +5082,7 @@
               <a:buChar char="○"/>
               <a:defRPr/>
             </a:lvl2pPr>
-            <a:lvl3pPr indent="-317500" lvl="2" marL="1371600">
+            <a:lvl3pPr marL="1371600" lvl="2" indent="-317500">
               <a:spcBef>
                 <a:spcPts val="1600"/>
               </a:spcBef>
@@ -4939,7 +5093,7 @@
               <a:buChar char="■"/>
               <a:defRPr/>
             </a:lvl3pPr>
-            <a:lvl4pPr indent="-317500" lvl="3" marL="1828800">
+            <a:lvl4pPr marL="1828800" lvl="3" indent="-317500">
               <a:spcBef>
                 <a:spcPts val="1600"/>
               </a:spcBef>
@@ -4950,7 +5104,7 @@
               <a:buChar char="●"/>
               <a:defRPr/>
             </a:lvl4pPr>
-            <a:lvl5pPr indent="-317500" lvl="4" marL="2286000">
+            <a:lvl5pPr marL="2286000" lvl="4" indent="-317500">
               <a:spcBef>
                 <a:spcPts val="1600"/>
               </a:spcBef>
@@ -4961,7 +5115,7 @@
               <a:buChar char="○"/>
               <a:defRPr/>
             </a:lvl5pPr>
-            <a:lvl6pPr indent="-317500" lvl="5" marL="2743200">
+            <a:lvl6pPr marL="2743200" lvl="5" indent="-317500">
               <a:spcBef>
                 <a:spcPts val="1600"/>
               </a:spcBef>
@@ -4972,7 +5126,7 @@
               <a:buChar char="■"/>
               <a:defRPr/>
             </a:lvl6pPr>
-            <a:lvl7pPr indent="-317500" lvl="6" marL="3200400">
+            <a:lvl7pPr marL="3200400" lvl="6" indent="-317500">
               <a:spcBef>
                 <a:spcPts val="1600"/>
               </a:spcBef>
@@ -4983,7 +5137,7 @@
               <a:buChar char="●"/>
               <a:defRPr/>
             </a:lvl7pPr>
-            <a:lvl8pPr indent="-317500" lvl="7" marL="3657600">
+            <a:lvl8pPr marL="3657600" lvl="7" indent="-317500">
               <a:spcBef>
                 <a:spcPts val="1600"/>
               </a:spcBef>
@@ -4994,7 +5148,7 @@
               <a:buChar char="○"/>
               <a:defRPr/>
             </a:lvl8pPr>
-            <a:lvl9pPr indent="-317500" lvl="8" marL="4114800">
+            <a:lvl9pPr marL="4114800" lvl="8" indent="-317500">
               <a:spcBef>
                 <a:spcPts val="1600"/>
               </a:spcBef>
@@ -5006,15 +5160,19 @@
               <a:defRPr/>
             </a:lvl9pPr>
           </a:lstStyle>
-          <a:p/>
+          <a:p>
+            <a:endParaRPr/>
+          </a:p>
         </p:txBody>
       </p:sp>
       <p:sp>
         <p:nvSpPr>
           <p:cNvPr id="40" name="Google Shape;40;p9"/>
-          <p:cNvSpPr txBox="1"/>
+          <p:cNvSpPr txBox="1">
+            <a:spLocks noGrp="1"/>
+          </p:cNvSpPr>
           <p:nvPr>
-            <p:ph idx="12" type="sldNum"/>
+            <p:ph type="sldNum" idx="12"/>
           </p:nvPr>
         </p:nvSpPr>
         <p:spPr>
@@ -5027,7 +5185,7 @@
           </a:prstGeom>
         </p:spPr>
         <p:txBody>
-          <a:bodyPr anchorCtr="0" anchor="ctr" bIns="91425" lIns="91425" spcFirstLastPara="1" rIns="91425" wrap="square" tIns="91425">
+          <a:bodyPr spcFirstLastPara="1" wrap="square" lIns="91425" tIns="91425" rIns="91425" bIns="91425" anchor="ctr" anchorCtr="0">
             <a:noAutofit/>
           </a:bodyPr>
           <a:lstStyle>
@@ -5069,7 +5227,7 @@
             </a:lvl9pPr>
           </a:lstStyle>
           <a:p>
-            <a:pPr indent="0" lvl="0" marL="0" rtl="0" algn="r">
+            <a:pPr marL="0" lvl="0" indent="0" algn="r" rtl="0">
               <a:spcBef>
                 <a:spcPts val="0"/>
               </a:spcBef>
@@ -5080,7 +5238,7 @@
             </a:pPr>
             <a:fld id="{00000000-1234-1234-1234-123412341234}" type="slidenum">
               <a:rPr lang="es"/>
-              <a:t>‹#›</a:t>
+              <a:t>‹Nº›</a:t>
             </a:fld>
             <a:endParaRPr/>
           </a:p>
@@ -5095,11 +5253,11 @@
 </file>
 
 <file path=ppt/slideLayouts/slideLayout9.xml><?xml version="1.0" encoding="utf-8"?>
-<p:sldLayout xmlns:a="http://schemas.openxmlformats.org/drawingml/2006/main" xmlns:r="http://schemas.openxmlformats.org/officeDocument/2006/relationships" xmlns:mc="http://schemas.openxmlformats.org/markup-compatibility/2006" xmlns:mv="urn:schemas-microsoft-com:mac:vml" xmlns:p="http://schemas.openxmlformats.org/presentationml/2006/main" xmlns:c="http://schemas.openxmlformats.org/drawingml/2006/chart" xmlns:dgm="http://schemas.openxmlformats.org/drawingml/2006/diagram" xmlns:o="urn:schemas-microsoft-com:office:office" xmlns:v="urn:schemas-microsoft-com:vml" xmlns:pvml="urn:schemas-microsoft-com:office:powerpoint" xmlns:com="http://schemas.openxmlformats.org/drawingml/2006/compatibility" xmlns:p14="http://schemas.microsoft.com/office/powerpoint/2010/main" xmlns:p15="http://schemas.microsoft.com/office/powerpoint/2012/main" matchingName="Caption">
+<p:sldLayout xmlns:a="http://schemas.openxmlformats.org/drawingml/2006/main" xmlns:r="http://schemas.openxmlformats.org/officeDocument/2006/relationships" xmlns:p="http://schemas.openxmlformats.org/presentationml/2006/main" matchingName="Caption">
   <p:cSld name="CAPTION_ONLY">
     <p:spTree>
       <p:nvGrpSpPr>
-        <p:cNvPr id="41" name="Shape 41"/>
+        <p:cNvPr id="1" name="Shape 41"/>
         <p:cNvGrpSpPr/>
         <p:nvPr/>
       </p:nvGrpSpPr>
@@ -5114,9 +5272,11 @@
       <p:sp>
         <p:nvSpPr>
           <p:cNvPr id="42" name="Google Shape;42;p10"/>
-          <p:cNvSpPr txBox="1"/>
+          <p:cNvSpPr txBox="1">
+            <a:spLocks noGrp="1"/>
+          </p:cNvSpPr>
           <p:nvPr>
-            <p:ph idx="1" type="body"/>
+            <p:ph type="body" idx="1"/>
           </p:nvPr>
         </p:nvSpPr>
         <p:spPr>
@@ -5129,9 +5289,9 @@
           </a:prstGeom>
         </p:spPr>
         <p:txBody>
-          <a:bodyPr anchorCtr="0" anchor="ctr" bIns="91425" lIns="91425" spcFirstLastPara="1" rIns="91425" wrap="square" tIns="91425"/>
+          <a:bodyPr spcFirstLastPara="1" wrap="square" lIns="91425" tIns="91425" rIns="91425" bIns="91425" anchor="ctr" anchorCtr="0"/>
           <a:lstStyle>
-            <a:lvl1pPr indent="-228600" lvl="0" marL="457200">
+            <a:lvl1pPr marL="457200" lvl="0" indent="-228600">
               <a:lnSpc>
                 <a:spcPct val="100000"/>
               </a:lnSpc>
@@ -5146,15 +5306,19 @@
               <a:defRPr/>
             </a:lvl1pPr>
           </a:lstStyle>
-          <a:p/>
+          <a:p>
+            <a:endParaRPr/>
+          </a:p>
         </p:txBody>
       </p:sp>
       <p:sp>
         <p:nvSpPr>
           <p:cNvPr id="43" name="Google Shape;43;p10"/>
-          <p:cNvSpPr txBox="1"/>
+          <p:cNvSpPr txBox="1">
+            <a:spLocks noGrp="1"/>
+          </p:cNvSpPr>
           <p:nvPr>
-            <p:ph idx="12" type="sldNum"/>
+            <p:ph type="sldNum" idx="12"/>
           </p:nvPr>
         </p:nvSpPr>
         <p:spPr>
@@ -5167,7 +5331,7 @@
           </a:prstGeom>
         </p:spPr>
         <p:txBody>
-          <a:bodyPr anchorCtr="0" anchor="ctr" bIns="91425" lIns="91425" spcFirstLastPara="1" rIns="91425" wrap="square" tIns="91425">
+          <a:bodyPr spcFirstLastPara="1" wrap="square" lIns="91425" tIns="91425" rIns="91425" bIns="91425" anchor="ctr" anchorCtr="0">
             <a:noAutofit/>
           </a:bodyPr>
           <a:lstStyle>
@@ -5209,7 +5373,7 @@
             </a:lvl9pPr>
           </a:lstStyle>
           <a:p>
-            <a:pPr indent="0" lvl="0" marL="0" rtl="0" algn="r">
+            <a:pPr marL="0" lvl="0" indent="0" algn="r" rtl="0">
               <a:spcBef>
                 <a:spcPts val="0"/>
               </a:spcBef>
@@ -5220,7 +5384,7 @@
             </a:pPr>
             <a:fld id="{00000000-1234-1234-1234-123412341234}" type="slidenum">
               <a:rPr lang="es"/>
-              <a:t>‹#›</a:t>
+              <a:t>‹Nº›</a:t>
             </a:fld>
             <a:endParaRPr/>
           </a:p>
@@ -5235,18 +5399,19 @@
 </file>
 
 <file path=ppt/slideMasters/slideMaster1.xml><?xml version="1.0" encoding="utf-8"?>
-<p:sldMaster xmlns:a="http://schemas.openxmlformats.org/drawingml/2006/main" xmlns:r="http://schemas.openxmlformats.org/officeDocument/2006/relationships" xmlns:mc="http://schemas.openxmlformats.org/markup-compatibility/2006" xmlns:mv="urn:schemas-microsoft-com:mac:vml" xmlns:p="http://schemas.openxmlformats.org/presentationml/2006/main" xmlns:c="http://schemas.openxmlformats.org/drawingml/2006/chart" xmlns:dgm="http://schemas.openxmlformats.org/drawingml/2006/diagram" xmlns:o="urn:schemas-microsoft-com:office:office" xmlns:v="urn:schemas-microsoft-com:vml" xmlns:pvml="urn:schemas-microsoft-com:office:powerpoint" xmlns:com="http://schemas.openxmlformats.org/drawingml/2006/compatibility" xmlns:p14="http://schemas.microsoft.com/office/powerpoint/2010/main" xmlns:p15="http://schemas.microsoft.com/office/powerpoint/2012/main">
+<p:sldMaster xmlns:a="http://schemas.openxmlformats.org/drawingml/2006/main" xmlns:r="http://schemas.openxmlformats.org/officeDocument/2006/relationships" xmlns:p="http://schemas.openxmlformats.org/presentationml/2006/main">
   <p:cSld name="simple-light-2">
     <p:bg>
       <p:bgPr>
         <a:solidFill>
           <a:schemeClr val="lt1"/>
         </a:solidFill>
+        <a:effectLst/>
       </p:bgPr>
     </p:bg>
     <p:spTree>
       <p:nvGrpSpPr>
-        <p:cNvPr id="5" name="Shape 5"/>
+        <p:cNvPr id="1" name="Shape 5"/>
         <p:cNvGrpSpPr/>
         <p:nvPr/>
       </p:nvGrpSpPr>
@@ -5261,7 +5426,9 @@
       <p:sp>
         <p:nvSpPr>
           <p:cNvPr id="6" name="Google Shape;6;p1"/>
-          <p:cNvSpPr txBox="1"/>
+          <p:cNvSpPr txBox="1">
+            <a:spLocks noGrp="1"/>
+          </p:cNvSpPr>
           <p:nvPr>
             <p:ph type="title"/>
           </p:nvPr>
@@ -5280,7 +5447,7 @@
           </a:ln>
         </p:spPr>
         <p:txBody>
-          <a:bodyPr anchorCtr="0" anchor="t" bIns="91425" lIns="91425" spcFirstLastPara="1" rIns="91425" wrap="square" tIns="91425"/>
+          <a:bodyPr spcFirstLastPara="1" wrap="square" lIns="91425" tIns="91425" rIns="91425" bIns="91425" anchor="t" anchorCtr="0"/>
           <a:lstStyle>
             <a:lvl1pPr lvl="0">
               <a:spcBef>
@@ -5445,15 +5612,19 @@
               </a:defRPr>
             </a:lvl9pPr>
           </a:lstStyle>
-          <a:p/>
+          <a:p>
+            <a:endParaRPr/>
+          </a:p>
         </p:txBody>
       </p:sp>
       <p:sp>
         <p:nvSpPr>
           <p:cNvPr id="7" name="Google Shape;7;p1"/>
-          <p:cNvSpPr txBox="1"/>
+          <p:cNvSpPr txBox="1">
+            <a:spLocks noGrp="1"/>
+          </p:cNvSpPr>
           <p:nvPr>
-            <p:ph idx="1" type="body"/>
+            <p:ph type="body" idx="1"/>
           </p:nvPr>
         </p:nvSpPr>
         <p:spPr>
@@ -5470,9 +5641,9 @@
           </a:ln>
         </p:spPr>
         <p:txBody>
-          <a:bodyPr anchorCtr="0" anchor="t" bIns="91425" lIns="91425" spcFirstLastPara="1" rIns="91425" wrap="square" tIns="91425"/>
+          <a:bodyPr spcFirstLastPara="1" wrap="square" lIns="91425" tIns="91425" rIns="91425" bIns="91425" anchor="t" anchorCtr="0"/>
           <a:lstStyle>
-            <a:lvl1pPr indent="-342900" lvl="0" marL="457200">
+            <a:lvl1pPr marL="457200" lvl="0" indent="-342900">
               <a:lnSpc>
                 <a:spcPct val="115000"/>
               </a:lnSpc>
@@ -5493,7 +5664,7 @@
                 </a:solidFill>
               </a:defRPr>
             </a:lvl1pPr>
-            <a:lvl2pPr indent="-317500" lvl="1" marL="914400">
+            <a:lvl2pPr marL="914400" lvl="1" indent="-317500">
               <a:lnSpc>
                 <a:spcPct val="115000"/>
               </a:lnSpc>
@@ -5514,7 +5685,7 @@
                 </a:solidFill>
               </a:defRPr>
             </a:lvl2pPr>
-            <a:lvl3pPr indent="-317500" lvl="2" marL="1371600">
+            <a:lvl3pPr marL="1371600" lvl="2" indent="-317500">
               <a:lnSpc>
                 <a:spcPct val="115000"/>
               </a:lnSpc>
@@ -5535,7 +5706,7 @@
                 </a:solidFill>
               </a:defRPr>
             </a:lvl3pPr>
-            <a:lvl4pPr indent="-317500" lvl="3" marL="1828800">
+            <a:lvl4pPr marL="1828800" lvl="3" indent="-317500">
               <a:lnSpc>
                 <a:spcPct val="115000"/>
               </a:lnSpc>
@@ -5556,7 +5727,7 @@
                 </a:solidFill>
               </a:defRPr>
             </a:lvl4pPr>
-            <a:lvl5pPr indent="-317500" lvl="4" marL="2286000">
+            <a:lvl5pPr marL="2286000" lvl="4" indent="-317500">
               <a:lnSpc>
                 <a:spcPct val="115000"/>
               </a:lnSpc>
@@ -5577,7 +5748,7 @@
                 </a:solidFill>
               </a:defRPr>
             </a:lvl5pPr>
-            <a:lvl6pPr indent="-317500" lvl="5" marL="2743200">
+            <a:lvl6pPr marL="2743200" lvl="5" indent="-317500">
               <a:lnSpc>
                 <a:spcPct val="115000"/>
               </a:lnSpc>
@@ -5598,7 +5769,7 @@
                 </a:solidFill>
               </a:defRPr>
             </a:lvl6pPr>
-            <a:lvl7pPr indent="-317500" lvl="6" marL="3200400">
+            <a:lvl7pPr marL="3200400" lvl="6" indent="-317500">
               <a:lnSpc>
                 <a:spcPct val="115000"/>
               </a:lnSpc>
@@ -5619,7 +5790,7 @@
                 </a:solidFill>
               </a:defRPr>
             </a:lvl7pPr>
-            <a:lvl8pPr indent="-317500" lvl="7" marL="3657600">
+            <a:lvl8pPr marL="3657600" lvl="7" indent="-317500">
               <a:lnSpc>
                 <a:spcPct val="115000"/>
               </a:lnSpc>
@@ -5640,7 +5811,7 @@
                 </a:solidFill>
               </a:defRPr>
             </a:lvl8pPr>
-            <a:lvl9pPr indent="-317500" lvl="8" marL="4114800">
+            <a:lvl9pPr marL="4114800" lvl="8" indent="-317500">
               <a:lnSpc>
                 <a:spcPct val="115000"/>
               </a:lnSpc>
@@ -5662,15 +5833,19 @@
               </a:defRPr>
             </a:lvl9pPr>
           </a:lstStyle>
-          <a:p/>
+          <a:p>
+            <a:endParaRPr/>
+          </a:p>
         </p:txBody>
       </p:sp>
       <p:sp>
         <p:nvSpPr>
           <p:cNvPr id="8" name="Google Shape;8;p1"/>
-          <p:cNvSpPr txBox="1"/>
+          <p:cNvSpPr txBox="1">
+            <a:spLocks noGrp="1"/>
+          </p:cNvSpPr>
           <p:nvPr>
-            <p:ph idx="12" type="sldNum"/>
+            <p:ph type="sldNum" idx="12"/>
           </p:nvPr>
         </p:nvSpPr>
         <p:spPr>
@@ -5687,7 +5862,7 @@
           </a:ln>
         </p:spPr>
         <p:txBody>
-          <a:bodyPr anchorCtr="0" anchor="ctr" bIns="91425" lIns="91425" spcFirstLastPara="1" rIns="91425" wrap="square" tIns="91425">
+          <a:bodyPr spcFirstLastPara="1" wrap="square" lIns="91425" tIns="91425" rIns="91425" bIns="91425" anchor="ctr" anchorCtr="0">
             <a:noAutofit/>
           </a:bodyPr>
           <a:lstStyle>
@@ -5765,7 +5940,7 @@
             </a:lvl9pPr>
           </a:lstStyle>
           <a:p>
-            <a:pPr indent="0" lvl="0" marL="0" rtl="0" algn="r">
+            <a:pPr marL="0" lvl="0" indent="0" algn="r" rtl="0">
               <a:spcBef>
                 <a:spcPts val="0"/>
               </a:spcBef>
@@ -5776,7 +5951,7 @@
             </a:pPr>
             <a:fld id="{00000000-1234-1234-1234-123412341234}" type="slidenum">
               <a:rPr lang="es"/>
-              <a:t>‹#›</a:t>
+              <a:t>‹Nº›</a:t>
             </a:fld>
             <a:endParaRPr/>
           </a:p>
@@ -5784,7 +5959,7 @@
       </p:sp>
     </p:spTree>
   </p:cSld>
-  <p:clrMap accent1="accent1" accent2="accent2" accent3="accent3" accent4="accent4" accent5="accent5" accent6="accent6" bg1="lt1" bg2="dk2" tx1="dk1" tx2="lt2" folHlink="folHlink" hlink="hlink"/>
+  <p:clrMap bg1="lt1" tx1="dk1" bg2="dk2" tx2="lt2" accent1="accent1" accent2="accent2" accent3="accent3" accent4="accent4" accent5="accent5" accent6="accent6" hlink="hlink" folHlink="folHlink"/>
   <p:sldLayoutIdLst>
     <p:sldLayoutId id="2147483648" r:id="rId1"/>
     <p:sldLayoutId id="2147483649" r:id="rId2"/>
@@ -5798,10 +5973,10 @@
     <p:sldLayoutId id="2147483657" r:id="rId10"/>
     <p:sldLayoutId id="2147483658" r:id="rId11"/>
   </p:sldLayoutIdLst>
-  <p:hf dt="0" ftr="0" hdr="0" sldNum="0"/>
+  <p:hf sldNum="0" hdr="0" ftr="0" dt="0"/>
   <p:txStyles>
     <p:titleStyle>
-      <a:defPPr lvl="0" marR="0" rtl="0" algn="l">
+      <a:defPPr marR="0" lvl="0" algn="l" rtl="0">
         <a:lnSpc>
           <a:spcPct val="100000"/>
         </a:lnSpc>
@@ -5812,7 +5987,7 @@
           <a:spcPts val="0"/>
         </a:spcAft>
       </a:defPPr>
-      <a:lvl1pPr lvl="0" marR="0" rtl="0" algn="l">
+      <a:lvl1pPr marR="0" lvl="0" algn="l" rtl="0">
         <a:lnSpc>
           <a:spcPct val="100000"/>
         </a:lnSpc>
@@ -5826,7 +6001,7 @@
           <a:srgbClr val="000000"/>
         </a:buClr>
         <a:buFont typeface="Arial"/>
-        <a:defRPr b="0" i="0" sz="1400" u="none" cap="none" strike="noStrike">
+        <a:defRPr sz="1400" b="0" i="0" u="none" strike="noStrike" cap="none">
           <a:solidFill>
             <a:srgbClr val="000000"/>
           </a:solidFill>
@@ -5836,7 +6011,7 @@
           <a:sym typeface="Arial"/>
         </a:defRPr>
       </a:lvl1pPr>
-      <a:lvl2pPr lvl="1" marR="0" rtl="0" algn="l">
+      <a:lvl2pPr marR="0" lvl="1" algn="l" rtl="0">
         <a:lnSpc>
           <a:spcPct val="100000"/>
         </a:lnSpc>
@@ -5850,7 +6025,7 @@
           <a:srgbClr val="000000"/>
         </a:buClr>
         <a:buFont typeface="Arial"/>
-        <a:defRPr b="0" i="0" sz="1400" u="none" cap="none" strike="noStrike">
+        <a:defRPr sz="1400" b="0" i="0" u="none" strike="noStrike" cap="none">
           <a:solidFill>
             <a:srgbClr val="000000"/>
           </a:solidFill>
@@ -5860,7 +6035,7 @@
           <a:sym typeface="Arial"/>
         </a:defRPr>
       </a:lvl2pPr>
-      <a:lvl3pPr lvl="2" marR="0" rtl="0" algn="l">
+      <a:lvl3pPr marR="0" lvl="2" algn="l" rtl="0">
         <a:lnSpc>
           <a:spcPct val="100000"/>
         </a:lnSpc>
@@ -5874,7 +6049,7 @@
           <a:srgbClr val="000000"/>
         </a:buClr>
         <a:buFont typeface="Arial"/>
-        <a:defRPr b="0" i="0" sz="1400" u="none" cap="none" strike="noStrike">
+        <a:defRPr sz="1400" b="0" i="0" u="none" strike="noStrike" cap="none">
           <a:solidFill>
             <a:srgbClr val="000000"/>
           </a:solidFill>
@@ -5884,7 +6059,7 @@
           <a:sym typeface="Arial"/>
         </a:defRPr>
       </a:lvl3pPr>
-      <a:lvl4pPr lvl="3" marR="0" rtl="0" algn="l">
+      <a:lvl4pPr marR="0" lvl="3" algn="l" rtl="0">
         <a:lnSpc>
           <a:spcPct val="100000"/>
         </a:lnSpc>
@@ -5898,7 +6073,7 @@
           <a:srgbClr val="000000"/>
         </a:buClr>
         <a:buFont typeface="Arial"/>
-        <a:defRPr b="0" i="0" sz="1400" u="none" cap="none" strike="noStrike">
+        <a:defRPr sz="1400" b="0" i="0" u="none" strike="noStrike" cap="none">
           <a:solidFill>
             <a:srgbClr val="000000"/>
           </a:solidFill>
@@ -5908,7 +6083,7 @@
           <a:sym typeface="Arial"/>
         </a:defRPr>
       </a:lvl4pPr>
-      <a:lvl5pPr lvl="4" marR="0" rtl="0" algn="l">
+      <a:lvl5pPr marR="0" lvl="4" algn="l" rtl="0">
         <a:lnSpc>
           <a:spcPct val="100000"/>
         </a:lnSpc>
@@ -5922,7 +6097,7 @@
           <a:srgbClr val="000000"/>
         </a:buClr>
         <a:buFont typeface="Arial"/>
-        <a:defRPr b="0" i="0" sz="1400" u="none" cap="none" strike="noStrike">
+        <a:defRPr sz="1400" b="0" i="0" u="none" strike="noStrike" cap="none">
           <a:solidFill>
             <a:srgbClr val="000000"/>
           </a:solidFill>
@@ -5932,7 +6107,7 @@
           <a:sym typeface="Arial"/>
         </a:defRPr>
       </a:lvl5pPr>
-      <a:lvl6pPr lvl="5" marR="0" rtl="0" algn="l">
+      <a:lvl6pPr marR="0" lvl="5" algn="l" rtl="0">
         <a:lnSpc>
           <a:spcPct val="100000"/>
         </a:lnSpc>
@@ -5946,7 +6121,7 @@
           <a:srgbClr val="000000"/>
         </a:buClr>
         <a:buFont typeface="Arial"/>
-        <a:defRPr b="0" i="0" sz="1400" u="none" cap="none" strike="noStrike">
+        <a:defRPr sz="1400" b="0" i="0" u="none" strike="noStrike" cap="none">
           <a:solidFill>
             <a:srgbClr val="000000"/>
           </a:solidFill>
@@ -5956,7 +6131,7 @@
           <a:sym typeface="Arial"/>
         </a:defRPr>
       </a:lvl6pPr>
-      <a:lvl7pPr lvl="6" marR="0" rtl="0" algn="l">
+      <a:lvl7pPr marR="0" lvl="6" algn="l" rtl="0">
         <a:lnSpc>
           <a:spcPct val="100000"/>
         </a:lnSpc>
@@ -5970,7 +6145,7 @@
           <a:srgbClr val="000000"/>
         </a:buClr>
         <a:buFont typeface="Arial"/>
-        <a:defRPr b="0" i="0" sz="1400" u="none" cap="none" strike="noStrike">
+        <a:defRPr sz="1400" b="0" i="0" u="none" strike="noStrike" cap="none">
           <a:solidFill>
             <a:srgbClr val="000000"/>
           </a:solidFill>
@@ -5980,7 +6155,7 @@
           <a:sym typeface="Arial"/>
         </a:defRPr>
       </a:lvl7pPr>
-      <a:lvl8pPr lvl="7" marR="0" rtl="0" algn="l">
+      <a:lvl8pPr marR="0" lvl="7" algn="l" rtl="0">
         <a:lnSpc>
           <a:spcPct val="100000"/>
         </a:lnSpc>
@@ -5994,7 +6169,7 @@
           <a:srgbClr val="000000"/>
         </a:buClr>
         <a:buFont typeface="Arial"/>
-        <a:defRPr b="0" i="0" sz="1400" u="none" cap="none" strike="noStrike">
+        <a:defRPr sz="1400" b="0" i="0" u="none" strike="noStrike" cap="none">
           <a:solidFill>
             <a:srgbClr val="000000"/>
           </a:solidFill>
@@ -6004,7 +6179,7 @@
           <a:sym typeface="Arial"/>
         </a:defRPr>
       </a:lvl8pPr>
-      <a:lvl9pPr lvl="8" marR="0" rtl="0" algn="l">
+      <a:lvl9pPr marR="0" lvl="8" algn="l" rtl="0">
         <a:lnSpc>
           <a:spcPct val="100000"/>
         </a:lnSpc>
@@ -6018,7 +6193,7 @@
           <a:srgbClr val="000000"/>
         </a:buClr>
         <a:buFont typeface="Arial"/>
-        <a:defRPr b="0" i="0" sz="1400" u="none" cap="none" strike="noStrike">
+        <a:defRPr sz="1400" b="0" i="0" u="none" strike="noStrike" cap="none">
           <a:solidFill>
             <a:srgbClr val="000000"/>
           </a:solidFill>
@@ -6030,7 +6205,7 @@
       </a:lvl9pPr>
     </p:titleStyle>
     <p:bodyStyle>
-      <a:defPPr lvl="0" marR="0" rtl="0" algn="l">
+      <a:defPPr marR="0" lvl="0" algn="l" rtl="0">
         <a:lnSpc>
           <a:spcPct val="100000"/>
         </a:lnSpc>
@@ -6041,7 +6216,7 @@
           <a:spcPts val="0"/>
         </a:spcAft>
       </a:defPPr>
-      <a:lvl1pPr lvl="0" marR="0" rtl="0" algn="l">
+      <a:lvl1pPr marR="0" lvl="0" algn="l" rtl="0">
         <a:lnSpc>
           <a:spcPct val="100000"/>
         </a:lnSpc>
@@ -6055,7 +6230,7 @@
           <a:srgbClr val="000000"/>
         </a:buClr>
         <a:buFont typeface="Arial"/>
-        <a:defRPr b="0" i="0" sz="1400" u="none" cap="none" strike="noStrike">
+        <a:defRPr sz="1400" b="0" i="0" u="none" strike="noStrike" cap="none">
           <a:solidFill>
             <a:srgbClr val="000000"/>
           </a:solidFill>
@@ -6065,7 +6240,7 @@
           <a:sym typeface="Arial"/>
         </a:defRPr>
       </a:lvl1pPr>
-      <a:lvl2pPr lvl="1" marR="0" rtl="0" algn="l">
+      <a:lvl2pPr marR="0" lvl="1" algn="l" rtl="0">
         <a:lnSpc>
           <a:spcPct val="100000"/>
         </a:lnSpc>
@@ -6079,7 +6254,7 @@
           <a:srgbClr val="000000"/>
         </a:buClr>
         <a:buFont typeface="Arial"/>
-        <a:defRPr b="0" i="0" sz="1400" u="none" cap="none" strike="noStrike">
+        <a:defRPr sz="1400" b="0" i="0" u="none" strike="noStrike" cap="none">
           <a:solidFill>
             <a:srgbClr val="000000"/>
           </a:solidFill>
@@ -6089,7 +6264,7 @@
           <a:sym typeface="Arial"/>
         </a:defRPr>
       </a:lvl2pPr>
-      <a:lvl3pPr lvl="2" marR="0" rtl="0" algn="l">
+      <a:lvl3pPr marR="0" lvl="2" algn="l" rtl="0">
         <a:lnSpc>
           <a:spcPct val="100000"/>
         </a:lnSpc>
@@ -6103,7 +6278,7 @@
           <a:srgbClr val="000000"/>
         </a:buClr>
         <a:buFont typeface="Arial"/>
-        <a:defRPr b="0" i="0" sz="1400" u="none" cap="none" strike="noStrike">
+        <a:defRPr sz="1400" b="0" i="0" u="none" strike="noStrike" cap="none">
           <a:solidFill>
             <a:srgbClr val="000000"/>
           </a:solidFill>
@@ -6113,7 +6288,7 @@
           <a:sym typeface="Arial"/>
         </a:defRPr>
       </a:lvl3pPr>
-      <a:lvl4pPr lvl="3" marR="0" rtl="0" algn="l">
+      <a:lvl4pPr marR="0" lvl="3" algn="l" rtl="0">
         <a:lnSpc>
           <a:spcPct val="100000"/>
         </a:lnSpc>
@@ -6127,7 +6302,7 @@
           <a:srgbClr val="000000"/>
         </a:buClr>
         <a:buFont typeface="Arial"/>
-        <a:defRPr b="0" i="0" sz="1400" u="none" cap="none" strike="noStrike">
+        <a:defRPr sz="1400" b="0" i="0" u="none" strike="noStrike" cap="none">
           <a:solidFill>
             <a:srgbClr val="000000"/>
           </a:solidFill>
@@ -6137,7 +6312,7 @@
           <a:sym typeface="Arial"/>
         </a:defRPr>
       </a:lvl4pPr>
-      <a:lvl5pPr lvl="4" marR="0" rtl="0" algn="l">
+      <a:lvl5pPr marR="0" lvl="4" algn="l" rtl="0">
         <a:lnSpc>
           <a:spcPct val="100000"/>
         </a:lnSpc>
@@ -6151,7 +6326,7 @@
           <a:srgbClr val="000000"/>
         </a:buClr>
         <a:buFont typeface="Arial"/>
-        <a:defRPr b="0" i="0" sz="1400" u="none" cap="none" strike="noStrike">
+        <a:defRPr sz="1400" b="0" i="0" u="none" strike="noStrike" cap="none">
           <a:solidFill>
             <a:srgbClr val="000000"/>
           </a:solidFill>
@@ -6161,7 +6336,7 @@
           <a:sym typeface="Arial"/>
         </a:defRPr>
       </a:lvl5pPr>
-      <a:lvl6pPr lvl="5" marR="0" rtl="0" algn="l">
+      <a:lvl6pPr marR="0" lvl="5" algn="l" rtl="0">
         <a:lnSpc>
           <a:spcPct val="100000"/>
         </a:lnSpc>
@@ -6175,7 +6350,7 @@
           <a:srgbClr val="000000"/>
         </a:buClr>
         <a:buFont typeface="Arial"/>
-        <a:defRPr b="0" i="0" sz="1400" u="none" cap="none" strike="noStrike">
+        <a:defRPr sz="1400" b="0" i="0" u="none" strike="noStrike" cap="none">
           <a:solidFill>
             <a:srgbClr val="000000"/>
           </a:solidFill>
@@ -6185,7 +6360,7 @@
           <a:sym typeface="Arial"/>
         </a:defRPr>
       </a:lvl6pPr>
-      <a:lvl7pPr lvl="6" marR="0" rtl="0" algn="l">
+      <a:lvl7pPr marR="0" lvl="6" algn="l" rtl="0">
         <a:lnSpc>
           <a:spcPct val="100000"/>
         </a:lnSpc>
@@ -6199,7 +6374,7 @@
           <a:srgbClr val="000000"/>
         </a:buClr>
         <a:buFont typeface="Arial"/>
-        <a:defRPr b="0" i="0" sz="1400" u="none" cap="none" strike="noStrike">
+        <a:defRPr sz="1400" b="0" i="0" u="none" strike="noStrike" cap="none">
           <a:solidFill>
             <a:srgbClr val="000000"/>
           </a:solidFill>
@@ -6209,7 +6384,7 @@
           <a:sym typeface="Arial"/>
         </a:defRPr>
       </a:lvl7pPr>
-      <a:lvl8pPr lvl="7" marR="0" rtl="0" algn="l">
+      <a:lvl8pPr marR="0" lvl="7" algn="l" rtl="0">
         <a:lnSpc>
           <a:spcPct val="100000"/>
         </a:lnSpc>
@@ -6223,7 +6398,7 @@
           <a:srgbClr val="000000"/>
         </a:buClr>
         <a:buFont typeface="Arial"/>
-        <a:defRPr b="0" i="0" sz="1400" u="none" cap="none" strike="noStrike">
+        <a:defRPr sz="1400" b="0" i="0" u="none" strike="noStrike" cap="none">
           <a:solidFill>
             <a:srgbClr val="000000"/>
           </a:solidFill>
@@ -6233,7 +6408,7 @@
           <a:sym typeface="Arial"/>
         </a:defRPr>
       </a:lvl8pPr>
-      <a:lvl9pPr lvl="8" marR="0" rtl="0" algn="l">
+      <a:lvl9pPr marR="0" lvl="8" algn="l" rtl="0">
         <a:lnSpc>
           <a:spcPct val="100000"/>
         </a:lnSpc>
@@ -6247,7 +6422,7 @@
           <a:srgbClr val="000000"/>
         </a:buClr>
         <a:buFont typeface="Arial"/>
-        <a:defRPr b="0" i="0" sz="1400" u="none" cap="none" strike="noStrike">
+        <a:defRPr sz="1400" b="0" i="0" u="none" strike="noStrike" cap="none">
           <a:solidFill>
             <a:srgbClr val="000000"/>
           </a:solidFill>
@@ -6259,7 +6434,7 @@
       </a:lvl9pPr>
     </p:bodyStyle>
     <p:otherStyle>
-      <a:defPPr lvl="0" marR="0" rtl="0" algn="l">
+      <a:defPPr marR="0" lvl="0" algn="l" rtl="0">
         <a:lnSpc>
           <a:spcPct val="100000"/>
         </a:lnSpc>
@@ -6270,7 +6445,7 @@
           <a:spcPts val="0"/>
         </a:spcAft>
       </a:defPPr>
-      <a:lvl1pPr lvl="0" marR="0" rtl="0" algn="l">
+      <a:lvl1pPr marR="0" lvl="0" algn="l" rtl="0">
         <a:lnSpc>
           <a:spcPct val="100000"/>
         </a:lnSpc>
@@ -6284,7 +6459,7 @@
           <a:srgbClr val="000000"/>
         </a:buClr>
         <a:buFont typeface="Arial"/>
-        <a:defRPr b="0" i="0" sz="1400" u="none" cap="none" strike="noStrike">
+        <a:defRPr sz="1400" b="0" i="0" u="none" strike="noStrike" cap="none">
           <a:solidFill>
             <a:srgbClr val="000000"/>
           </a:solidFill>
@@ -6294,7 +6469,7 @@
           <a:sym typeface="Arial"/>
         </a:defRPr>
       </a:lvl1pPr>
-      <a:lvl2pPr lvl="1" marR="0" rtl="0" algn="l">
+      <a:lvl2pPr marR="0" lvl="1" algn="l" rtl="0">
         <a:lnSpc>
           <a:spcPct val="100000"/>
         </a:lnSpc>
@@ -6308,7 +6483,7 @@
           <a:srgbClr val="000000"/>
         </a:buClr>
         <a:buFont typeface="Arial"/>
-        <a:defRPr b="0" i="0" sz="1400" u="none" cap="none" strike="noStrike">
+        <a:defRPr sz="1400" b="0" i="0" u="none" strike="noStrike" cap="none">
           <a:solidFill>
             <a:srgbClr val="000000"/>
           </a:solidFill>
@@ -6318,7 +6493,7 @@
           <a:sym typeface="Arial"/>
         </a:defRPr>
       </a:lvl2pPr>
-      <a:lvl3pPr lvl="2" marR="0" rtl="0" algn="l">
+      <a:lvl3pPr marR="0" lvl="2" algn="l" rtl="0">
         <a:lnSpc>
           <a:spcPct val="100000"/>
         </a:lnSpc>
@@ -6332,7 +6507,7 @@
           <a:srgbClr val="000000"/>
         </a:buClr>
         <a:buFont typeface="Arial"/>
-        <a:defRPr b="0" i="0" sz="1400" u="none" cap="none" strike="noStrike">
+        <a:defRPr sz="1400" b="0" i="0" u="none" strike="noStrike" cap="none">
           <a:solidFill>
             <a:srgbClr val="000000"/>
           </a:solidFill>
@@ -6342,7 +6517,7 @@
           <a:sym typeface="Arial"/>
         </a:defRPr>
       </a:lvl3pPr>
-      <a:lvl4pPr lvl="3" marR="0" rtl="0" algn="l">
+      <a:lvl4pPr marR="0" lvl="3" algn="l" rtl="0">
         <a:lnSpc>
           <a:spcPct val="100000"/>
         </a:lnSpc>
@@ -6356,7 +6531,7 @@
           <a:srgbClr val="000000"/>
         </a:buClr>
         <a:buFont typeface="Arial"/>
-        <a:defRPr b="0" i="0" sz="1400" u="none" cap="none" strike="noStrike">
+        <a:defRPr sz="1400" b="0" i="0" u="none" strike="noStrike" cap="none">
           <a:solidFill>
             <a:srgbClr val="000000"/>
           </a:solidFill>
@@ -6366,7 +6541,7 @@
           <a:sym typeface="Arial"/>
         </a:defRPr>
       </a:lvl4pPr>
-      <a:lvl5pPr lvl="4" marR="0" rtl="0" algn="l">
+      <a:lvl5pPr marR="0" lvl="4" algn="l" rtl="0">
         <a:lnSpc>
           <a:spcPct val="100000"/>
         </a:lnSpc>
@@ -6380,7 +6555,7 @@
           <a:srgbClr val="000000"/>
         </a:buClr>
         <a:buFont typeface="Arial"/>
-        <a:defRPr b="0" i="0" sz="1400" u="none" cap="none" strike="noStrike">
+        <a:defRPr sz="1400" b="0" i="0" u="none" strike="noStrike" cap="none">
           <a:solidFill>
             <a:srgbClr val="000000"/>
           </a:solidFill>
@@ -6390,7 +6565,7 @@
           <a:sym typeface="Arial"/>
         </a:defRPr>
       </a:lvl5pPr>
-      <a:lvl6pPr lvl="5" marR="0" rtl="0" algn="l">
+      <a:lvl6pPr marR="0" lvl="5" algn="l" rtl="0">
         <a:lnSpc>
           <a:spcPct val="100000"/>
         </a:lnSpc>
@@ -6404,7 +6579,7 @@
           <a:srgbClr val="000000"/>
         </a:buClr>
         <a:buFont typeface="Arial"/>
-        <a:defRPr b="0" i="0" sz="1400" u="none" cap="none" strike="noStrike">
+        <a:defRPr sz="1400" b="0" i="0" u="none" strike="noStrike" cap="none">
           <a:solidFill>
             <a:srgbClr val="000000"/>
           </a:solidFill>
@@ -6414,7 +6589,7 @@
           <a:sym typeface="Arial"/>
         </a:defRPr>
       </a:lvl6pPr>
-      <a:lvl7pPr lvl="6" marR="0" rtl="0" algn="l">
+      <a:lvl7pPr marR="0" lvl="6" algn="l" rtl="0">
         <a:lnSpc>
           <a:spcPct val="100000"/>
         </a:lnSpc>
@@ -6428,7 +6603,7 @@
           <a:srgbClr val="000000"/>
         </a:buClr>
         <a:buFont typeface="Arial"/>
-        <a:defRPr b="0" i="0" sz="1400" u="none" cap="none" strike="noStrike">
+        <a:defRPr sz="1400" b="0" i="0" u="none" strike="noStrike" cap="none">
           <a:solidFill>
             <a:srgbClr val="000000"/>
           </a:solidFill>
@@ -6438,7 +6613,7 @@
           <a:sym typeface="Arial"/>
         </a:defRPr>
       </a:lvl7pPr>
-      <a:lvl8pPr lvl="7" marR="0" rtl="0" algn="l">
+      <a:lvl8pPr marR="0" lvl="7" algn="l" rtl="0">
         <a:lnSpc>
           <a:spcPct val="100000"/>
         </a:lnSpc>
@@ -6452,7 +6627,7 @@
           <a:srgbClr val="000000"/>
         </a:buClr>
         <a:buFont typeface="Arial"/>
-        <a:defRPr b="0" i="0" sz="1400" u="none" cap="none" strike="noStrike">
+        <a:defRPr sz="1400" b="0" i="0" u="none" strike="noStrike" cap="none">
           <a:solidFill>
             <a:srgbClr val="000000"/>
           </a:solidFill>
@@ -6462,7 +6637,7 @@
           <a:sym typeface="Arial"/>
         </a:defRPr>
       </a:lvl8pPr>
-      <a:lvl9pPr lvl="8" marR="0" rtl="0" algn="l">
+      <a:lvl9pPr marR="0" lvl="8" algn="l" rtl="0">
         <a:lnSpc>
           <a:spcPct val="100000"/>
         </a:lnSpc>
@@ -6476,7 +6651,7 @@
           <a:srgbClr val="000000"/>
         </a:buClr>
         <a:buFont typeface="Arial"/>
-        <a:defRPr b="0" i="0" sz="1400" u="none" cap="none" strike="noStrike">
+        <a:defRPr sz="1400" b="0" i="0" u="none" strike="noStrike" cap="none">
           <a:solidFill>
             <a:srgbClr val="000000"/>
           </a:solidFill>
@@ -6492,11 +6667,11 @@
 </file>
 
 <file path=ppt/slides/slide1.xml><?xml version="1.0" encoding="utf-8"?>
-<p:sld xmlns:a="http://schemas.openxmlformats.org/drawingml/2006/main" xmlns:r="http://schemas.openxmlformats.org/officeDocument/2006/relationships" xmlns:mc="http://schemas.openxmlformats.org/markup-compatibility/2006" xmlns:mv="urn:schemas-microsoft-com:mac:vml" xmlns:p="http://schemas.openxmlformats.org/presentationml/2006/main" xmlns:c="http://schemas.openxmlformats.org/drawingml/2006/chart" xmlns:dgm="http://schemas.openxmlformats.org/drawingml/2006/diagram" xmlns:o="urn:schemas-microsoft-com:office:office" xmlns:v="urn:schemas-microsoft-com:vml" xmlns:pvml="urn:schemas-microsoft-com:office:powerpoint" xmlns:com="http://schemas.openxmlformats.org/drawingml/2006/compatibility" xmlns:p14="http://schemas.microsoft.com/office/powerpoint/2010/main" xmlns:p15="http://schemas.microsoft.com/office/powerpoint/2012/main">
+<p:sld xmlns:a="http://schemas.openxmlformats.org/drawingml/2006/main" xmlns:r="http://schemas.openxmlformats.org/officeDocument/2006/relationships" xmlns:p="http://schemas.openxmlformats.org/presentationml/2006/main">
   <p:cSld>
     <p:spTree>
       <p:nvGrpSpPr>
-        <p:cNvPr id="53" name="Shape 53"/>
+        <p:cNvPr id="1" name="Shape 53"/>
         <p:cNvGrpSpPr/>
         <p:nvPr/>
       </p:nvGrpSpPr>
@@ -6545,11 +6720,11 @@
 </file>
 
 <file path=ppt/slides/slide10.xml><?xml version="1.0" encoding="utf-8"?>
-<p:sld xmlns:a="http://schemas.openxmlformats.org/drawingml/2006/main" xmlns:r="http://schemas.openxmlformats.org/officeDocument/2006/relationships" xmlns:mc="http://schemas.openxmlformats.org/markup-compatibility/2006" xmlns:mv="urn:schemas-microsoft-com:mac:vml" xmlns:p="http://schemas.openxmlformats.org/presentationml/2006/main" xmlns:c="http://schemas.openxmlformats.org/drawingml/2006/chart" xmlns:dgm="http://schemas.openxmlformats.org/drawingml/2006/diagram" xmlns:o="urn:schemas-microsoft-com:office:office" xmlns:v="urn:schemas-microsoft-com:vml" xmlns:pvml="urn:schemas-microsoft-com:office:powerpoint" xmlns:com="http://schemas.openxmlformats.org/drawingml/2006/compatibility" xmlns:p14="http://schemas.microsoft.com/office/powerpoint/2010/main" xmlns:p15="http://schemas.microsoft.com/office/powerpoint/2012/main">
+<p:sld xmlns:a="http://schemas.openxmlformats.org/drawingml/2006/main" xmlns:r="http://schemas.openxmlformats.org/officeDocument/2006/relationships" xmlns:p="http://schemas.openxmlformats.org/presentationml/2006/main">
   <p:cSld>
     <p:spTree>
       <p:nvGrpSpPr>
-        <p:cNvPr id="167" name="Shape 167"/>
+        <p:cNvPr id="1" name="Shape 167"/>
         <p:cNvGrpSpPr/>
         <p:nvPr/>
       </p:nvGrpSpPr>
@@ -6581,12 +6756,12 @@
           </a:ln>
         </p:spPr>
         <p:txBody>
-          <a:bodyPr anchorCtr="0" anchor="t" bIns="91425" lIns="91425" spcFirstLastPara="1" rIns="91425" wrap="square" tIns="91425">
+          <a:bodyPr spcFirstLastPara="1" wrap="square" lIns="91425" tIns="91425" rIns="91425" bIns="91425" anchor="t" anchorCtr="0">
             <a:noAutofit/>
           </a:bodyPr>
           <a:lstStyle/>
           <a:p>
-            <a:pPr indent="0" lvl="0" marL="0" rtl="0" algn="l">
+            <a:pPr marL="0" lvl="0" indent="0" algn="l" rtl="0">
               <a:spcBef>
                 <a:spcPts val="0"/>
               </a:spcBef>
@@ -6595,9 +6770,6 @@
               </a:spcAft>
               <a:buNone/>
             </a:pPr>
-            <a:r>
-              <a:t/>
-            </a:r>
             <a:endParaRPr/>
           </a:p>
         </p:txBody>
@@ -6622,12 +6794,12 @@
           </a:ln>
         </p:spPr>
         <p:txBody>
-          <a:bodyPr anchorCtr="0" anchor="t" bIns="91425" lIns="91425" spcFirstLastPara="1" rIns="91425" wrap="square" tIns="91425">
+          <a:bodyPr spcFirstLastPara="1" wrap="square" lIns="91425" tIns="91425" rIns="91425" bIns="91425" anchor="t" anchorCtr="0">
             <a:noAutofit/>
           </a:bodyPr>
           <a:lstStyle/>
           <a:p>
-            <a:pPr indent="0" lvl="0" marL="0" rtl="0" algn="ctr">
+            <a:pPr marL="0" lvl="0" indent="0" algn="ctr" rtl="0">
               <a:spcBef>
                 <a:spcPts val="0"/>
               </a:spcBef>
@@ -6637,7 +6809,7 @@
               <a:buNone/>
             </a:pPr>
             <a:r>
-              <a:rPr b="1" lang="es" sz="3000">
+              <a:rPr lang="es" sz="3000" b="1">
                 <a:latin typeface="Calibri"/>
                 <a:ea typeface="Calibri"/>
                 <a:cs typeface="Calibri"/>
@@ -6645,7 +6817,7 @@
               </a:rPr>
               <a:t>Are we socially biased?</a:t>
             </a:r>
-            <a:endParaRPr b="1" sz="3000">
+            <a:endParaRPr sz="3000" b="1">
               <a:latin typeface="Calibri"/>
               <a:ea typeface="Calibri"/>
               <a:cs typeface="Calibri"/>
@@ -6691,11 +6863,11 @@
 </file>
 
 <file path=ppt/slides/slide11.xml><?xml version="1.0" encoding="utf-8"?>
-<p:sld xmlns:a="http://schemas.openxmlformats.org/drawingml/2006/main" xmlns:r="http://schemas.openxmlformats.org/officeDocument/2006/relationships" xmlns:mc="http://schemas.openxmlformats.org/markup-compatibility/2006" xmlns:mv="urn:schemas-microsoft-com:mac:vml" xmlns:p="http://schemas.openxmlformats.org/presentationml/2006/main" xmlns:c="http://schemas.openxmlformats.org/drawingml/2006/chart" xmlns:dgm="http://schemas.openxmlformats.org/drawingml/2006/diagram" xmlns:o="urn:schemas-microsoft-com:office:office" xmlns:v="urn:schemas-microsoft-com:vml" xmlns:pvml="urn:schemas-microsoft-com:office:powerpoint" xmlns:com="http://schemas.openxmlformats.org/drawingml/2006/compatibility" xmlns:p14="http://schemas.microsoft.com/office/powerpoint/2010/main" xmlns:p15="http://schemas.microsoft.com/office/powerpoint/2012/main">
+<p:sld xmlns:a="http://schemas.openxmlformats.org/drawingml/2006/main" xmlns:r="http://schemas.openxmlformats.org/officeDocument/2006/relationships" xmlns:p="http://schemas.openxmlformats.org/presentationml/2006/main">
   <p:cSld>
     <p:spTree>
       <p:nvGrpSpPr>
-        <p:cNvPr id="174" name="Shape 174"/>
+        <p:cNvPr id="1" name="Shape 174"/>
         <p:cNvGrpSpPr/>
         <p:nvPr/>
       </p:nvGrpSpPr>
@@ -6776,7 +6948,7 @@
           </a:xfrm>
           <a:prstGeom prst="roundRect">
             <a:avLst>
-              <a:gd fmla="val 16667" name="adj"/>
+              <a:gd name="adj" fmla="val 16667"/>
             </a:avLst>
           </a:prstGeom>
           <a:solidFill>
@@ -6789,12 +6961,12 @@
           </a:ln>
         </p:spPr>
         <p:txBody>
-          <a:bodyPr anchorCtr="0" anchor="ctr" bIns="91425" lIns="91425" spcFirstLastPara="1" rIns="91425" wrap="square" tIns="91425">
+          <a:bodyPr spcFirstLastPara="1" wrap="square" lIns="91425" tIns="91425" rIns="91425" bIns="91425" anchor="ctr" anchorCtr="0">
             <a:noAutofit/>
           </a:bodyPr>
           <a:lstStyle/>
           <a:p>
-            <a:pPr indent="0" lvl="0" marL="0" rtl="0" algn="l">
+            <a:pPr marL="0" lvl="0" indent="0" algn="l" rtl="0">
               <a:spcBef>
                 <a:spcPts val="0"/>
               </a:spcBef>
@@ -6803,9 +6975,6 @@
               </a:spcAft>
               <a:buNone/>
             </a:pPr>
-            <a:r>
-              <a:t/>
-            </a:r>
             <a:endParaRPr/>
           </a:p>
         </p:txBody>
@@ -6823,7 +6992,7 @@
           </a:xfrm>
           <a:prstGeom prst="roundRect">
             <a:avLst>
-              <a:gd fmla="val 16667" name="adj"/>
+              <a:gd name="adj" fmla="val 16667"/>
             </a:avLst>
           </a:prstGeom>
           <a:solidFill>
@@ -6836,12 +7005,12 @@
           </a:ln>
         </p:spPr>
         <p:txBody>
-          <a:bodyPr anchorCtr="0" anchor="ctr" bIns="91425" lIns="91425" spcFirstLastPara="1" rIns="91425" wrap="square" tIns="91425">
+          <a:bodyPr spcFirstLastPara="1" wrap="square" lIns="91425" tIns="91425" rIns="91425" bIns="91425" anchor="ctr" anchorCtr="0">
             <a:noAutofit/>
           </a:bodyPr>
           <a:lstStyle/>
           <a:p>
-            <a:pPr indent="0" lvl="0" marL="0" rtl="0" algn="l">
+            <a:pPr marL="0" lvl="0" indent="0" algn="l" rtl="0">
               <a:spcBef>
                 <a:spcPts val="0"/>
               </a:spcBef>
@@ -6850,9 +7019,6 @@
               </a:spcAft>
               <a:buNone/>
             </a:pPr>
-            <a:r>
-              <a:t/>
-            </a:r>
             <a:endParaRPr/>
           </a:p>
         </p:txBody>
@@ -6866,11 +7032,11 @@
 </file>
 
 <file path=ppt/slides/slide12.xml><?xml version="1.0" encoding="utf-8"?>
-<p:sld xmlns:a="http://schemas.openxmlformats.org/drawingml/2006/main" xmlns:r="http://schemas.openxmlformats.org/officeDocument/2006/relationships" xmlns:mc="http://schemas.openxmlformats.org/markup-compatibility/2006" xmlns:mv="urn:schemas-microsoft-com:mac:vml" xmlns:p="http://schemas.openxmlformats.org/presentationml/2006/main" xmlns:c="http://schemas.openxmlformats.org/drawingml/2006/chart" xmlns:dgm="http://schemas.openxmlformats.org/drawingml/2006/diagram" xmlns:o="urn:schemas-microsoft-com:office:office" xmlns:v="urn:schemas-microsoft-com:vml" xmlns:pvml="urn:schemas-microsoft-com:office:powerpoint" xmlns:com="http://schemas.openxmlformats.org/drawingml/2006/compatibility" xmlns:p14="http://schemas.microsoft.com/office/powerpoint/2010/main" xmlns:p15="http://schemas.microsoft.com/office/powerpoint/2012/main">
+<p:sld xmlns:a="http://schemas.openxmlformats.org/drawingml/2006/main" xmlns:r="http://schemas.openxmlformats.org/officeDocument/2006/relationships" xmlns:p="http://schemas.openxmlformats.org/presentationml/2006/main">
   <p:cSld>
     <p:spTree>
       <p:nvGrpSpPr>
-        <p:cNvPr id="182" name="Shape 182"/>
+        <p:cNvPr id="1" name="Shape 182"/>
         <p:cNvGrpSpPr/>
         <p:nvPr/>
       </p:nvGrpSpPr>
@@ -6919,11 +7085,11 @@
 </file>
 
 <file path=ppt/slides/slide2.xml><?xml version="1.0" encoding="utf-8"?>
-<p:sld xmlns:a="http://schemas.openxmlformats.org/drawingml/2006/main" xmlns:r="http://schemas.openxmlformats.org/officeDocument/2006/relationships" xmlns:mc="http://schemas.openxmlformats.org/markup-compatibility/2006" xmlns:mv="urn:schemas-microsoft-com:mac:vml" xmlns:p="http://schemas.openxmlformats.org/presentationml/2006/main" xmlns:c="http://schemas.openxmlformats.org/drawingml/2006/chart" xmlns:dgm="http://schemas.openxmlformats.org/drawingml/2006/diagram" xmlns:o="urn:schemas-microsoft-com:office:office" xmlns:v="urn:schemas-microsoft-com:vml" xmlns:pvml="urn:schemas-microsoft-com:office:powerpoint" xmlns:com="http://schemas.openxmlformats.org/drawingml/2006/compatibility" xmlns:p14="http://schemas.microsoft.com/office/powerpoint/2010/main" xmlns:p15="http://schemas.microsoft.com/office/powerpoint/2012/main">
+<p:sld xmlns:a="http://schemas.openxmlformats.org/drawingml/2006/main" xmlns:r="http://schemas.openxmlformats.org/officeDocument/2006/relationships" xmlns:p="http://schemas.openxmlformats.org/presentationml/2006/main">
   <p:cSld>
     <p:spTree>
       <p:nvGrpSpPr>
-        <p:cNvPr id="58" name="Shape 58"/>
+        <p:cNvPr id="1" name="Shape 58"/>
         <p:cNvGrpSpPr/>
         <p:nvPr/>
       </p:nvGrpSpPr>
@@ -7095,12 +7261,12 @@
           </a:ln>
         </p:spPr>
         <p:txBody>
-          <a:bodyPr anchorCtr="0" anchor="t" bIns="91425" lIns="91425" spcFirstLastPara="1" rIns="91425" wrap="square" tIns="91425">
+          <a:bodyPr spcFirstLastPara="1" wrap="square" lIns="91425" tIns="91425" rIns="91425" bIns="91425" anchor="t" anchorCtr="0">
             <a:noAutofit/>
           </a:bodyPr>
           <a:lstStyle/>
           <a:p>
-            <a:pPr indent="0" lvl="0" marL="0" rtl="0" algn="l">
+            <a:pPr marL="0" lvl="0" indent="0" algn="l" rtl="0">
               <a:spcBef>
                 <a:spcPts val="0"/>
               </a:spcBef>
@@ -7147,12 +7313,12 @@
           </a:ln>
         </p:spPr>
         <p:txBody>
-          <a:bodyPr anchorCtr="0" anchor="t" bIns="91425" lIns="91425" spcFirstLastPara="1" rIns="91425" wrap="square" tIns="91425">
+          <a:bodyPr spcFirstLastPara="1" wrap="square" lIns="91425" tIns="91425" rIns="91425" bIns="91425" anchor="t" anchorCtr="0">
             <a:noAutofit/>
           </a:bodyPr>
           <a:lstStyle/>
           <a:p>
-            <a:pPr indent="0" lvl="0" marL="0" rtl="0" algn="l">
+            <a:pPr marL="0" lvl="0" indent="0" algn="l" rtl="0">
               <a:spcBef>
                 <a:spcPts val="0"/>
               </a:spcBef>
@@ -7199,12 +7365,12 @@
           </a:ln>
         </p:spPr>
         <p:txBody>
-          <a:bodyPr anchorCtr="0" anchor="t" bIns="91425" lIns="91425" spcFirstLastPara="1" rIns="91425" wrap="square" tIns="91425">
+          <a:bodyPr spcFirstLastPara="1" wrap="square" lIns="91425" tIns="91425" rIns="91425" bIns="91425" anchor="t" anchorCtr="0">
             <a:noAutofit/>
           </a:bodyPr>
           <a:lstStyle/>
           <a:p>
-            <a:pPr indent="0" lvl="0" marL="0" rtl="0" algn="l">
+            <a:pPr marL="0" lvl="0" indent="0" algn="l" rtl="0">
               <a:spcBef>
                 <a:spcPts val="0"/>
               </a:spcBef>
@@ -7251,12 +7417,12 @@
           </a:ln>
         </p:spPr>
         <p:txBody>
-          <a:bodyPr anchorCtr="0" anchor="t" bIns="91425" lIns="91425" spcFirstLastPara="1" rIns="91425" wrap="square" tIns="91425">
+          <a:bodyPr spcFirstLastPara="1" wrap="square" lIns="91425" tIns="91425" rIns="91425" bIns="91425" anchor="t" anchorCtr="0">
             <a:noAutofit/>
           </a:bodyPr>
           <a:lstStyle/>
           <a:p>
-            <a:pPr indent="0" lvl="0" marL="0" rtl="0" algn="l">
+            <a:pPr marL="0" lvl="0" indent="0" algn="l" rtl="0">
               <a:spcBef>
                 <a:spcPts val="0"/>
               </a:spcBef>
@@ -7303,12 +7469,12 @@
           </a:ln>
         </p:spPr>
         <p:txBody>
-          <a:bodyPr anchorCtr="0" anchor="t" bIns="91425" lIns="91425" spcFirstLastPara="1" rIns="91425" wrap="square" tIns="91425">
+          <a:bodyPr spcFirstLastPara="1" wrap="square" lIns="91425" tIns="91425" rIns="91425" bIns="91425" anchor="t" anchorCtr="0">
             <a:noAutofit/>
           </a:bodyPr>
           <a:lstStyle/>
           <a:p>
-            <a:pPr indent="0" lvl="0" marL="0" rtl="0" algn="l">
+            <a:pPr marL="0" lvl="0" indent="0" algn="l" rtl="0">
               <a:spcBef>
                 <a:spcPts val="0"/>
               </a:spcBef>
@@ -7348,31 +7514,31 @@
           </a:xfrm>
           <a:prstGeom prst="curvedUpArrow">
             <a:avLst>
-              <a:gd fmla="val 25000" name="adj1"/>
-              <a:gd fmla="val 50000" name="adj2"/>
-              <a:gd fmla="val 25000" name="adj3"/>
+              <a:gd name="adj1" fmla="val 25000"/>
+              <a:gd name="adj2" fmla="val 50000"/>
+              <a:gd name="adj3" fmla="val 25000"/>
             </a:avLst>
           </a:prstGeom>
           <a:solidFill>
             <a:srgbClr val="000000"/>
           </a:solidFill>
-          <a:ln cap="flat" cmpd="sng" w="9525">
+          <a:ln w="9525" cap="flat" cmpd="sng">
             <a:solidFill>
               <a:srgbClr val="000000"/>
             </a:solidFill>
             <a:prstDash val="solid"/>
             <a:round/>
-            <a:headEnd len="sm" w="sm" type="none"/>
-            <a:tailEnd len="sm" w="sm" type="none"/>
+            <a:headEnd type="none" w="sm" len="sm"/>
+            <a:tailEnd type="none" w="sm" len="sm"/>
           </a:ln>
         </p:spPr>
         <p:txBody>
-          <a:bodyPr anchorCtr="0" anchor="ctr" bIns="91425" lIns="91425" spcFirstLastPara="1" rIns="91425" wrap="square" tIns="91425">
+          <a:bodyPr spcFirstLastPara="1" wrap="square" lIns="91425" tIns="91425" rIns="91425" bIns="91425" anchor="ctr" anchorCtr="0">
             <a:noAutofit/>
           </a:bodyPr>
           <a:lstStyle/>
           <a:p>
-            <a:pPr indent="0" lvl="0" marL="0" rtl="0" algn="l">
+            <a:pPr marL="0" lvl="0" indent="0" algn="l" rtl="0">
               <a:spcBef>
                 <a:spcPts val="0"/>
               </a:spcBef>
@@ -7381,9 +7547,6 @@
               </a:spcAft>
               <a:buNone/>
             </a:pPr>
-            <a:r>
-              <a:t/>
-            </a:r>
             <a:endParaRPr/>
           </a:p>
         </p:txBody>
@@ -7401,31 +7564,31 @@
           </a:xfrm>
           <a:prstGeom prst="curvedUpArrow">
             <a:avLst>
-              <a:gd fmla="val 25000" name="adj1"/>
-              <a:gd fmla="val 50000" name="adj2"/>
-              <a:gd fmla="val 25000" name="adj3"/>
+              <a:gd name="adj1" fmla="val 25000"/>
+              <a:gd name="adj2" fmla="val 50000"/>
+              <a:gd name="adj3" fmla="val 25000"/>
             </a:avLst>
           </a:prstGeom>
           <a:solidFill>
             <a:srgbClr val="000000"/>
           </a:solidFill>
-          <a:ln cap="flat" cmpd="sng" w="9525">
+          <a:ln w="9525" cap="flat" cmpd="sng">
             <a:solidFill>
               <a:srgbClr val="000000"/>
             </a:solidFill>
             <a:prstDash val="solid"/>
             <a:round/>
-            <a:headEnd len="sm" w="sm" type="none"/>
-            <a:tailEnd len="sm" w="sm" type="none"/>
+            <a:headEnd type="none" w="sm" len="sm"/>
+            <a:tailEnd type="none" w="sm" len="sm"/>
           </a:ln>
         </p:spPr>
         <p:txBody>
-          <a:bodyPr anchorCtr="0" anchor="ctr" bIns="91425" lIns="91425" spcFirstLastPara="1" rIns="91425" wrap="square" tIns="91425">
+          <a:bodyPr spcFirstLastPara="1" wrap="square" lIns="91425" tIns="91425" rIns="91425" bIns="91425" anchor="ctr" anchorCtr="0">
             <a:noAutofit/>
           </a:bodyPr>
           <a:lstStyle/>
           <a:p>
-            <a:pPr indent="0" lvl="0" marL="0" rtl="0" algn="l">
+            <a:pPr marL="0" lvl="0" indent="0" algn="l" rtl="0">
               <a:spcBef>
                 <a:spcPts val="0"/>
               </a:spcBef>
@@ -7434,9 +7597,6 @@
               </a:spcAft>
               <a:buNone/>
             </a:pPr>
-            <a:r>
-              <a:t/>
-            </a:r>
             <a:endParaRPr/>
           </a:p>
         </p:txBody>
@@ -7454,31 +7614,31 @@
           </a:xfrm>
           <a:prstGeom prst="curvedUpArrow">
             <a:avLst>
-              <a:gd fmla="val 25000" name="adj1"/>
-              <a:gd fmla="val 50000" name="adj2"/>
-              <a:gd fmla="val 25000" name="adj3"/>
+              <a:gd name="adj1" fmla="val 25000"/>
+              <a:gd name="adj2" fmla="val 50000"/>
+              <a:gd name="adj3" fmla="val 25000"/>
             </a:avLst>
           </a:prstGeom>
           <a:solidFill>
             <a:srgbClr val="000000"/>
           </a:solidFill>
-          <a:ln cap="flat" cmpd="sng" w="9525">
+          <a:ln w="9525" cap="flat" cmpd="sng">
             <a:solidFill>
               <a:srgbClr val="000000"/>
             </a:solidFill>
             <a:prstDash val="solid"/>
             <a:round/>
-            <a:headEnd len="sm" w="sm" type="none"/>
-            <a:tailEnd len="sm" w="sm" type="none"/>
+            <a:headEnd type="none" w="sm" len="sm"/>
+            <a:tailEnd type="none" w="sm" len="sm"/>
           </a:ln>
         </p:spPr>
         <p:txBody>
-          <a:bodyPr anchorCtr="0" anchor="ctr" bIns="91425" lIns="91425" spcFirstLastPara="1" rIns="91425" wrap="square" tIns="91425">
+          <a:bodyPr spcFirstLastPara="1" wrap="square" lIns="91425" tIns="91425" rIns="91425" bIns="91425" anchor="ctr" anchorCtr="0">
             <a:noAutofit/>
           </a:bodyPr>
           <a:lstStyle/>
           <a:p>
-            <a:pPr indent="0" lvl="0" marL="0" rtl="0" algn="l">
+            <a:pPr marL="0" lvl="0" indent="0" algn="l" rtl="0">
               <a:spcBef>
                 <a:spcPts val="0"/>
               </a:spcBef>
@@ -7487,9 +7647,6 @@
               </a:spcAft>
               <a:buNone/>
             </a:pPr>
-            <a:r>
-              <a:t/>
-            </a:r>
             <a:endParaRPr/>
           </a:p>
         </p:txBody>
@@ -7507,31 +7664,31 @@
           </a:xfrm>
           <a:prstGeom prst="curvedUpArrow">
             <a:avLst>
-              <a:gd fmla="val 25000" name="adj1"/>
-              <a:gd fmla="val 50000" name="adj2"/>
-              <a:gd fmla="val 25000" name="adj3"/>
+              <a:gd name="adj1" fmla="val 25000"/>
+              <a:gd name="adj2" fmla="val 50000"/>
+              <a:gd name="adj3" fmla="val 25000"/>
             </a:avLst>
           </a:prstGeom>
           <a:solidFill>
             <a:srgbClr val="000000"/>
           </a:solidFill>
-          <a:ln cap="flat" cmpd="sng" w="9525">
+          <a:ln w="9525" cap="flat" cmpd="sng">
             <a:solidFill>
               <a:srgbClr val="000000"/>
             </a:solidFill>
             <a:prstDash val="solid"/>
             <a:round/>
-            <a:headEnd len="sm" w="sm" type="none"/>
-            <a:tailEnd len="sm" w="sm" type="none"/>
+            <a:headEnd type="none" w="sm" len="sm"/>
+            <a:tailEnd type="none" w="sm" len="sm"/>
           </a:ln>
         </p:spPr>
         <p:txBody>
-          <a:bodyPr anchorCtr="0" anchor="ctr" bIns="91425" lIns="91425" spcFirstLastPara="1" rIns="91425" wrap="square" tIns="91425">
+          <a:bodyPr spcFirstLastPara="1" wrap="square" lIns="91425" tIns="91425" rIns="91425" bIns="91425" anchor="ctr" anchorCtr="0">
             <a:noAutofit/>
           </a:bodyPr>
           <a:lstStyle/>
           <a:p>
-            <a:pPr indent="0" lvl="0" marL="0" rtl="0" algn="l">
+            <a:pPr marL="0" lvl="0" indent="0" algn="l" rtl="0">
               <a:spcBef>
                 <a:spcPts val="0"/>
               </a:spcBef>
@@ -7540,9 +7697,6 @@
               </a:spcAft>
               <a:buNone/>
             </a:pPr>
-            <a:r>
-              <a:t/>
-            </a:r>
             <a:endParaRPr/>
           </a:p>
         </p:txBody>
@@ -7567,12 +7721,12 @@
           </a:ln>
         </p:spPr>
         <p:txBody>
-          <a:bodyPr anchorCtr="0" anchor="t" bIns="91425" lIns="91425" spcFirstLastPara="1" rIns="91425" wrap="square" tIns="91425">
+          <a:bodyPr spcFirstLastPara="1" wrap="square" lIns="91425" tIns="91425" rIns="91425" bIns="91425" anchor="t" anchorCtr="0">
             <a:noAutofit/>
           </a:bodyPr>
           <a:lstStyle/>
           <a:p>
-            <a:pPr indent="0" lvl="0" marL="0" rtl="0" algn="l">
+            <a:pPr marL="0" lvl="0" indent="0" algn="l" rtl="0">
               <a:spcBef>
                 <a:spcPts val="0"/>
               </a:spcBef>
@@ -7588,25 +7742,7 @@
                 <a:cs typeface="Calibri"/>
                 <a:sym typeface="Calibri"/>
               </a:rPr>
-              <a:t>all possible </a:t>
-            </a:r>
-            <a:r>
-              <a:rPr lang="es">
-                <a:latin typeface="Calibri"/>
-                <a:ea typeface="Calibri"/>
-                <a:cs typeface="Calibri"/>
-                <a:sym typeface="Calibri"/>
-              </a:rPr>
-              <a:t>comparisons</a:t>
-            </a:r>
-            <a:r>
-              <a:rPr lang="es">
-                <a:latin typeface="Calibri"/>
-                <a:ea typeface="Calibri"/>
-                <a:cs typeface="Calibri"/>
-                <a:sym typeface="Calibri"/>
-              </a:rPr>
-              <a:t> (10)</a:t>
+              <a:t>all possible comparisons (10)</a:t>
             </a:r>
             <a:endParaRPr>
               <a:latin typeface="Calibri"/>
@@ -7616,7 +7752,7 @@
             </a:endParaRPr>
           </a:p>
           <a:p>
-            <a:pPr indent="0" lvl="0" marL="0" rtl="0" algn="l">
+            <a:pPr marL="0" lvl="0" indent="0" algn="l" rtl="0">
               <a:spcBef>
                 <a:spcPts val="0"/>
               </a:spcBef>
@@ -7625,9 +7761,6 @@
               </a:spcAft>
               <a:buNone/>
             </a:pPr>
-            <a:r>
-              <a:t/>
-            </a:r>
             <a:endParaRPr/>
           </a:p>
         </p:txBody>
@@ -7652,12 +7785,12 @@
           </a:ln>
         </p:spPr>
         <p:txBody>
-          <a:bodyPr anchorCtr="0" anchor="t" bIns="91425" lIns="91425" spcFirstLastPara="1" rIns="91425" wrap="square" tIns="91425">
+          <a:bodyPr spcFirstLastPara="1" wrap="square" lIns="91425" tIns="91425" rIns="91425" bIns="91425" anchor="t" anchorCtr="0">
             <a:noAutofit/>
           </a:bodyPr>
           <a:lstStyle/>
           <a:p>
-            <a:pPr indent="0" lvl="0" marL="0" rtl="0" algn="l">
+            <a:pPr marL="0" lvl="0" indent="0" algn="l" rtl="0">
               <a:spcBef>
                 <a:spcPts val="0"/>
               </a:spcBef>
@@ -7667,7 +7800,7 @@
               <a:buNone/>
             </a:pPr>
             <a:r>
-              <a:rPr b="1" i="1" lang="es" sz="1800">
+              <a:rPr lang="es" sz="1800" b="1" i="1">
                 <a:latin typeface="Calibri"/>
                 <a:ea typeface="Calibri"/>
                 <a:cs typeface="Calibri"/>
@@ -7675,7 +7808,7 @@
               </a:rPr>
               <a:t>Blind </a:t>
             </a:r>
-            <a:endParaRPr b="1" i="1" sz="1800">
+            <a:endParaRPr sz="1800" b="1" i="1">
               <a:latin typeface="Calibri"/>
               <a:ea typeface="Calibri"/>
               <a:cs typeface="Calibri"/>
@@ -7693,11 +7826,11 @@
 </file>
 
 <file path=ppt/slides/slide3.xml><?xml version="1.0" encoding="utf-8"?>
-<p:sld xmlns:a="http://schemas.openxmlformats.org/drawingml/2006/main" xmlns:r="http://schemas.openxmlformats.org/officeDocument/2006/relationships" xmlns:mc="http://schemas.openxmlformats.org/markup-compatibility/2006" xmlns:mv="urn:schemas-microsoft-com:mac:vml" xmlns:p="http://schemas.openxmlformats.org/presentationml/2006/main" xmlns:c="http://schemas.openxmlformats.org/drawingml/2006/chart" xmlns:dgm="http://schemas.openxmlformats.org/drawingml/2006/diagram" xmlns:o="urn:schemas-microsoft-com:office:office" xmlns:v="urn:schemas-microsoft-com:vml" xmlns:pvml="urn:schemas-microsoft-com:office:powerpoint" xmlns:com="http://schemas.openxmlformats.org/drawingml/2006/compatibility" xmlns:p14="http://schemas.microsoft.com/office/powerpoint/2010/main" xmlns:p15="http://schemas.microsoft.com/office/powerpoint/2012/main">
+<p:sld xmlns:a="http://schemas.openxmlformats.org/drawingml/2006/main" xmlns:r="http://schemas.openxmlformats.org/officeDocument/2006/relationships" xmlns:p="http://schemas.openxmlformats.org/presentationml/2006/main">
   <p:cSld>
     <p:spTree>
       <p:nvGrpSpPr>
-        <p:cNvPr id="78" name="Shape 78"/>
+        <p:cNvPr id="1" name="Shape 78"/>
         <p:cNvGrpSpPr/>
         <p:nvPr/>
       </p:nvGrpSpPr>
@@ -7719,7 +7852,7 @@
           <a:blip r:embed="rId3">
             <a:alphaModFix/>
           </a:blip>
-          <a:srcRect b="0" l="0" r="0" t="0"/>
+          <a:srcRect/>
           <a:stretch/>
         </p:blipFill>
         <p:spPr>
@@ -7746,7 +7879,7 @@
           <a:blip r:embed="rId4">
             <a:alphaModFix/>
           </a:blip>
-          <a:srcRect b="0" l="23718" r="19210" t="0"/>
+          <a:srcRect l="23718" r="19210"/>
           <a:stretch/>
         </p:blipFill>
         <p:spPr>
@@ -7773,7 +7906,7 @@
           <a:blip r:embed="rId5">
             <a:alphaModFix/>
           </a:blip>
-          <a:srcRect b="3210" l="31569" r="31421" t="4008"/>
+          <a:srcRect l="31569" t="4008" r="31421" b="3210"/>
           <a:stretch/>
         </p:blipFill>
         <p:spPr>
@@ -7800,7 +7933,7 @@
           <a:blip r:embed="rId6">
             <a:alphaModFix/>
           </a:blip>
-          <a:srcRect b="13605" l="38953" r="41182" t="11845"/>
+          <a:srcRect l="38953" t="11845" r="41182" b="13605"/>
           <a:stretch/>
         </p:blipFill>
         <p:spPr>
@@ -7827,7 +7960,7 @@
           <a:blip r:embed="rId7">
             <a:alphaModFix/>
           </a:blip>
-          <a:srcRect b="0" l="28190" r="25237" t="0"/>
+          <a:srcRect l="28190" r="25237"/>
           <a:stretch/>
         </p:blipFill>
         <p:spPr>
@@ -7857,31 +7990,31 @@
           </a:xfrm>
           <a:prstGeom prst="curvedUpArrow">
             <a:avLst>
-              <a:gd fmla="val 25000" name="adj1"/>
-              <a:gd fmla="val 50000" name="adj2"/>
-              <a:gd fmla="val 25000" name="adj3"/>
+              <a:gd name="adj1" fmla="val 25000"/>
+              <a:gd name="adj2" fmla="val 50000"/>
+              <a:gd name="adj3" fmla="val 25000"/>
             </a:avLst>
           </a:prstGeom>
           <a:solidFill>
             <a:srgbClr val="000000"/>
           </a:solidFill>
-          <a:ln cap="flat" cmpd="sng" w="9525">
+          <a:ln w="9525" cap="flat" cmpd="sng">
             <a:solidFill>
               <a:srgbClr val="000000"/>
             </a:solidFill>
             <a:prstDash val="solid"/>
             <a:round/>
-            <a:headEnd len="sm" w="sm" type="none"/>
-            <a:tailEnd len="sm" w="sm" type="none"/>
+            <a:headEnd type="none" w="sm" len="sm"/>
+            <a:tailEnd type="none" w="sm" len="sm"/>
           </a:ln>
         </p:spPr>
         <p:txBody>
-          <a:bodyPr anchorCtr="0" anchor="ctr" bIns="91425" lIns="91425" spcFirstLastPara="1" rIns="91425" wrap="square" tIns="91425">
+          <a:bodyPr spcFirstLastPara="1" wrap="square" lIns="91425" tIns="91425" rIns="91425" bIns="91425" anchor="ctr" anchorCtr="0">
             <a:noAutofit/>
           </a:bodyPr>
           <a:lstStyle/>
           <a:p>
-            <a:pPr indent="0" lvl="0" marL="0" rtl="0" algn="l">
+            <a:pPr marL="0" lvl="0" indent="0" algn="l" rtl="0">
               <a:spcBef>
                 <a:spcPts val="0"/>
               </a:spcBef>
@@ -7890,9 +8023,6 @@
               </a:spcAft>
               <a:buNone/>
             </a:pPr>
-            <a:r>
-              <a:t/>
-            </a:r>
             <a:endParaRPr/>
           </a:p>
         </p:txBody>
@@ -7910,31 +8040,31 @@
           </a:xfrm>
           <a:prstGeom prst="curvedUpArrow">
             <a:avLst>
-              <a:gd fmla="val 25000" name="adj1"/>
-              <a:gd fmla="val 50000" name="adj2"/>
-              <a:gd fmla="val 25000" name="adj3"/>
+              <a:gd name="adj1" fmla="val 25000"/>
+              <a:gd name="adj2" fmla="val 50000"/>
+              <a:gd name="adj3" fmla="val 25000"/>
             </a:avLst>
           </a:prstGeom>
           <a:solidFill>
             <a:srgbClr val="000000"/>
           </a:solidFill>
-          <a:ln cap="flat" cmpd="sng" w="9525">
+          <a:ln w="9525" cap="flat" cmpd="sng">
             <a:solidFill>
               <a:srgbClr val="000000"/>
             </a:solidFill>
             <a:prstDash val="solid"/>
             <a:round/>
-            <a:headEnd len="sm" w="sm" type="none"/>
-            <a:tailEnd len="sm" w="sm" type="none"/>
+            <a:headEnd type="none" w="sm" len="sm"/>
+            <a:tailEnd type="none" w="sm" len="sm"/>
           </a:ln>
         </p:spPr>
         <p:txBody>
-          <a:bodyPr anchorCtr="0" anchor="ctr" bIns="91425" lIns="91425" spcFirstLastPara="1" rIns="91425" wrap="square" tIns="91425">
+          <a:bodyPr spcFirstLastPara="1" wrap="square" lIns="91425" tIns="91425" rIns="91425" bIns="91425" anchor="ctr" anchorCtr="0">
             <a:noAutofit/>
           </a:bodyPr>
           <a:lstStyle/>
           <a:p>
-            <a:pPr indent="0" lvl="0" marL="0" rtl="0" algn="l">
+            <a:pPr marL="0" lvl="0" indent="0" algn="l" rtl="0">
               <a:spcBef>
                 <a:spcPts val="0"/>
               </a:spcBef>
@@ -7943,9 +8073,6 @@
               </a:spcAft>
               <a:buNone/>
             </a:pPr>
-            <a:r>
-              <a:t/>
-            </a:r>
             <a:endParaRPr/>
           </a:p>
         </p:txBody>
@@ -7963,31 +8090,31 @@
           </a:xfrm>
           <a:prstGeom prst="curvedUpArrow">
             <a:avLst>
-              <a:gd fmla="val 25000" name="adj1"/>
-              <a:gd fmla="val 50000" name="adj2"/>
-              <a:gd fmla="val 25000" name="adj3"/>
+              <a:gd name="adj1" fmla="val 25000"/>
+              <a:gd name="adj2" fmla="val 50000"/>
+              <a:gd name="adj3" fmla="val 25000"/>
             </a:avLst>
           </a:prstGeom>
           <a:solidFill>
             <a:srgbClr val="000000"/>
           </a:solidFill>
-          <a:ln cap="flat" cmpd="sng" w="9525">
+          <a:ln w="9525" cap="flat" cmpd="sng">
             <a:solidFill>
               <a:srgbClr val="000000"/>
             </a:solidFill>
             <a:prstDash val="solid"/>
             <a:round/>
-            <a:headEnd len="sm" w="sm" type="none"/>
-            <a:tailEnd len="sm" w="sm" type="none"/>
+            <a:headEnd type="none" w="sm" len="sm"/>
+            <a:tailEnd type="none" w="sm" len="sm"/>
           </a:ln>
         </p:spPr>
         <p:txBody>
-          <a:bodyPr anchorCtr="0" anchor="ctr" bIns="91425" lIns="91425" spcFirstLastPara="1" rIns="91425" wrap="square" tIns="91425">
+          <a:bodyPr spcFirstLastPara="1" wrap="square" lIns="91425" tIns="91425" rIns="91425" bIns="91425" anchor="ctr" anchorCtr="0">
             <a:noAutofit/>
           </a:bodyPr>
           <a:lstStyle/>
           <a:p>
-            <a:pPr indent="0" lvl="0" marL="0" rtl="0" algn="l">
+            <a:pPr marL="0" lvl="0" indent="0" algn="l" rtl="0">
               <a:spcBef>
                 <a:spcPts val="0"/>
               </a:spcBef>
@@ -7996,9 +8123,6 @@
               </a:spcAft>
               <a:buNone/>
             </a:pPr>
-            <a:r>
-              <a:t/>
-            </a:r>
             <a:endParaRPr/>
           </a:p>
         </p:txBody>
@@ -8016,31 +8140,31 @@
           </a:xfrm>
           <a:prstGeom prst="curvedUpArrow">
             <a:avLst>
-              <a:gd fmla="val 25000" name="adj1"/>
-              <a:gd fmla="val 50000" name="adj2"/>
-              <a:gd fmla="val 25000" name="adj3"/>
+              <a:gd name="adj1" fmla="val 25000"/>
+              <a:gd name="adj2" fmla="val 50000"/>
+              <a:gd name="adj3" fmla="val 25000"/>
             </a:avLst>
           </a:prstGeom>
           <a:solidFill>
             <a:srgbClr val="000000"/>
           </a:solidFill>
-          <a:ln cap="flat" cmpd="sng" w="9525">
+          <a:ln w="9525" cap="flat" cmpd="sng">
             <a:solidFill>
               <a:srgbClr val="000000"/>
             </a:solidFill>
             <a:prstDash val="solid"/>
             <a:round/>
-            <a:headEnd len="sm" w="sm" type="none"/>
-            <a:tailEnd len="sm" w="sm" type="none"/>
+            <a:headEnd type="none" w="sm" len="sm"/>
+            <a:tailEnd type="none" w="sm" len="sm"/>
           </a:ln>
         </p:spPr>
         <p:txBody>
-          <a:bodyPr anchorCtr="0" anchor="ctr" bIns="91425" lIns="91425" spcFirstLastPara="1" rIns="91425" wrap="square" tIns="91425">
+          <a:bodyPr spcFirstLastPara="1" wrap="square" lIns="91425" tIns="91425" rIns="91425" bIns="91425" anchor="ctr" anchorCtr="0">
             <a:noAutofit/>
           </a:bodyPr>
           <a:lstStyle/>
           <a:p>
-            <a:pPr indent="0" lvl="0" marL="0" rtl="0" algn="l">
+            <a:pPr marL="0" lvl="0" indent="0" algn="l" rtl="0">
               <a:spcBef>
                 <a:spcPts val="0"/>
               </a:spcBef>
@@ -8049,9 +8173,6 @@
               </a:spcAft>
               <a:buNone/>
             </a:pPr>
-            <a:r>
-              <a:t/>
-            </a:r>
             <a:endParaRPr/>
           </a:p>
         </p:txBody>
@@ -8076,12 +8197,12 @@
           </a:ln>
         </p:spPr>
         <p:txBody>
-          <a:bodyPr anchorCtr="0" anchor="t" bIns="91425" lIns="91425" spcFirstLastPara="1" rIns="91425" wrap="square" tIns="91425">
+          <a:bodyPr spcFirstLastPara="1" wrap="square" lIns="91425" tIns="91425" rIns="91425" bIns="91425" anchor="t" anchorCtr="0">
             <a:noAutofit/>
           </a:bodyPr>
           <a:lstStyle/>
           <a:p>
-            <a:pPr indent="0" lvl="0" marL="0" rtl="0" algn="l">
+            <a:pPr marL="0" lvl="0" indent="0" algn="l" rtl="0">
               <a:spcBef>
                 <a:spcPts val="0"/>
               </a:spcBef>
@@ -8107,7 +8228,7 @@
             </a:endParaRPr>
           </a:p>
           <a:p>
-            <a:pPr indent="0" lvl="0" marL="0" rtl="0" algn="l">
+            <a:pPr marL="0" lvl="0" indent="0" algn="l" rtl="0">
               <a:spcBef>
                 <a:spcPts val="0"/>
               </a:spcBef>
@@ -8116,9 +8237,6 @@
               </a:spcAft>
               <a:buNone/>
             </a:pPr>
-            <a:r>
-              <a:t/>
-            </a:r>
             <a:endParaRPr/>
           </a:p>
         </p:txBody>
@@ -8143,12 +8261,12 @@
           </a:ln>
         </p:spPr>
         <p:txBody>
-          <a:bodyPr anchorCtr="0" anchor="t" bIns="91425" lIns="91425" spcFirstLastPara="1" rIns="91425" wrap="square" tIns="91425">
+          <a:bodyPr spcFirstLastPara="1" wrap="square" lIns="91425" tIns="91425" rIns="91425" bIns="91425" anchor="t" anchorCtr="0">
             <a:noAutofit/>
           </a:bodyPr>
           <a:lstStyle/>
           <a:p>
-            <a:pPr indent="0" lvl="0" marL="0" rtl="0" algn="l">
+            <a:pPr marL="0" lvl="0" indent="0" algn="l" rtl="0">
               <a:spcBef>
                 <a:spcPts val="0"/>
               </a:spcBef>
@@ -8158,7 +8276,7 @@
               <a:buNone/>
             </a:pPr>
             <a:r>
-              <a:rPr b="1" i="1" lang="es" sz="1800">
+              <a:rPr lang="es" sz="1800" b="1" i="1">
                 <a:latin typeface="Calibri"/>
                 <a:ea typeface="Calibri"/>
                 <a:cs typeface="Calibri"/>
@@ -8166,7 +8284,7 @@
               </a:rPr>
               <a:t> Seen </a:t>
             </a:r>
-            <a:endParaRPr b="1" i="1" sz="1800">
+            <a:endParaRPr sz="1800" b="1" i="1">
               <a:latin typeface="Calibri"/>
               <a:ea typeface="Calibri"/>
               <a:cs typeface="Calibri"/>
@@ -8184,11 +8302,11 @@
 </file>
 
 <file path=ppt/slides/slide4.xml><?xml version="1.0" encoding="utf-8"?>
-<p:sld xmlns:a="http://schemas.openxmlformats.org/drawingml/2006/main" xmlns:r="http://schemas.openxmlformats.org/officeDocument/2006/relationships" xmlns:mc="http://schemas.openxmlformats.org/markup-compatibility/2006" xmlns:mv="urn:schemas-microsoft-com:mac:vml" xmlns:p="http://schemas.openxmlformats.org/presentationml/2006/main" xmlns:c="http://schemas.openxmlformats.org/drawingml/2006/chart" xmlns:dgm="http://schemas.openxmlformats.org/drawingml/2006/diagram" xmlns:o="urn:schemas-microsoft-com:office:office" xmlns:v="urn:schemas-microsoft-com:vml" xmlns:pvml="urn:schemas-microsoft-com:office:powerpoint" xmlns:com="http://schemas.openxmlformats.org/drawingml/2006/compatibility" xmlns:p14="http://schemas.microsoft.com/office/powerpoint/2010/main" xmlns:p15="http://schemas.microsoft.com/office/powerpoint/2012/main">
+<p:sld xmlns:a="http://schemas.openxmlformats.org/drawingml/2006/main" xmlns:r="http://schemas.openxmlformats.org/officeDocument/2006/relationships" xmlns:p="http://schemas.openxmlformats.org/presentationml/2006/main">
   <p:cSld>
     <p:spTree>
       <p:nvGrpSpPr>
-        <p:cNvPr id="93" name="Shape 93"/>
+        <p:cNvPr id="1" name="Shape 93"/>
         <p:cNvGrpSpPr/>
         <p:nvPr/>
       </p:nvGrpSpPr>
@@ -8220,12 +8338,12 @@
           </a:ln>
         </p:spPr>
         <p:txBody>
-          <a:bodyPr anchorCtr="0" anchor="t" bIns="91425" lIns="91425" spcFirstLastPara="1" rIns="91425" wrap="square" tIns="91425">
+          <a:bodyPr spcFirstLastPara="1" wrap="square" lIns="91425" tIns="91425" rIns="91425" bIns="91425" anchor="t" anchorCtr="0">
             <a:noAutofit/>
           </a:bodyPr>
           <a:lstStyle/>
           <a:p>
-            <a:pPr indent="0" lvl="0" marL="0" rtl="0" algn="l">
+            <a:pPr marL="0" lvl="0" indent="0" algn="l" rtl="0">
               <a:spcBef>
                 <a:spcPts val="0"/>
               </a:spcBef>
@@ -8268,7 +8386,7 @@
             </a:endParaRPr>
           </a:p>
           <a:p>
-            <a:pPr indent="0" lvl="0" marL="0" rtl="0" algn="l">
+            <a:pPr marL="0" lvl="0" indent="0" algn="l" rtl="0">
               <a:spcBef>
                 <a:spcPts val="0"/>
               </a:spcBef>
@@ -8277,9 +8395,6 @@
               </a:spcAft>
               <a:buNone/>
             </a:pPr>
-            <a:r>
-              <a:t/>
-            </a:r>
             <a:endParaRPr>
               <a:latin typeface="Calibri"/>
               <a:ea typeface="Calibri"/>
@@ -8326,11 +8441,11 @@
 </file>
 
 <file path=ppt/slides/slide5.xml><?xml version="1.0" encoding="utf-8"?>
-<p:sld xmlns:a="http://schemas.openxmlformats.org/drawingml/2006/main" xmlns:r="http://schemas.openxmlformats.org/officeDocument/2006/relationships" xmlns:mc="http://schemas.openxmlformats.org/markup-compatibility/2006" xmlns:mv="urn:schemas-microsoft-com:mac:vml" xmlns:p="http://schemas.openxmlformats.org/presentationml/2006/main" xmlns:c="http://schemas.openxmlformats.org/drawingml/2006/chart" xmlns:dgm="http://schemas.openxmlformats.org/drawingml/2006/diagram" xmlns:o="urn:schemas-microsoft-com:office:office" xmlns:v="urn:schemas-microsoft-com:vml" xmlns:pvml="urn:schemas-microsoft-com:office:powerpoint" xmlns:com="http://schemas.openxmlformats.org/drawingml/2006/compatibility" xmlns:p14="http://schemas.microsoft.com/office/powerpoint/2010/main" xmlns:p15="http://schemas.microsoft.com/office/powerpoint/2012/main">
+<p:sld xmlns:a="http://schemas.openxmlformats.org/drawingml/2006/main" xmlns:r="http://schemas.openxmlformats.org/officeDocument/2006/relationships" xmlns:p="http://schemas.openxmlformats.org/presentationml/2006/main">
   <p:cSld>
     <p:spTree>
       <p:nvGrpSpPr>
-        <p:cNvPr id="99" name="Shape 99"/>
+        <p:cNvPr id="1" name="Shape 99"/>
         <p:cNvGrpSpPr/>
         <p:nvPr/>
       </p:nvGrpSpPr>
@@ -8352,7 +8467,7 @@
           <a:blip r:embed="rId3">
             <a:alphaModFix/>
           </a:blip>
-          <a:srcRect b="0" l="0" r="0" t="6085"/>
+          <a:srcRect t="6085"/>
           <a:stretch/>
         </p:blipFill>
         <p:spPr>
@@ -8389,12 +8504,12 @@
           </a:ln>
         </p:spPr>
         <p:txBody>
-          <a:bodyPr anchorCtr="0" anchor="t" bIns="91425" lIns="91425" spcFirstLastPara="1" rIns="91425" wrap="square" tIns="91425">
+          <a:bodyPr spcFirstLastPara="1" wrap="square" lIns="91425" tIns="91425" rIns="91425" bIns="91425" anchor="t" anchorCtr="0">
             <a:noAutofit/>
           </a:bodyPr>
           <a:lstStyle/>
           <a:p>
-            <a:pPr indent="0" lvl="0" marL="0" rtl="0" algn="l">
+            <a:pPr marL="0" lvl="0" indent="0" algn="l" rtl="0">
               <a:spcBef>
                 <a:spcPts val="0"/>
               </a:spcBef>
@@ -8404,7 +8519,7 @@
               <a:buNone/>
             </a:pPr>
             <a:r>
-              <a:rPr i="1" lang="es" sz="1800">
+              <a:rPr lang="es" sz="1800" i="1">
                 <a:latin typeface="Calibri"/>
                 <a:ea typeface="Calibri"/>
                 <a:cs typeface="Calibri"/>
@@ -8413,7 +8528,7 @@
               <a:t>Is any beer </a:t>
             </a:r>
             <a:r>
-              <a:rPr i="1" lang="es" sz="1800" u="sng">
+              <a:rPr lang="es" sz="1800" i="1" u="sng">
                 <a:latin typeface="Calibri"/>
                 <a:ea typeface="Calibri"/>
                 <a:cs typeface="Calibri"/>
@@ -8422,7 +8537,7 @@
               <a:t>objectively /subjectively</a:t>
             </a:r>
             <a:r>
-              <a:rPr i="1" lang="es" sz="1800">
+              <a:rPr lang="es" sz="1800" i="1">
                 <a:latin typeface="Calibri"/>
                 <a:ea typeface="Calibri"/>
                 <a:cs typeface="Calibri"/>
@@ -8430,7 +8545,7 @@
               </a:rPr>
               <a:t> better or worse than the others?</a:t>
             </a:r>
-            <a:endParaRPr i="1" sz="1800">
+            <a:endParaRPr sz="1800" i="1">
               <a:latin typeface="Calibri"/>
               <a:ea typeface="Calibri"/>
               <a:cs typeface="Calibri"/>
@@ -8438,7 +8553,7 @@
             </a:endParaRPr>
           </a:p>
           <a:p>
-            <a:pPr indent="0" lvl="0" marL="0" rtl="0" algn="l">
+            <a:pPr marL="0" lvl="0" indent="0" algn="l" rtl="0">
               <a:spcBef>
                 <a:spcPts val="0"/>
               </a:spcBef>
@@ -8448,7 +8563,7 @@
               <a:buNone/>
             </a:pPr>
             <a:r>
-              <a:rPr i="1" lang="es" sz="1800">
+              <a:rPr lang="es" sz="1800" i="1">
                 <a:latin typeface="Calibri"/>
                 <a:ea typeface="Calibri"/>
                 <a:cs typeface="Calibri"/>
@@ -8456,7 +8571,7 @@
               </a:rPr>
               <a:t>                         blind     /   seen </a:t>
             </a:r>
-            <a:endParaRPr i="1" sz="1800">
+            <a:endParaRPr sz="1800" i="1">
               <a:latin typeface="Calibri"/>
               <a:ea typeface="Calibri"/>
               <a:cs typeface="Calibri"/>
@@ -8474,11 +8589,11 @@
 </file>
 
 <file path=ppt/slides/slide6.xml><?xml version="1.0" encoding="utf-8"?>
-<p:sld xmlns:a="http://schemas.openxmlformats.org/drawingml/2006/main" xmlns:r="http://schemas.openxmlformats.org/officeDocument/2006/relationships" xmlns:mc="http://schemas.openxmlformats.org/markup-compatibility/2006" xmlns:mv="urn:schemas-microsoft-com:mac:vml" xmlns:p="http://schemas.openxmlformats.org/presentationml/2006/main" xmlns:c="http://schemas.openxmlformats.org/drawingml/2006/chart" xmlns:dgm="http://schemas.openxmlformats.org/drawingml/2006/diagram" xmlns:o="urn:schemas-microsoft-com:office:office" xmlns:v="urn:schemas-microsoft-com:vml" xmlns:pvml="urn:schemas-microsoft-com:office:powerpoint" xmlns:com="http://schemas.openxmlformats.org/drawingml/2006/compatibility" xmlns:p14="http://schemas.microsoft.com/office/powerpoint/2010/main" xmlns:p15="http://schemas.microsoft.com/office/powerpoint/2012/main">
+<p:sld xmlns:a="http://schemas.openxmlformats.org/drawingml/2006/main" xmlns:r="http://schemas.openxmlformats.org/officeDocument/2006/relationships" xmlns:p="http://schemas.openxmlformats.org/presentationml/2006/main">
   <p:cSld>
     <p:spTree>
       <p:nvGrpSpPr>
-        <p:cNvPr id="105" name="Shape 105"/>
+        <p:cNvPr id="1" name="Shape 105"/>
         <p:cNvGrpSpPr/>
         <p:nvPr/>
       </p:nvGrpSpPr>
@@ -8510,12 +8625,12 @@
           </a:ln>
         </p:spPr>
         <p:txBody>
-          <a:bodyPr anchorCtr="0" anchor="t" bIns="91425" lIns="91425" spcFirstLastPara="1" rIns="91425" wrap="square" tIns="91425">
+          <a:bodyPr spcFirstLastPara="1" wrap="square" lIns="91425" tIns="91425" rIns="91425" bIns="91425" anchor="t" anchorCtr="0">
             <a:noAutofit/>
           </a:bodyPr>
           <a:lstStyle/>
           <a:p>
-            <a:pPr indent="0" lvl="0" marL="0" rtl="0" algn="l">
+            <a:pPr marL="0" lvl="0" indent="0" algn="l" rtl="0">
               <a:spcBef>
                 <a:spcPts val="0"/>
               </a:spcBef>
@@ -8558,7 +8673,7 @@
             </a:endParaRPr>
           </a:p>
           <a:p>
-            <a:pPr indent="0" lvl="0" marL="0" rtl="0" algn="l">
+            <a:pPr marL="0" lvl="0" indent="0" algn="l" rtl="0">
               <a:spcBef>
                 <a:spcPts val="0"/>
               </a:spcBef>
@@ -8567,9 +8682,6 @@
               </a:spcAft>
               <a:buNone/>
             </a:pPr>
-            <a:r>
-              <a:t/>
-            </a:r>
             <a:endParaRPr>
               <a:latin typeface="Calibri"/>
               <a:ea typeface="Calibri"/>
@@ -8586,7 +8698,7 @@
           <p:nvPr/>
         </p:nvPicPr>
         <p:blipFill>
-          <a:blip r:embed="rId4">
+          <a:blip r:embed="rId3">
             <a:alphaModFix/>
           </a:blip>
           <a:stretch>
@@ -8620,7 +8732,7 @@
           </a:xfrm>
           <a:prstGeom prst="roundRect">
             <a:avLst>
-              <a:gd fmla="val 16667" name="adj"/>
+              <a:gd name="adj" fmla="val 16667"/>
             </a:avLst>
           </a:prstGeom>
           <a:solidFill>
@@ -8633,12 +8745,12 @@
           </a:ln>
         </p:spPr>
         <p:txBody>
-          <a:bodyPr anchorCtr="0" anchor="ctr" bIns="91425" lIns="91425" spcFirstLastPara="1" rIns="91425" wrap="square" tIns="91425">
+          <a:bodyPr spcFirstLastPara="1" wrap="square" lIns="91425" tIns="91425" rIns="91425" bIns="91425" anchor="ctr" anchorCtr="0">
             <a:noAutofit/>
           </a:bodyPr>
           <a:lstStyle/>
           <a:p>
-            <a:pPr indent="0" lvl="0" marL="0" rtl="0" algn="l">
+            <a:pPr marL="0" lvl="0" indent="0" algn="l" rtl="0">
               <a:spcBef>
                 <a:spcPts val="0"/>
               </a:spcBef>
@@ -8647,9 +8759,6 @@
               </a:spcAft>
               <a:buNone/>
             </a:pPr>
-            <a:r>
-              <a:t/>
-            </a:r>
             <a:endParaRPr/>
           </a:p>
         </p:txBody>
@@ -8667,7 +8776,7 @@
           </a:xfrm>
           <a:prstGeom prst="roundRect">
             <a:avLst>
-              <a:gd fmla="val 16667" name="adj"/>
+              <a:gd name="adj" fmla="val 16667"/>
             </a:avLst>
           </a:prstGeom>
           <a:solidFill>
@@ -8680,12 +8789,12 @@
           </a:ln>
         </p:spPr>
         <p:txBody>
-          <a:bodyPr anchorCtr="0" anchor="ctr" bIns="91425" lIns="91425" spcFirstLastPara="1" rIns="91425" wrap="square" tIns="91425">
+          <a:bodyPr spcFirstLastPara="1" wrap="square" lIns="91425" tIns="91425" rIns="91425" bIns="91425" anchor="ctr" anchorCtr="0">
             <a:noAutofit/>
           </a:bodyPr>
           <a:lstStyle/>
           <a:p>
-            <a:pPr indent="0" lvl="0" marL="0" rtl="0" algn="l">
+            <a:pPr marL="0" lvl="0" indent="0" algn="l" rtl="0">
               <a:spcBef>
                 <a:spcPts val="0"/>
               </a:spcBef>
@@ -8694,9 +8803,6 @@
               </a:spcAft>
               <a:buNone/>
             </a:pPr>
-            <a:r>
-              <a:t/>
-            </a:r>
             <a:endParaRPr/>
           </a:p>
         </p:txBody>
@@ -8714,7 +8820,7 @@
           </a:xfrm>
           <a:prstGeom prst="roundRect">
             <a:avLst>
-              <a:gd fmla="val 16667" name="adj"/>
+              <a:gd name="adj" fmla="val 16667"/>
             </a:avLst>
           </a:prstGeom>
           <a:solidFill>
@@ -8727,12 +8833,12 @@
           </a:ln>
         </p:spPr>
         <p:txBody>
-          <a:bodyPr anchorCtr="0" anchor="ctr" bIns="91425" lIns="91425" spcFirstLastPara="1" rIns="91425" wrap="square" tIns="91425">
+          <a:bodyPr spcFirstLastPara="1" wrap="square" lIns="91425" tIns="91425" rIns="91425" bIns="91425" anchor="ctr" anchorCtr="0">
             <a:noAutofit/>
           </a:bodyPr>
           <a:lstStyle/>
           <a:p>
-            <a:pPr indent="0" lvl="0" marL="0" rtl="0" algn="l">
+            <a:pPr marL="0" lvl="0" indent="0" algn="l" rtl="0">
               <a:spcBef>
                 <a:spcPts val="0"/>
               </a:spcBef>
@@ -8741,9 +8847,6 @@
               </a:spcAft>
               <a:buNone/>
             </a:pPr>
-            <a:r>
-              <a:t/>
-            </a:r>
             <a:endParaRPr/>
           </a:p>
         </p:txBody>
@@ -8761,7 +8864,7 @@
           </a:xfrm>
           <a:prstGeom prst="roundRect">
             <a:avLst>
-              <a:gd fmla="val 16667" name="adj"/>
+              <a:gd name="adj" fmla="val 16667"/>
             </a:avLst>
           </a:prstGeom>
           <a:solidFill>
@@ -8774,12 +8877,12 @@
           </a:ln>
         </p:spPr>
         <p:txBody>
-          <a:bodyPr anchorCtr="0" anchor="ctr" bIns="91425" lIns="91425" spcFirstLastPara="1" rIns="91425" wrap="square" tIns="91425">
+          <a:bodyPr spcFirstLastPara="1" wrap="square" lIns="91425" tIns="91425" rIns="91425" bIns="91425" anchor="ctr" anchorCtr="0">
             <a:noAutofit/>
           </a:bodyPr>
           <a:lstStyle/>
           <a:p>
-            <a:pPr indent="0" lvl="0" marL="0" rtl="0" algn="l">
+            <a:pPr marL="0" lvl="0" indent="0" algn="l" rtl="0">
               <a:spcBef>
                 <a:spcPts val="0"/>
               </a:spcBef>
@@ -8788,9 +8891,6 @@
               </a:spcAft>
               <a:buNone/>
             </a:pPr>
-            <a:r>
-              <a:t/>
-            </a:r>
             <a:endParaRPr/>
           </a:p>
         </p:txBody>
@@ -8808,7 +8908,7 @@
           </a:xfrm>
           <a:prstGeom prst="roundRect">
             <a:avLst>
-              <a:gd fmla="val 16667" name="adj"/>
+              <a:gd name="adj" fmla="val 16667"/>
             </a:avLst>
           </a:prstGeom>
           <a:solidFill>
@@ -8821,12 +8921,12 @@
           </a:ln>
         </p:spPr>
         <p:txBody>
-          <a:bodyPr anchorCtr="0" anchor="ctr" bIns="91425" lIns="91425" spcFirstLastPara="1" rIns="91425" wrap="square" tIns="91425">
+          <a:bodyPr spcFirstLastPara="1" wrap="square" lIns="91425" tIns="91425" rIns="91425" bIns="91425" anchor="ctr" anchorCtr="0">
             <a:noAutofit/>
           </a:bodyPr>
           <a:lstStyle/>
           <a:p>
-            <a:pPr indent="0" lvl="0" marL="0" rtl="0" algn="l">
+            <a:pPr marL="0" lvl="0" indent="0" algn="l" rtl="0">
               <a:spcBef>
                 <a:spcPts val="0"/>
               </a:spcBef>
@@ -8835,9 +8935,6 @@
               </a:spcAft>
               <a:buNone/>
             </a:pPr>
-            <a:r>
-              <a:t/>
-            </a:r>
             <a:endParaRPr/>
           </a:p>
         </p:txBody>
@@ -8849,7 +8946,7 @@
           <p:nvPr/>
         </p:nvCxnSpPr>
         <p:spPr>
-          <a:xfrm flipH="1" rot="10800000">
+          <a:xfrm rot="10800000" flipH="1">
             <a:off x="6549767" y="3276968"/>
             <a:ext cx="2075100" cy="7500"/>
           </a:xfrm>
@@ -8857,14 +8954,14 @@
             <a:avLst/>
           </a:prstGeom>
           <a:noFill/>
-          <a:ln cap="flat" cmpd="sng" w="28575">
+          <a:ln w="28575" cap="flat" cmpd="sng">
             <a:solidFill>
               <a:schemeClr val="dk2"/>
             </a:solidFill>
             <a:prstDash val="dot"/>
             <a:round/>
-            <a:headEnd len="med" w="med" type="none"/>
-            <a:tailEnd len="med" w="med" type="none"/>
+            <a:headEnd type="none" w="med" len="med"/>
+            <a:tailEnd type="none" w="med" len="med"/>
           </a:ln>
         </p:spPr>
       </p:cxnSp>
@@ -8888,12 +8985,12 @@
           </a:ln>
         </p:spPr>
         <p:txBody>
-          <a:bodyPr anchorCtr="0" anchor="t" bIns="91425" lIns="91425" spcFirstLastPara="1" rIns="91425" wrap="square" tIns="91425">
+          <a:bodyPr spcFirstLastPara="1" wrap="square" lIns="91425" tIns="91425" rIns="91425" bIns="91425" anchor="t" anchorCtr="0">
             <a:noAutofit/>
           </a:bodyPr>
           <a:lstStyle/>
           <a:p>
-            <a:pPr indent="0" lvl="0" marL="0" rtl="0" algn="l">
+            <a:pPr marL="0" lvl="0" indent="0" algn="l" rtl="0">
               <a:spcBef>
                 <a:spcPts val="0"/>
               </a:spcBef>
@@ -8902,9 +8999,6 @@
               </a:spcAft>
               <a:buNone/>
             </a:pPr>
-            <a:r>
-              <a:t/>
-            </a:r>
             <a:endParaRPr/>
           </a:p>
         </p:txBody>
@@ -8922,28 +9016,28 @@
           </a:xfrm>
           <a:prstGeom prst="rightBrace">
             <a:avLst>
-              <a:gd fmla="val 8333" name="adj1"/>
-              <a:gd fmla="val 50000" name="adj2"/>
+              <a:gd name="adj1" fmla="val 8333"/>
+              <a:gd name="adj2" fmla="val 50000"/>
             </a:avLst>
           </a:prstGeom>
           <a:noFill/>
-          <a:ln cap="flat" cmpd="sng" w="9525">
+          <a:ln w="9525" cap="flat" cmpd="sng">
             <a:solidFill>
               <a:schemeClr val="dk2"/>
             </a:solidFill>
             <a:prstDash val="solid"/>
             <a:round/>
-            <a:headEnd len="sm" w="sm" type="none"/>
-            <a:tailEnd len="sm" w="sm" type="none"/>
+            <a:headEnd type="none" w="sm" len="sm"/>
+            <a:tailEnd type="none" w="sm" len="sm"/>
           </a:ln>
         </p:spPr>
         <p:txBody>
-          <a:bodyPr anchorCtr="0" anchor="ctr" bIns="91425" lIns="91425" spcFirstLastPara="1" rIns="91425" wrap="square" tIns="91425">
+          <a:bodyPr spcFirstLastPara="1" wrap="square" lIns="91425" tIns="91425" rIns="91425" bIns="91425" anchor="ctr" anchorCtr="0">
             <a:noAutofit/>
           </a:bodyPr>
           <a:lstStyle/>
           <a:p>
-            <a:pPr indent="0" lvl="0" marL="0" rtl="0" algn="l">
+            <a:pPr marL="0" lvl="0" indent="0" algn="l" rtl="0">
               <a:spcBef>
                 <a:spcPts val="0"/>
               </a:spcBef>
@@ -8952,9 +9046,6 @@
               </a:spcAft>
               <a:buNone/>
             </a:pPr>
-            <a:r>
-              <a:t/>
-            </a:r>
             <a:endParaRPr/>
           </a:p>
         </p:txBody>
@@ -8972,28 +9063,28 @@
           </a:xfrm>
           <a:prstGeom prst="rightBrace">
             <a:avLst>
-              <a:gd fmla="val 8333" name="adj1"/>
-              <a:gd fmla="val 50000" name="adj2"/>
+              <a:gd name="adj1" fmla="val 8333"/>
+              <a:gd name="adj2" fmla="val 50000"/>
             </a:avLst>
           </a:prstGeom>
           <a:noFill/>
-          <a:ln cap="flat" cmpd="sng" w="9525">
+          <a:ln w="9525" cap="flat" cmpd="sng">
             <a:solidFill>
               <a:schemeClr val="dk2"/>
             </a:solidFill>
             <a:prstDash val="solid"/>
             <a:round/>
-            <a:headEnd len="sm" w="sm" type="none"/>
-            <a:tailEnd len="sm" w="sm" type="none"/>
+            <a:headEnd type="none" w="sm" len="sm"/>
+            <a:tailEnd type="none" w="sm" len="sm"/>
           </a:ln>
         </p:spPr>
         <p:txBody>
-          <a:bodyPr anchorCtr="0" anchor="ctr" bIns="91425" lIns="91425" spcFirstLastPara="1" rIns="91425" wrap="square" tIns="91425">
+          <a:bodyPr spcFirstLastPara="1" wrap="square" lIns="91425" tIns="91425" rIns="91425" bIns="91425" anchor="ctr" anchorCtr="0">
             <a:noAutofit/>
           </a:bodyPr>
           <a:lstStyle/>
           <a:p>
-            <a:pPr indent="0" lvl="0" marL="0" rtl="0" algn="l">
+            <a:pPr marL="0" lvl="0" indent="0" algn="l" rtl="0">
               <a:spcBef>
                 <a:spcPts val="0"/>
               </a:spcBef>
@@ -9002,9 +9093,6 @@
               </a:spcAft>
               <a:buNone/>
             </a:pPr>
-            <a:r>
-              <a:t/>
-            </a:r>
             <a:endParaRPr/>
           </a:p>
         </p:txBody>
@@ -9029,12 +9117,12 @@
           </a:ln>
         </p:spPr>
         <p:txBody>
-          <a:bodyPr anchorCtr="0" anchor="t" bIns="91425" lIns="91425" spcFirstLastPara="1" rIns="91425" wrap="square" tIns="91425">
+          <a:bodyPr spcFirstLastPara="1" wrap="square" lIns="91425" tIns="91425" rIns="91425" bIns="91425" anchor="t" anchorCtr="0">
             <a:noAutofit/>
           </a:bodyPr>
           <a:lstStyle/>
           <a:p>
-            <a:pPr indent="0" lvl="0" marL="0" rtl="0" algn="l">
+            <a:pPr marL="0" lvl="0" indent="0" algn="l" rtl="0">
               <a:spcBef>
                 <a:spcPts val="0"/>
               </a:spcBef>
@@ -9044,7 +9132,7 @@
               <a:buNone/>
             </a:pPr>
             <a:r>
-              <a:rPr b="1" i="1" lang="es" sz="1200">
+              <a:rPr lang="es" sz="1200" b="1" i="1">
                 <a:latin typeface="Calibri"/>
                 <a:ea typeface="Calibri"/>
                 <a:cs typeface="Calibri"/>
@@ -9052,7 +9140,7 @@
               </a:rPr>
               <a:t>blind</a:t>
             </a:r>
-            <a:endParaRPr b="1" i="1" sz="1200">
+            <a:endParaRPr sz="1200" b="1" i="1">
               <a:latin typeface="Calibri"/>
               <a:ea typeface="Calibri"/>
               <a:cs typeface="Calibri"/>
@@ -9081,12 +9169,12 @@
           </a:ln>
         </p:spPr>
         <p:txBody>
-          <a:bodyPr anchorCtr="0" anchor="t" bIns="91425" lIns="91425" spcFirstLastPara="1" rIns="91425" wrap="square" tIns="91425">
+          <a:bodyPr spcFirstLastPara="1" wrap="square" lIns="91425" tIns="91425" rIns="91425" bIns="91425" anchor="t" anchorCtr="0">
             <a:noAutofit/>
           </a:bodyPr>
           <a:lstStyle/>
           <a:p>
-            <a:pPr indent="0" lvl="0" marL="0" rtl="0" algn="l">
+            <a:pPr marL="0" lvl="0" indent="0" algn="l" rtl="0">
               <a:spcBef>
                 <a:spcPts val="0"/>
               </a:spcBef>
@@ -9096,7 +9184,7 @@
               <a:buNone/>
             </a:pPr>
             <a:r>
-              <a:rPr b="1" i="1" lang="es" sz="1200">
+              <a:rPr lang="es" sz="1200" b="1" i="1">
                 <a:latin typeface="Calibri"/>
                 <a:ea typeface="Calibri"/>
                 <a:cs typeface="Calibri"/>
@@ -9104,7 +9192,7 @@
               </a:rPr>
               <a:t>seen</a:t>
             </a:r>
-            <a:endParaRPr b="1" i="1" sz="1200">
+            <a:endParaRPr sz="1200" b="1" i="1">
               <a:latin typeface="Calibri"/>
               <a:ea typeface="Calibri"/>
               <a:cs typeface="Calibri"/>
@@ -9120,10 +9208,10 @@
           <p:nvPr/>
         </p:nvPicPr>
         <p:blipFill rotWithShape="1">
-          <a:blip r:embed="rId5">
+          <a:blip r:embed="rId4">
             <a:alphaModFix/>
           </a:blip>
-          <a:srcRect b="0" l="0" r="0" t="6085"/>
+          <a:srcRect t="6085"/>
           <a:stretch/>
         </p:blipFill>
         <p:spPr>
@@ -9160,12 +9248,12 @@
           </a:ln>
         </p:spPr>
         <p:txBody>
-          <a:bodyPr anchorCtr="0" anchor="t" bIns="91425" lIns="91425" spcFirstLastPara="1" rIns="91425" wrap="square" tIns="91425">
+          <a:bodyPr spcFirstLastPara="1" wrap="square" lIns="91425" tIns="91425" rIns="91425" bIns="91425" anchor="t" anchorCtr="0">
             <a:noAutofit/>
           </a:bodyPr>
           <a:lstStyle/>
           <a:p>
-            <a:pPr indent="0" lvl="0" marL="0" rtl="0" algn="l">
+            <a:pPr marL="0" lvl="0" indent="0" algn="l" rtl="0">
               <a:spcBef>
                 <a:spcPts val="0"/>
               </a:spcBef>
@@ -9175,7 +9263,7 @@
               <a:buNone/>
             </a:pPr>
             <a:r>
-              <a:rPr i="1" lang="es" sz="1800">
+              <a:rPr lang="es" sz="1800" i="1">
                 <a:latin typeface="Calibri"/>
                 <a:ea typeface="Calibri"/>
                 <a:cs typeface="Calibri"/>
@@ -9184,7 +9272,7 @@
               <a:t>Is any beer </a:t>
             </a:r>
             <a:r>
-              <a:rPr i="1" lang="es" sz="1800" u="sng">
+              <a:rPr lang="es" sz="1800" i="1" u="sng">
                 <a:latin typeface="Calibri"/>
                 <a:ea typeface="Calibri"/>
                 <a:cs typeface="Calibri"/>
@@ -9193,7 +9281,7 @@
               <a:t>objectively /</a:t>
             </a:r>
             <a:r>
-              <a:rPr i="1" lang="es" sz="1800" u="sng">
+              <a:rPr lang="es" sz="1800" i="1" u="sng">
                 <a:solidFill>
                   <a:srgbClr val="CCCCCC"/>
                 </a:solidFill>
@@ -9205,24 +9293,15 @@
               <a:t>subjectively</a:t>
             </a:r>
             <a:r>
-              <a:rPr i="1" lang="es" sz="1800">
+              <a:rPr lang="es" sz="1800" i="1">
                 <a:latin typeface="Calibri"/>
                 <a:ea typeface="Calibri"/>
                 <a:cs typeface="Calibri"/>
                 <a:sym typeface="Calibri"/>
               </a:rPr>
-              <a:t> </a:t>
+              <a:t> better or worse than the others?</a:t>
             </a:r>
-            <a:r>
-              <a:rPr i="1" lang="es" sz="1800">
-                <a:latin typeface="Calibri"/>
-                <a:ea typeface="Calibri"/>
-                <a:cs typeface="Calibri"/>
-                <a:sym typeface="Calibri"/>
-              </a:rPr>
-              <a:t>better or worse than the others?</a:t>
-            </a:r>
-            <a:endParaRPr i="1" sz="1800">
+            <a:endParaRPr sz="1800" i="1">
               <a:latin typeface="Calibri"/>
               <a:ea typeface="Calibri"/>
               <a:cs typeface="Calibri"/>
@@ -9230,7 +9309,7 @@
             </a:endParaRPr>
           </a:p>
           <a:p>
-            <a:pPr indent="0" lvl="0" marL="0" rtl="0" algn="l">
+            <a:pPr marL="0" lvl="0" indent="0" algn="l" rtl="0">
               <a:spcBef>
                 <a:spcPts val="0"/>
               </a:spcBef>
@@ -9240,7 +9319,7 @@
               <a:buNone/>
             </a:pPr>
             <a:r>
-              <a:rPr i="1" lang="es" sz="1800">
+              <a:rPr lang="es" sz="1800" i="1">
                 <a:latin typeface="Calibri"/>
                 <a:ea typeface="Calibri"/>
                 <a:cs typeface="Calibri"/>
@@ -9249,7 +9328,7 @@
               <a:t>                         blind     /   </a:t>
             </a:r>
             <a:r>
-              <a:rPr i="1" lang="es" sz="1800">
+              <a:rPr lang="es" sz="1800" i="1">
                 <a:solidFill>
                   <a:srgbClr val="CCCCCC"/>
                 </a:solidFill>
@@ -9260,7 +9339,7 @@
               </a:rPr>
               <a:t>seen </a:t>
             </a:r>
-            <a:endParaRPr i="1" sz="1800">
+            <a:endParaRPr sz="1800" i="1">
               <a:solidFill>
                 <a:srgbClr val="CCCCCC"/>
               </a:solidFill>
@@ -9285,29 +9364,29 @@
           </a:xfrm>
           <a:prstGeom prst="roundRect">
             <a:avLst>
-              <a:gd fmla="val 16667" name="adj"/>
+              <a:gd name="adj" fmla="val 16667"/>
             </a:avLst>
           </a:prstGeom>
           <a:solidFill>
             <a:schemeClr val="lt1"/>
           </a:solidFill>
-          <a:ln cap="flat" cmpd="sng" w="9525">
+          <a:ln w="9525" cap="flat" cmpd="sng">
             <a:solidFill>
               <a:schemeClr val="lt1"/>
             </a:solidFill>
             <a:prstDash val="solid"/>
             <a:round/>
-            <a:headEnd len="sm" w="sm" type="none"/>
-            <a:tailEnd len="sm" w="sm" type="none"/>
+            <a:headEnd type="none" w="sm" len="sm"/>
+            <a:tailEnd type="none" w="sm" len="sm"/>
           </a:ln>
         </p:spPr>
         <p:txBody>
-          <a:bodyPr anchorCtr="0" anchor="ctr" bIns="91425" lIns="91425" spcFirstLastPara="1" rIns="91425" wrap="square" tIns="91425">
+          <a:bodyPr spcFirstLastPara="1" wrap="square" lIns="91425" tIns="91425" rIns="91425" bIns="91425" anchor="ctr" anchorCtr="0">
             <a:noAutofit/>
           </a:bodyPr>
           <a:lstStyle/>
           <a:p>
-            <a:pPr indent="0" lvl="0" marL="0" rtl="0" algn="l">
+            <a:pPr marL="0" lvl="0" indent="0" algn="l" rtl="0">
               <a:spcBef>
                 <a:spcPts val="0"/>
               </a:spcBef>
@@ -9316,9 +9395,6 @@
               </a:spcAft>
               <a:buNone/>
             </a:pPr>
-            <a:r>
-              <a:t/>
-            </a:r>
             <a:endParaRPr/>
           </a:p>
         </p:txBody>
@@ -9332,11 +9408,11 @@
 </file>
 
 <file path=ppt/slides/slide7.xml><?xml version="1.0" encoding="utf-8"?>
-<p:sld xmlns:a="http://schemas.openxmlformats.org/drawingml/2006/main" xmlns:r="http://schemas.openxmlformats.org/officeDocument/2006/relationships" xmlns:mc="http://schemas.openxmlformats.org/markup-compatibility/2006" xmlns:mv="urn:schemas-microsoft-com:mac:vml" xmlns:p="http://schemas.openxmlformats.org/presentationml/2006/main" xmlns:c="http://schemas.openxmlformats.org/drawingml/2006/chart" xmlns:dgm="http://schemas.openxmlformats.org/drawingml/2006/diagram" xmlns:o="urn:schemas-microsoft-com:office:office" xmlns:v="urn:schemas-microsoft-com:vml" xmlns:pvml="urn:schemas-microsoft-com:office:powerpoint" xmlns:com="http://schemas.openxmlformats.org/drawingml/2006/compatibility" xmlns:p14="http://schemas.microsoft.com/office/powerpoint/2010/main" xmlns:p15="http://schemas.microsoft.com/office/powerpoint/2012/main">
+<p:sld xmlns:a="http://schemas.openxmlformats.org/drawingml/2006/main" xmlns:r="http://schemas.openxmlformats.org/officeDocument/2006/relationships" xmlns:p="http://schemas.openxmlformats.org/presentationml/2006/main">
   <p:cSld>
     <p:spTree>
       <p:nvGrpSpPr>
-        <p:cNvPr id="125" name="Shape 125"/>
+        <p:cNvPr id="1" name="Shape 125"/>
         <p:cNvGrpSpPr/>
         <p:nvPr/>
       </p:nvGrpSpPr>
@@ -9419,23 +9495,23 @@
             <a:avLst/>
           </a:prstGeom>
           <a:noFill/>
-          <a:ln cap="flat" cmpd="sng" w="28575">
+          <a:ln w="28575" cap="flat" cmpd="sng">
             <a:solidFill>
               <a:srgbClr val="000000"/>
             </a:solidFill>
             <a:prstDash val="solid"/>
             <a:round/>
-            <a:headEnd len="sm" w="sm" type="none"/>
-            <a:tailEnd len="sm" w="sm" type="none"/>
+            <a:headEnd type="none" w="sm" len="sm"/>
+            <a:tailEnd type="none" w="sm" len="sm"/>
           </a:ln>
         </p:spPr>
         <p:txBody>
-          <a:bodyPr anchorCtr="0" anchor="ctr" bIns="91425" lIns="91425" spcFirstLastPara="1" rIns="91425" wrap="square" tIns="91425">
+          <a:bodyPr spcFirstLastPara="1" wrap="square" lIns="91425" tIns="91425" rIns="91425" bIns="91425" anchor="ctr" anchorCtr="0">
             <a:noAutofit/>
           </a:bodyPr>
           <a:lstStyle/>
           <a:p>
-            <a:pPr indent="0" lvl="0" marL="0" rtl="0" algn="l">
+            <a:pPr marL="0" lvl="0" indent="0" algn="l" rtl="0">
               <a:spcBef>
                 <a:spcPts val="0"/>
               </a:spcBef>
@@ -9444,9 +9520,6 @@
               </a:spcAft>
               <a:buNone/>
             </a:pPr>
-            <a:r>
-              <a:t/>
-            </a:r>
             <a:endParaRPr>
               <a:solidFill>
                 <a:srgbClr val="FF0000"/>
@@ -9471,7 +9544,7 @@
         </p:blipFill>
         <p:spPr>
           <a:xfrm>
-            <a:off x="5493100" y="2869650"/>
+            <a:off x="5499774" y="2856950"/>
             <a:ext cx="661800" cy="661800"/>
           </a:xfrm>
           <a:prstGeom prst="rect">
@@ -9498,23 +9571,23 @@
             <a:avLst/>
           </a:prstGeom>
           <a:noFill/>
-          <a:ln cap="flat" cmpd="sng" w="28575">
+          <a:ln w="28575" cap="flat" cmpd="sng">
             <a:solidFill>
               <a:srgbClr val="000000"/>
             </a:solidFill>
             <a:prstDash val="solid"/>
             <a:round/>
-            <a:headEnd len="sm" w="sm" type="none"/>
-            <a:tailEnd len="sm" w="sm" type="none"/>
+            <a:headEnd type="none" w="sm" len="sm"/>
+            <a:tailEnd type="none" w="sm" len="sm"/>
           </a:ln>
         </p:spPr>
         <p:txBody>
-          <a:bodyPr anchorCtr="0" anchor="ctr" bIns="91425" lIns="91425" spcFirstLastPara="1" rIns="91425" wrap="square" tIns="91425">
+          <a:bodyPr spcFirstLastPara="1" wrap="square" lIns="91425" tIns="91425" rIns="91425" bIns="91425" anchor="ctr" anchorCtr="0">
             <a:noAutofit/>
           </a:bodyPr>
           <a:lstStyle/>
           <a:p>
-            <a:pPr indent="0" lvl="0" marL="0" rtl="0" algn="l">
+            <a:pPr marL="0" lvl="0" indent="0" algn="l" rtl="0">
               <a:spcBef>
                 <a:spcPts val="0"/>
               </a:spcBef>
@@ -9523,9 +9596,6 @@
               </a:spcAft>
               <a:buNone/>
             </a:pPr>
-            <a:r>
-              <a:t/>
-            </a:r>
             <a:endParaRPr>
               <a:solidFill>
                 <a:srgbClr val="FF0000"/>
@@ -9554,12 +9624,12 @@
           </a:ln>
         </p:spPr>
         <p:txBody>
-          <a:bodyPr anchorCtr="0" anchor="t" bIns="91425" lIns="91425" spcFirstLastPara="1" rIns="91425" wrap="square" tIns="91425">
+          <a:bodyPr spcFirstLastPara="1" wrap="square" lIns="91425" tIns="91425" rIns="91425" bIns="91425" anchor="t" anchorCtr="0">
             <a:noAutofit/>
           </a:bodyPr>
           <a:lstStyle/>
           <a:p>
-            <a:pPr indent="0" lvl="0" marL="0" rtl="0" algn="l">
+            <a:pPr marL="0" lvl="0" indent="0" algn="l" rtl="0">
               <a:spcBef>
                 <a:spcPts val="0"/>
               </a:spcBef>
@@ -9569,24 +9639,15 @@
               <a:buNone/>
             </a:pPr>
             <a:r>
-              <a:rPr b="1" i="1" lang="es" sz="1800">
+              <a:rPr lang="es" sz="1800" b="1" i="1">
                 <a:latin typeface="Calibri"/>
                 <a:ea typeface="Calibri"/>
                 <a:cs typeface="Calibri"/>
                 <a:sym typeface="Calibri"/>
               </a:rPr>
-              <a:t>Objectively (</a:t>
+              <a:t>Objectively (Blind)</a:t>
             </a:r>
-            <a:r>
-              <a:rPr b="1" i="1" lang="es" sz="1800">
-                <a:latin typeface="Calibri"/>
-                <a:ea typeface="Calibri"/>
-                <a:cs typeface="Calibri"/>
-                <a:sym typeface="Calibri"/>
-              </a:rPr>
-              <a:t>Blind)</a:t>
-            </a:r>
-            <a:endParaRPr b="1" i="1" sz="1800">
+            <a:endParaRPr sz="1800" b="1" i="1">
               <a:latin typeface="Calibri"/>
               <a:ea typeface="Calibri"/>
               <a:cs typeface="Calibri"/>
@@ -9604,11 +9665,11 @@
 </file>
 
 <file path=ppt/slides/slide8.xml><?xml version="1.0" encoding="utf-8"?>
-<p:sld xmlns:a="http://schemas.openxmlformats.org/drawingml/2006/main" xmlns:r="http://schemas.openxmlformats.org/officeDocument/2006/relationships" xmlns:mc="http://schemas.openxmlformats.org/markup-compatibility/2006" xmlns:mv="urn:schemas-microsoft-com:mac:vml" xmlns:p="http://schemas.openxmlformats.org/presentationml/2006/main" xmlns:c="http://schemas.openxmlformats.org/drawingml/2006/chart" xmlns:dgm="http://schemas.openxmlformats.org/drawingml/2006/diagram" xmlns:o="urn:schemas-microsoft-com:office:office" xmlns:v="urn:schemas-microsoft-com:vml" xmlns:pvml="urn:schemas-microsoft-com:office:powerpoint" xmlns:com="http://schemas.openxmlformats.org/drawingml/2006/compatibility" xmlns:p14="http://schemas.microsoft.com/office/powerpoint/2010/main" xmlns:p15="http://schemas.microsoft.com/office/powerpoint/2012/main">
+<p:sld xmlns:a="http://schemas.openxmlformats.org/drawingml/2006/main" xmlns:r="http://schemas.openxmlformats.org/officeDocument/2006/relationships" xmlns:p="http://schemas.openxmlformats.org/presentationml/2006/main">
   <p:cSld>
     <p:spTree>
       <p:nvGrpSpPr>
-        <p:cNvPr id="135" name="Shape 135"/>
+        <p:cNvPr id="1" name="Shape 135"/>
         <p:cNvGrpSpPr/>
         <p:nvPr/>
       </p:nvGrpSpPr>
@@ -9640,12 +9701,12 @@
           </a:ln>
         </p:spPr>
         <p:txBody>
-          <a:bodyPr anchorCtr="0" anchor="t" bIns="91425" lIns="91425" spcFirstLastPara="1" rIns="91425" wrap="square" tIns="91425">
+          <a:bodyPr spcFirstLastPara="1" wrap="square" lIns="91425" tIns="91425" rIns="91425" bIns="91425" anchor="t" anchorCtr="0">
             <a:noAutofit/>
           </a:bodyPr>
           <a:lstStyle/>
           <a:p>
-            <a:pPr indent="0" lvl="0" marL="0" rtl="0" algn="l">
+            <a:pPr marL="0" lvl="0" indent="0" algn="l" rtl="0">
               <a:spcBef>
                 <a:spcPts val="0"/>
               </a:spcBef>
@@ -9688,7 +9749,7 @@
             </a:endParaRPr>
           </a:p>
           <a:p>
-            <a:pPr indent="0" lvl="0" marL="0" rtl="0" algn="l">
+            <a:pPr marL="0" lvl="0" indent="0" algn="l" rtl="0">
               <a:spcBef>
                 <a:spcPts val="0"/>
               </a:spcBef>
@@ -9697,9 +9758,6 @@
               </a:spcAft>
               <a:buNone/>
             </a:pPr>
-            <a:r>
-              <a:t/>
-            </a:r>
             <a:endParaRPr>
               <a:latin typeface="Calibri"/>
               <a:ea typeface="Calibri"/>
@@ -9750,7 +9808,7 @@
           </a:xfrm>
           <a:prstGeom prst="roundRect">
             <a:avLst>
-              <a:gd fmla="val 16667" name="adj"/>
+              <a:gd name="adj" fmla="val 16667"/>
             </a:avLst>
           </a:prstGeom>
           <a:solidFill>
@@ -9763,12 +9821,12 @@
           </a:ln>
         </p:spPr>
         <p:txBody>
-          <a:bodyPr anchorCtr="0" anchor="ctr" bIns="91425" lIns="91425" spcFirstLastPara="1" rIns="91425" wrap="square" tIns="91425">
+          <a:bodyPr spcFirstLastPara="1" wrap="square" lIns="91425" tIns="91425" rIns="91425" bIns="91425" anchor="ctr" anchorCtr="0">
             <a:noAutofit/>
           </a:bodyPr>
           <a:lstStyle/>
           <a:p>
-            <a:pPr indent="0" lvl="0" marL="0" rtl="0" algn="l">
+            <a:pPr marL="0" lvl="0" indent="0" algn="l" rtl="0">
               <a:spcBef>
                 <a:spcPts val="0"/>
               </a:spcBef>
@@ -9777,9 +9835,6 @@
               </a:spcAft>
               <a:buNone/>
             </a:pPr>
-            <a:r>
-              <a:t/>
-            </a:r>
             <a:endParaRPr/>
           </a:p>
         </p:txBody>
@@ -9797,7 +9852,7 @@
           </a:xfrm>
           <a:prstGeom prst="roundRect">
             <a:avLst>
-              <a:gd fmla="val 16667" name="adj"/>
+              <a:gd name="adj" fmla="val 16667"/>
             </a:avLst>
           </a:prstGeom>
           <a:solidFill>
@@ -9810,12 +9865,12 @@
           </a:ln>
         </p:spPr>
         <p:txBody>
-          <a:bodyPr anchorCtr="0" anchor="ctr" bIns="91425" lIns="91425" spcFirstLastPara="1" rIns="91425" wrap="square" tIns="91425">
+          <a:bodyPr spcFirstLastPara="1" wrap="square" lIns="91425" tIns="91425" rIns="91425" bIns="91425" anchor="ctr" anchorCtr="0">
             <a:noAutofit/>
           </a:bodyPr>
           <a:lstStyle/>
           <a:p>
-            <a:pPr indent="0" lvl="0" marL="0" rtl="0" algn="l">
+            <a:pPr marL="0" lvl="0" indent="0" algn="l" rtl="0">
               <a:spcBef>
                 <a:spcPts val="0"/>
               </a:spcBef>
@@ -9824,9 +9879,6 @@
               </a:spcAft>
               <a:buNone/>
             </a:pPr>
-            <a:r>
-              <a:t/>
-            </a:r>
             <a:endParaRPr/>
           </a:p>
         </p:txBody>
@@ -9844,7 +9896,7 @@
           </a:xfrm>
           <a:prstGeom prst="roundRect">
             <a:avLst>
-              <a:gd fmla="val 16667" name="adj"/>
+              <a:gd name="adj" fmla="val 16667"/>
             </a:avLst>
           </a:prstGeom>
           <a:solidFill>
@@ -9857,12 +9909,12 @@
           </a:ln>
         </p:spPr>
         <p:txBody>
-          <a:bodyPr anchorCtr="0" anchor="ctr" bIns="91425" lIns="91425" spcFirstLastPara="1" rIns="91425" wrap="square" tIns="91425">
+          <a:bodyPr spcFirstLastPara="1" wrap="square" lIns="91425" tIns="91425" rIns="91425" bIns="91425" anchor="ctr" anchorCtr="0">
             <a:noAutofit/>
           </a:bodyPr>
           <a:lstStyle/>
           <a:p>
-            <a:pPr indent="0" lvl="0" marL="0" rtl="0" algn="l">
+            <a:pPr marL="0" lvl="0" indent="0" algn="l" rtl="0">
               <a:spcBef>
                 <a:spcPts val="0"/>
               </a:spcBef>
@@ -9871,9 +9923,6 @@
               </a:spcAft>
               <a:buNone/>
             </a:pPr>
-            <a:r>
-              <a:t/>
-            </a:r>
             <a:endParaRPr/>
           </a:p>
         </p:txBody>
@@ -9891,7 +9940,7 @@
           </a:xfrm>
           <a:prstGeom prst="roundRect">
             <a:avLst>
-              <a:gd fmla="val 16667" name="adj"/>
+              <a:gd name="adj" fmla="val 16667"/>
             </a:avLst>
           </a:prstGeom>
           <a:solidFill>
@@ -9904,12 +9953,12 @@
           </a:ln>
         </p:spPr>
         <p:txBody>
-          <a:bodyPr anchorCtr="0" anchor="ctr" bIns="91425" lIns="91425" spcFirstLastPara="1" rIns="91425" wrap="square" tIns="91425">
+          <a:bodyPr spcFirstLastPara="1" wrap="square" lIns="91425" tIns="91425" rIns="91425" bIns="91425" anchor="ctr" anchorCtr="0">
             <a:noAutofit/>
           </a:bodyPr>
           <a:lstStyle/>
           <a:p>
-            <a:pPr indent="0" lvl="0" marL="0" rtl="0" algn="l">
+            <a:pPr marL="0" lvl="0" indent="0" algn="l" rtl="0">
               <a:spcBef>
                 <a:spcPts val="0"/>
               </a:spcBef>
@@ -9918,9 +9967,6 @@
               </a:spcAft>
               <a:buNone/>
             </a:pPr>
-            <a:r>
-              <a:t/>
-            </a:r>
             <a:endParaRPr/>
           </a:p>
         </p:txBody>
@@ -9938,7 +9984,7 @@
           </a:xfrm>
           <a:prstGeom prst="roundRect">
             <a:avLst>
-              <a:gd fmla="val 16667" name="adj"/>
+              <a:gd name="adj" fmla="val 16667"/>
             </a:avLst>
           </a:prstGeom>
           <a:solidFill>
@@ -9951,12 +9997,12 @@
           </a:ln>
         </p:spPr>
         <p:txBody>
-          <a:bodyPr anchorCtr="0" anchor="ctr" bIns="91425" lIns="91425" spcFirstLastPara="1" rIns="91425" wrap="square" tIns="91425">
+          <a:bodyPr spcFirstLastPara="1" wrap="square" lIns="91425" tIns="91425" rIns="91425" bIns="91425" anchor="ctr" anchorCtr="0">
             <a:noAutofit/>
           </a:bodyPr>
           <a:lstStyle/>
           <a:p>
-            <a:pPr indent="0" lvl="0" marL="0" rtl="0" algn="l">
+            <a:pPr marL="0" lvl="0" indent="0" algn="l" rtl="0">
               <a:spcBef>
                 <a:spcPts val="0"/>
               </a:spcBef>
@@ -9965,9 +10011,6 @@
               </a:spcAft>
               <a:buNone/>
             </a:pPr>
-            <a:r>
-              <a:t/>
-            </a:r>
             <a:endParaRPr/>
           </a:p>
         </p:txBody>
@@ -9979,7 +10022,7 @@
           <p:nvPr/>
         </p:nvCxnSpPr>
         <p:spPr>
-          <a:xfrm flipH="1" rot="10800000">
+          <a:xfrm rot="10800000" flipH="1">
             <a:off x="6549767" y="3276968"/>
             <a:ext cx="2075100" cy="7500"/>
           </a:xfrm>
@@ -9987,14 +10030,14 @@
             <a:avLst/>
           </a:prstGeom>
           <a:noFill/>
-          <a:ln cap="flat" cmpd="sng" w="28575">
+          <a:ln w="28575" cap="flat" cmpd="sng">
             <a:solidFill>
               <a:schemeClr val="dk2"/>
             </a:solidFill>
             <a:prstDash val="dot"/>
             <a:round/>
-            <a:headEnd len="med" w="med" type="none"/>
-            <a:tailEnd len="med" w="med" type="none"/>
+            <a:headEnd type="none" w="med" len="med"/>
+            <a:tailEnd type="none" w="med" len="med"/>
           </a:ln>
         </p:spPr>
       </p:cxnSp>
@@ -10018,12 +10061,12 @@
           </a:ln>
         </p:spPr>
         <p:txBody>
-          <a:bodyPr anchorCtr="0" anchor="t" bIns="91425" lIns="91425" spcFirstLastPara="1" rIns="91425" wrap="square" tIns="91425">
+          <a:bodyPr spcFirstLastPara="1" wrap="square" lIns="91425" tIns="91425" rIns="91425" bIns="91425" anchor="t" anchorCtr="0">
             <a:noAutofit/>
           </a:bodyPr>
           <a:lstStyle/>
           <a:p>
-            <a:pPr indent="0" lvl="0" marL="0" rtl="0" algn="l">
+            <a:pPr marL="0" lvl="0" indent="0" algn="l" rtl="0">
               <a:spcBef>
                 <a:spcPts val="0"/>
               </a:spcBef>
@@ -10032,9 +10075,6 @@
               </a:spcAft>
               <a:buNone/>
             </a:pPr>
-            <a:r>
-              <a:t/>
-            </a:r>
             <a:endParaRPr/>
           </a:p>
         </p:txBody>
@@ -10052,28 +10092,28 @@
           </a:xfrm>
           <a:prstGeom prst="rightBrace">
             <a:avLst>
-              <a:gd fmla="val 8333" name="adj1"/>
-              <a:gd fmla="val 50000" name="adj2"/>
+              <a:gd name="adj1" fmla="val 8333"/>
+              <a:gd name="adj2" fmla="val 50000"/>
             </a:avLst>
           </a:prstGeom>
           <a:noFill/>
-          <a:ln cap="flat" cmpd="sng" w="9525">
+          <a:ln w="9525" cap="flat" cmpd="sng">
             <a:solidFill>
               <a:schemeClr val="dk2"/>
             </a:solidFill>
             <a:prstDash val="solid"/>
             <a:round/>
-            <a:headEnd len="sm" w="sm" type="none"/>
-            <a:tailEnd len="sm" w="sm" type="none"/>
+            <a:headEnd type="none" w="sm" len="sm"/>
+            <a:tailEnd type="none" w="sm" len="sm"/>
           </a:ln>
         </p:spPr>
         <p:txBody>
-          <a:bodyPr anchorCtr="0" anchor="ctr" bIns="91425" lIns="91425" spcFirstLastPara="1" rIns="91425" wrap="square" tIns="91425">
+          <a:bodyPr spcFirstLastPara="1" wrap="square" lIns="91425" tIns="91425" rIns="91425" bIns="91425" anchor="ctr" anchorCtr="0">
             <a:noAutofit/>
           </a:bodyPr>
           <a:lstStyle/>
           <a:p>
-            <a:pPr indent="0" lvl="0" marL="0" rtl="0" algn="l">
+            <a:pPr marL="0" lvl="0" indent="0" algn="l" rtl="0">
               <a:spcBef>
                 <a:spcPts val="0"/>
               </a:spcBef>
@@ -10082,9 +10122,6 @@
               </a:spcAft>
               <a:buNone/>
             </a:pPr>
-            <a:r>
-              <a:t/>
-            </a:r>
             <a:endParaRPr/>
           </a:p>
         </p:txBody>
@@ -10102,28 +10139,28 @@
           </a:xfrm>
           <a:prstGeom prst="rightBrace">
             <a:avLst>
-              <a:gd fmla="val 8333" name="adj1"/>
-              <a:gd fmla="val 50000" name="adj2"/>
+              <a:gd name="adj1" fmla="val 8333"/>
+              <a:gd name="adj2" fmla="val 50000"/>
             </a:avLst>
           </a:prstGeom>
           <a:noFill/>
-          <a:ln cap="flat" cmpd="sng" w="9525">
+          <a:ln w="9525" cap="flat" cmpd="sng">
             <a:solidFill>
               <a:schemeClr val="dk2"/>
             </a:solidFill>
             <a:prstDash val="solid"/>
             <a:round/>
-            <a:headEnd len="sm" w="sm" type="none"/>
-            <a:tailEnd len="sm" w="sm" type="none"/>
+            <a:headEnd type="none" w="sm" len="sm"/>
+            <a:tailEnd type="none" w="sm" len="sm"/>
           </a:ln>
         </p:spPr>
         <p:txBody>
-          <a:bodyPr anchorCtr="0" anchor="ctr" bIns="91425" lIns="91425" spcFirstLastPara="1" rIns="91425" wrap="square" tIns="91425">
+          <a:bodyPr spcFirstLastPara="1" wrap="square" lIns="91425" tIns="91425" rIns="91425" bIns="91425" anchor="ctr" anchorCtr="0">
             <a:noAutofit/>
           </a:bodyPr>
           <a:lstStyle/>
           <a:p>
-            <a:pPr indent="0" lvl="0" marL="0" rtl="0" algn="l">
+            <a:pPr marL="0" lvl="0" indent="0" algn="l" rtl="0">
               <a:spcBef>
                 <a:spcPts val="0"/>
               </a:spcBef>
@@ -10132,9 +10169,6 @@
               </a:spcAft>
               <a:buNone/>
             </a:pPr>
-            <a:r>
-              <a:t/>
-            </a:r>
             <a:endParaRPr/>
           </a:p>
         </p:txBody>
@@ -10159,12 +10193,12 @@
           </a:ln>
         </p:spPr>
         <p:txBody>
-          <a:bodyPr anchorCtr="0" anchor="t" bIns="91425" lIns="91425" spcFirstLastPara="1" rIns="91425" wrap="square" tIns="91425">
+          <a:bodyPr spcFirstLastPara="1" wrap="square" lIns="91425" tIns="91425" rIns="91425" bIns="91425" anchor="t" anchorCtr="0">
             <a:noAutofit/>
           </a:bodyPr>
           <a:lstStyle/>
           <a:p>
-            <a:pPr indent="0" lvl="0" marL="0" rtl="0" algn="l">
+            <a:pPr marL="0" lvl="0" indent="0" algn="l" rtl="0">
               <a:spcBef>
                 <a:spcPts val="0"/>
               </a:spcBef>
@@ -10174,7 +10208,7 @@
               <a:buNone/>
             </a:pPr>
             <a:r>
-              <a:rPr b="1" i="1" lang="es" sz="1200">
+              <a:rPr lang="es" sz="1200" b="1" i="1">
                 <a:latin typeface="Calibri"/>
                 <a:ea typeface="Calibri"/>
                 <a:cs typeface="Calibri"/>
@@ -10182,7 +10216,7 @@
               </a:rPr>
               <a:t>blind</a:t>
             </a:r>
-            <a:endParaRPr b="1" i="1" sz="1200">
+            <a:endParaRPr sz="1200" b="1" i="1">
               <a:latin typeface="Calibri"/>
               <a:ea typeface="Calibri"/>
               <a:cs typeface="Calibri"/>
@@ -10211,12 +10245,12 @@
           </a:ln>
         </p:spPr>
         <p:txBody>
-          <a:bodyPr anchorCtr="0" anchor="t" bIns="91425" lIns="91425" spcFirstLastPara="1" rIns="91425" wrap="square" tIns="91425">
+          <a:bodyPr spcFirstLastPara="1" wrap="square" lIns="91425" tIns="91425" rIns="91425" bIns="91425" anchor="t" anchorCtr="0">
             <a:noAutofit/>
           </a:bodyPr>
           <a:lstStyle/>
           <a:p>
-            <a:pPr indent="0" lvl="0" marL="0" rtl="0" algn="l">
+            <a:pPr marL="0" lvl="0" indent="0" algn="l" rtl="0">
               <a:spcBef>
                 <a:spcPts val="0"/>
               </a:spcBef>
@@ -10226,7 +10260,7 @@
               <a:buNone/>
             </a:pPr>
             <a:r>
-              <a:rPr b="1" i="1" lang="es" sz="1200">
+              <a:rPr lang="es" sz="1200" b="1" i="1">
                 <a:latin typeface="Calibri"/>
                 <a:ea typeface="Calibri"/>
                 <a:cs typeface="Calibri"/>
@@ -10234,7 +10268,7 @@
               </a:rPr>
               <a:t>seen</a:t>
             </a:r>
-            <a:endParaRPr b="1" i="1" sz="1200">
+            <a:endParaRPr sz="1200" b="1" i="1">
               <a:latin typeface="Calibri"/>
               <a:ea typeface="Calibri"/>
               <a:cs typeface="Calibri"/>
@@ -10253,7 +10287,7 @@
           <a:blip r:embed="rId4">
             <a:alphaModFix/>
           </a:blip>
-          <a:srcRect b="0" l="0" r="0" t="6085"/>
+          <a:srcRect t="6085"/>
           <a:stretch/>
         </p:blipFill>
         <p:spPr>
@@ -10290,12 +10324,12 @@
           </a:ln>
         </p:spPr>
         <p:txBody>
-          <a:bodyPr anchorCtr="0" anchor="t" bIns="91425" lIns="91425" spcFirstLastPara="1" rIns="91425" wrap="square" tIns="91425">
+          <a:bodyPr spcFirstLastPara="1" wrap="square" lIns="91425" tIns="91425" rIns="91425" bIns="91425" anchor="t" anchorCtr="0">
             <a:noAutofit/>
           </a:bodyPr>
           <a:lstStyle/>
           <a:p>
-            <a:pPr indent="0" lvl="0" marL="0" rtl="0" algn="l">
+            <a:pPr marL="0" lvl="0" indent="0" algn="l" rtl="0">
               <a:spcBef>
                 <a:spcPts val="0"/>
               </a:spcBef>
@@ -10305,7 +10339,7 @@
               <a:buNone/>
             </a:pPr>
             <a:r>
-              <a:rPr i="1" lang="es" sz="1800">
+              <a:rPr lang="es" sz="1800" i="1">
                 <a:latin typeface="Calibri"/>
                 <a:ea typeface="Calibri"/>
                 <a:cs typeface="Calibri"/>
@@ -10314,7 +10348,7 @@
               <a:t>Is any beer </a:t>
             </a:r>
             <a:r>
-              <a:rPr i="1" lang="es" sz="1800" u="sng">
+              <a:rPr lang="es" sz="1800" i="1" u="sng">
                 <a:solidFill>
                   <a:srgbClr val="D9D9D9"/>
                 </a:solidFill>
@@ -10326,7 +10360,7 @@
               <a:t>objectively </a:t>
             </a:r>
             <a:r>
-              <a:rPr i="1" lang="es" sz="1800" u="sng">
+              <a:rPr lang="es" sz="1800" i="1" u="sng">
                 <a:latin typeface="Calibri"/>
                 <a:ea typeface="Calibri"/>
                 <a:cs typeface="Calibri"/>
@@ -10335,7 +10369,7 @@
               <a:t>/subjectively</a:t>
             </a:r>
             <a:r>
-              <a:rPr i="1" lang="es" sz="1800">
+              <a:rPr lang="es" sz="1800" i="1">
                 <a:latin typeface="Calibri"/>
                 <a:ea typeface="Calibri"/>
                 <a:cs typeface="Calibri"/>
@@ -10343,7 +10377,7 @@
               </a:rPr>
               <a:t> better or worse than the others?</a:t>
             </a:r>
-            <a:endParaRPr i="1" sz="1800">
+            <a:endParaRPr sz="1800" i="1">
               <a:latin typeface="Calibri"/>
               <a:ea typeface="Calibri"/>
               <a:cs typeface="Calibri"/>
@@ -10351,7 +10385,7 @@
             </a:endParaRPr>
           </a:p>
           <a:p>
-            <a:pPr indent="0" lvl="0" marL="0" rtl="0" algn="l">
+            <a:pPr marL="0" lvl="0" indent="0" algn="l" rtl="0">
               <a:spcBef>
                 <a:spcPts val="0"/>
               </a:spcBef>
@@ -10361,7 +10395,7 @@
               <a:buNone/>
             </a:pPr>
             <a:r>
-              <a:rPr i="1" lang="es" sz="1800">
+              <a:rPr lang="es" sz="1800" i="1">
                 <a:latin typeface="Calibri"/>
                 <a:ea typeface="Calibri"/>
                 <a:cs typeface="Calibri"/>
@@ -10370,7 +10404,7 @@
               <a:t>                         </a:t>
             </a:r>
             <a:r>
-              <a:rPr i="1" lang="es" sz="1800">
+              <a:rPr lang="es" sz="1800" i="1">
                 <a:solidFill>
                   <a:srgbClr val="D9D9D9"/>
                 </a:solidFill>
@@ -10382,7 +10416,7 @@
               <a:t>blind </a:t>
             </a:r>
             <a:r>
-              <a:rPr i="1" lang="es" sz="1800">
+              <a:rPr lang="es" sz="1800" i="1">
                 <a:latin typeface="Calibri"/>
                 <a:ea typeface="Calibri"/>
                 <a:cs typeface="Calibri"/>
@@ -10390,7 +10424,7 @@
               </a:rPr>
               <a:t>    /   seen </a:t>
             </a:r>
-            <a:endParaRPr i="1" sz="1800">
+            <a:endParaRPr sz="1800" i="1">
               <a:latin typeface="Calibri"/>
               <a:ea typeface="Calibri"/>
               <a:cs typeface="Calibri"/>
@@ -10412,29 +10446,29 @@
           </a:xfrm>
           <a:prstGeom prst="roundRect">
             <a:avLst>
-              <a:gd fmla="val 16667" name="adj"/>
+              <a:gd name="adj" fmla="val 16667"/>
             </a:avLst>
           </a:prstGeom>
           <a:solidFill>
             <a:schemeClr val="lt1"/>
           </a:solidFill>
-          <a:ln cap="flat" cmpd="sng" w="9525">
+          <a:ln w="9525" cap="flat" cmpd="sng">
             <a:solidFill>
               <a:schemeClr val="lt1"/>
             </a:solidFill>
             <a:prstDash val="solid"/>
             <a:round/>
-            <a:headEnd len="sm" w="sm" type="none"/>
-            <a:tailEnd len="sm" w="sm" type="none"/>
+            <a:headEnd type="none" w="sm" len="sm"/>
+            <a:tailEnd type="none" w="sm" len="sm"/>
           </a:ln>
         </p:spPr>
         <p:txBody>
-          <a:bodyPr anchorCtr="0" anchor="ctr" bIns="91425" lIns="91425" spcFirstLastPara="1" rIns="91425" wrap="square" tIns="91425">
+          <a:bodyPr spcFirstLastPara="1" wrap="square" lIns="91425" tIns="91425" rIns="91425" bIns="91425" anchor="ctr" anchorCtr="0">
             <a:noAutofit/>
           </a:bodyPr>
           <a:lstStyle/>
           <a:p>
-            <a:pPr indent="0" lvl="0" marL="0" rtl="0" algn="l">
+            <a:pPr marL="0" lvl="0" indent="0" algn="l" rtl="0">
               <a:spcBef>
                 <a:spcPts val="0"/>
               </a:spcBef>
@@ -10443,9 +10477,6 @@
               </a:spcAft>
               <a:buNone/>
             </a:pPr>
-            <a:r>
-              <a:t/>
-            </a:r>
             <a:endParaRPr/>
           </a:p>
         </p:txBody>
@@ -10459,11 +10490,11 @@
 </file>
 
 <file path=ppt/slides/slide9.xml><?xml version="1.0" encoding="utf-8"?>
-<p:sld xmlns:a="http://schemas.openxmlformats.org/drawingml/2006/main" xmlns:r="http://schemas.openxmlformats.org/officeDocument/2006/relationships" xmlns:mc="http://schemas.openxmlformats.org/markup-compatibility/2006" xmlns:mv="urn:schemas-microsoft-com:mac:vml" xmlns:p="http://schemas.openxmlformats.org/presentationml/2006/main" xmlns:c="http://schemas.openxmlformats.org/drawingml/2006/chart" xmlns:dgm="http://schemas.openxmlformats.org/drawingml/2006/diagram" xmlns:o="urn:schemas-microsoft-com:office:office" xmlns:v="urn:schemas-microsoft-com:vml" xmlns:pvml="urn:schemas-microsoft-com:office:powerpoint" xmlns:com="http://schemas.openxmlformats.org/drawingml/2006/compatibility" xmlns:p14="http://schemas.microsoft.com/office/powerpoint/2010/main" xmlns:p15="http://schemas.microsoft.com/office/powerpoint/2012/main">
+<p:sld xmlns:a="http://schemas.openxmlformats.org/drawingml/2006/main" xmlns:r="http://schemas.openxmlformats.org/officeDocument/2006/relationships" xmlns:p="http://schemas.openxmlformats.org/presentationml/2006/main">
   <p:cSld>
     <p:spTree>
       <p:nvGrpSpPr>
-        <p:cNvPr id="155" name="Shape 155"/>
+        <p:cNvPr id="1" name="Shape 155"/>
         <p:cNvGrpSpPr/>
         <p:nvPr/>
       </p:nvGrpSpPr>
@@ -10518,23 +10549,23 @@
             <a:avLst/>
           </a:prstGeom>
           <a:noFill/>
-          <a:ln cap="flat" cmpd="sng" w="28575">
+          <a:ln w="28575" cap="flat" cmpd="sng">
             <a:solidFill>
               <a:srgbClr val="000000"/>
             </a:solidFill>
             <a:prstDash val="solid"/>
             <a:round/>
-            <a:headEnd len="sm" w="sm" type="none"/>
-            <a:tailEnd len="sm" w="sm" type="none"/>
+            <a:headEnd type="none" w="sm" len="sm"/>
+            <a:tailEnd type="none" w="sm" len="sm"/>
           </a:ln>
         </p:spPr>
         <p:txBody>
-          <a:bodyPr anchorCtr="0" anchor="ctr" bIns="91425" lIns="91425" spcFirstLastPara="1" rIns="91425" wrap="square" tIns="91425">
+          <a:bodyPr spcFirstLastPara="1" wrap="square" lIns="91425" tIns="91425" rIns="91425" bIns="91425" anchor="ctr" anchorCtr="0">
             <a:noAutofit/>
           </a:bodyPr>
           <a:lstStyle/>
           <a:p>
-            <a:pPr indent="0" lvl="0" marL="0" rtl="0" algn="l">
+            <a:pPr marL="0" lvl="0" indent="0" algn="l" rtl="0">
               <a:spcBef>
                 <a:spcPts val="0"/>
               </a:spcBef>
@@ -10543,9 +10574,6 @@
               </a:spcAft>
               <a:buNone/>
             </a:pPr>
-            <a:r>
-              <a:t/>
-            </a:r>
             <a:endParaRPr>
               <a:solidFill>
                 <a:srgbClr val="FF0000"/>
@@ -10569,23 +10597,23 @@
             <a:avLst/>
           </a:prstGeom>
           <a:noFill/>
-          <a:ln cap="flat" cmpd="sng" w="28575">
+          <a:ln w="28575" cap="flat" cmpd="sng">
             <a:solidFill>
               <a:srgbClr val="000000"/>
             </a:solidFill>
             <a:prstDash val="solid"/>
             <a:round/>
-            <a:headEnd len="sm" w="sm" type="none"/>
-            <a:tailEnd len="sm" w="sm" type="none"/>
+            <a:headEnd type="none" w="sm" len="sm"/>
+            <a:tailEnd type="none" w="sm" len="sm"/>
           </a:ln>
         </p:spPr>
         <p:txBody>
-          <a:bodyPr anchorCtr="0" anchor="ctr" bIns="91425" lIns="91425" spcFirstLastPara="1" rIns="91425" wrap="square" tIns="91425">
+          <a:bodyPr spcFirstLastPara="1" wrap="square" lIns="91425" tIns="91425" rIns="91425" bIns="91425" anchor="ctr" anchorCtr="0">
             <a:noAutofit/>
           </a:bodyPr>
           <a:lstStyle/>
           <a:p>
-            <a:pPr indent="0" lvl="0" marL="0" rtl="0" algn="l">
+            <a:pPr marL="0" lvl="0" indent="0" algn="l" rtl="0">
               <a:spcBef>
                 <a:spcPts val="0"/>
               </a:spcBef>
@@ -10594,9 +10622,6 @@
               </a:spcAft>
               <a:buNone/>
             </a:pPr>
-            <a:r>
-              <a:t/>
-            </a:r>
             <a:endParaRPr>
               <a:solidFill>
                 <a:srgbClr val="FF0000"/>
@@ -10625,12 +10650,12 @@
           </a:ln>
         </p:spPr>
         <p:txBody>
-          <a:bodyPr anchorCtr="0" anchor="t" bIns="91425" lIns="91425" spcFirstLastPara="1" rIns="91425" wrap="square" tIns="91425">
+          <a:bodyPr spcFirstLastPara="1" wrap="square" lIns="91425" tIns="91425" rIns="91425" bIns="91425" anchor="t" anchorCtr="0">
             <a:noAutofit/>
           </a:bodyPr>
           <a:lstStyle/>
           <a:p>
-            <a:pPr indent="0" lvl="0" marL="0" rtl="0" algn="l">
+            <a:pPr marL="0" lvl="0" indent="0" algn="l" rtl="0">
               <a:spcBef>
                 <a:spcPts val="0"/>
               </a:spcBef>
@@ -10640,24 +10665,15 @@
               <a:buNone/>
             </a:pPr>
             <a:r>
-              <a:rPr b="1" i="1" lang="es" sz="1800">
+              <a:rPr lang="es" sz="1800" b="1" i="1">
                 <a:latin typeface="Calibri"/>
                 <a:ea typeface="Calibri"/>
                 <a:cs typeface="Calibri"/>
                 <a:sym typeface="Calibri"/>
               </a:rPr>
-              <a:t>Su</a:t>
+              <a:t>Subjectively (seen)</a:t>
             </a:r>
-            <a:r>
-              <a:rPr b="1" i="1" lang="es" sz="1800">
-                <a:latin typeface="Calibri"/>
-                <a:ea typeface="Calibri"/>
-                <a:cs typeface="Calibri"/>
-                <a:sym typeface="Calibri"/>
-              </a:rPr>
-              <a:t>bjectively (seen)</a:t>
-            </a:r>
-            <a:endParaRPr b="1" i="1" sz="1800">
+            <a:endParaRPr sz="1800" b="1" i="1">
               <a:latin typeface="Calibri"/>
               <a:ea typeface="Calibri"/>
               <a:cs typeface="Calibri"/>
@@ -10709,23 +10725,23 @@
             <a:avLst/>
           </a:prstGeom>
           <a:noFill/>
-          <a:ln cap="flat" cmpd="sng" w="28575">
+          <a:ln w="28575" cap="flat" cmpd="sng">
             <a:solidFill>
               <a:srgbClr val="000000"/>
             </a:solidFill>
             <a:prstDash val="solid"/>
             <a:round/>
-            <a:headEnd len="sm" w="sm" type="none"/>
-            <a:tailEnd len="sm" w="sm" type="none"/>
+            <a:headEnd type="none" w="sm" len="sm"/>
+            <a:tailEnd type="none" w="sm" len="sm"/>
           </a:ln>
         </p:spPr>
         <p:txBody>
-          <a:bodyPr anchorCtr="0" anchor="ctr" bIns="91425" lIns="91425" spcFirstLastPara="1" rIns="91425" wrap="square" tIns="91425">
+          <a:bodyPr spcFirstLastPara="1" wrap="square" lIns="91425" tIns="91425" rIns="91425" bIns="91425" anchor="ctr" anchorCtr="0">
             <a:noAutofit/>
           </a:bodyPr>
           <a:lstStyle/>
           <a:p>
-            <a:pPr indent="0" lvl="0" marL="0" rtl="0" algn="l">
+            <a:pPr marL="0" lvl="0" indent="0" algn="l" rtl="0">
               <a:spcBef>
                 <a:spcPts val="0"/>
               </a:spcBef>
@@ -10734,9 +10750,6 @@
               </a:spcAft>
               <a:buNone/>
             </a:pPr>
-            <a:r>
-              <a:t/>
-            </a:r>
             <a:endParaRPr>
               <a:solidFill>
                 <a:srgbClr val="FF0000"/>
@@ -10755,7 +10768,7 @@
           <a:blip r:embed="rId5">
             <a:alphaModFix/>
           </a:blip>
-          <a:srcRect b="0" l="0" r="0" t="8917"/>
+          <a:srcRect t="8917"/>
           <a:stretch/>
         </p:blipFill>
         <p:spPr>
@@ -10789,23 +10802,23 @@
           <a:solidFill>
             <a:srgbClr val="FF0000"/>
           </a:solidFill>
-          <a:ln cap="flat" cmpd="sng" w="9525">
+          <a:ln w="9525" cap="flat" cmpd="sng">
             <a:solidFill>
               <a:srgbClr val="FF0000"/>
             </a:solidFill>
             <a:prstDash val="solid"/>
             <a:round/>
-            <a:headEnd len="sm" w="sm" type="none"/>
-            <a:tailEnd len="sm" w="sm" type="none"/>
+            <a:headEnd type="none" w="sm" len="sm"/>
+            <a:tailEnd type="none" w="sm" len="sm"/>
           </a:ln>
         </p:spPr>
         <p:txBody>
-          <a:bodyPr anchorCtr="0" anchor="ctr" bIns="91425" lIns="91425" spcFirstLastPara="1" rIns="91425" wrap="square" tIns="91425">
+          <a:bodyPr spcFirstLastPara="1" wrap="square" lIns="91425" tIns="91425" rIns="91425" bIns="91425" anchor="ctr" anchorCtr="0">
             <a:noAutofit/>
           </a:bodyPr>
           <a:lstStyle/>
           <a:p>
-            <a:pPr indent="0" lvl="0" marL="0" rtl="0" algn="l">
+            <a:pPr marL="0" lvl="0" indent="0" algn="l" rtl="0">
               <a:spcBef>
                 <a:spcPts val="0"/>
               </a:spcBef>
@@ -10814,9 +10827,6 @@
               </a:spcAft>
               <a:buNone/>
             </a:pPr>
-            <a:r>
-              <a:t/>
-            </a:r>
             <a:endParaRPr/>
           </a:p>
         </p:txBody>
@@ -10830,7 +10840,7 @@
 </file>
 
 <file path=ppt/theme/theme1.xml><?xml version="1.0" encoding="utf-8"?>
-<a:theme xmlns:a="http://schemas.openxmlformats.org/drawingml/2006/main" xmlns:r="http://schemas.openxmlformats.org/officeDocument/2006/relationships" name="Simple Light">
+<a:theme xmlns:a="http://schemas.openxmlformats.org/drawingml/2006/main" name="Simple Light">
   <a:themeElements>
     <a:clrScheme name="Simple Light">
       <a:dk1>
@@ -11105,11 +11115,13 @@
       </a:bgFillStyleLst>
     </a:fmtScheme>
   </a:themeElements>
+  <a:objectDefaults/>
+  <a:extraClrSchemeLst/>
 </a:theme>
 </file>
 
 <file path=ppt/theme/theme2.xml><?xml version="1.0" encoding="utf-8"?>
-<a:theme xmlns:a="http://schemas.openxmlformats.org/drawingml/2006/main" xmlns:r="http://schemas.openxmlformats.org/officeDocument/2006/relationships">
+<a:theme xmlns:a="http://schemas.openxmlformats.org/drawingml/2006/main">
   <a:themeElements>
     <a:clrScheme name="Default">
       <a:dk1>
@@ -11384,5 +11396,7 @@
       </a:bgFillStyleLst>
     </a:fmtScheme>
   </a:themeElements>
+  <a:objectDefaults/>
+  <a:extraClrSchemeLst/>
 </a:theme>
 </file>